--- a/Documentation/First_review_D6.pptx
+++ b/Documentation/First_review_D6.pptx
@@ -7,10 +7,10 @@
     <p:sldMasterId id="2147483697" r:id="rId6"/>
   </p:sldMasterIdLst>
   <p:notesMasterIdLst>
-    <p:notesMasterId r:id="rId22"/>
+    <p:notesMasterId r:id="rId24"/>
   </p:notesMasterIdLst>
   <p:handoutMasterIdLst>
-    <p:handoutMasterId r:id="rId23"/>
+    <p:handoutMasterId r:id="rId25"/>
   </p:handoutMasterIdLst>
   <p:sldIdLst>
     <p:sldId id="467" r:id="rId7"/>
@@ -19,15 +19,17 @@
     <p:sldId id="966" r:id="rId10"/>
     <p:sldId id="972" r:id="rId11"/>
     <p:sldId id="973" r:id="rId12"/>
-    <p:sldId id="967" r:id="rId13"/>
-    <p:sldId id="952" r:id="rId14"/>
-    <p:sldId id="971" r:id="rId15"/>
-    <p:sldId id="974" r:id="rId16"/>
-    <p:sldId id="968" r:id="rId17"/>
-    <p:sldId id="975" r:id="rId18"/>
-    <p:sldId id="969" r:id="rId19"/>
-    <p:sldId id="970" r:id="rId20"/>
-    <p:sldId id="964" r:id="rId21"/>
+    <p:sldId id="977" r:id="rId13"/>
+    <p:sldId id="976" r:id="rId14"/>
+    <p:sldId id="967" r:id="rId15"/>
+    <p:sldId id="952" r:id="rId16"/>
+    <p:sldId id="971" r:id="rId17"/>
+    <p:sldId id="974" r:id="rId18"/>
+    <p:sldId id="968" r:id="rId19"/>
+    <p:sldId id="975" r:id="rId20"/>
+    <p:sldId id="969" r:id="rId21"/>
+    <p:sldId id="970" r:id="rId22"/>
+    <p:sldId id="964" r:id="rId23"/>
   </p:sldIdLst>
   <p:sldSz cx="12192000" cy="6858000"/>
   <p:notesSz cx="6858000" cy="9144000"/>
@@ -231,7 +233,7 @@
             <a:fld id="{C4FDB985-8404-473A-A297-1E33D8BC29AD}" type="datetimeFigureOut">
               <a:rPr lang="en-US" smtClean="0"/>
               <a:pPr/>
-              <a:t>9/14/2023</a:t>
+              <a:t>9/17/2023</a:t>
             </a:fld>
             <a:endParaRPr lang="en-US"/>
           </a:p>
@@ -398,7 +400,7 @@
             <a:fld id="{51A85CDB-4198-450F-B6D3-048A14B96D4C}" type="datetimeFigureOut">
               <a:rPr lang="en-IN" smtClean="0"/>
               <a:pPr/>
-              <a:t>14-09-2023</a:t>
+              <a:t>17-09-2023</a:t>
             </a:fld>
             <a:endParaRPr lang="en-IN"/>
           </a:p>
@@ -928,7 +930,7 @@
             <a:fld id="{846CE7D5-CF57-46EF-B807-FDD0502418D4}" type="datetimeFigureOut">
               <a:rPr lang="en-US" smtClean="0"/>
               <a:pPr/>
-              <a:t>9/14/2023</a:t>
+              <a:t>9/17/2023</a:t>
             </a:fld>
             <a:endParaRPr lang="en-US"/>
           </a:p>
@@ -1098,7 +1100,7 @@
             <a:fld id="{846CE7D5-CF57-46EF-B807-FDD0502418D4}" type="datetimeFigureOut">
               <a:rPr lang="en-US" smtClean="0"/>
               <a:pPr/>
-              <a:t>9/14/2023</a:t>
+              <a:t>9/17/2023</a:t>
             </a:fld>
             <a:endParaRPr lang="en-US"/>
           </a:p>
@@ -1278,7 +1280,7 @@
             <a:fld id="{846CE7D5-CF57-46EF-B807-FDD0502418D4}" type="datetimeFigureOut">
               <a:rPr lang="en-US" smtClean="0"/>
               <a:pPr/>
-              <a:t>9/14/2023</a:t>
+              <a:t>9/17/2023</a:t>
             </a:fld>
             <a:endParaRPr lang="en-US"/>
           </a:p>
@@ -1853,7 +1855,7 @@
           <a:p>
             <a:fld id="{1FF68D9A-60AF-D041-8208-94719D7FA881}" type="datetimeFigureOut">
               <a:rPr lang="en-US" smtClean="0"/>
-              <a:t>9/14/2023</a:t>
+              <a:t>9/17/2023</a:t>
             </a:fld>
             <a:endParaRPr lang="en-US"/>
           </a:p>
@@ -2231,7 +2233,7 @@
           <a:p>
             <a:fld id="{1FF68D9A-60AF-D041-8208-94719D7FA881}" type="datetimeFigureOut">
               <a:rPr lang="en-US" smtClean="0"/>
-              <a:t>9/14/2023</a:t>
+              <a:t>9/17/2023</a:t>
             </a:fld>
             <a:endParaRPr lang="en-US"/>
           </a:p>
@@ -2344,7 +2346,7 @@
           <a:p>
             <a:fld id="{1FF68D9A-60AF-D041-8208-94719D7FA881}" type="datetimeFigureOut">
               <a:rPr lang="en-US" smtClean="0"/>
-              <a:t>9/14/2023</a:t>
+              <a:t>9/17/2023</a:t>
             </a:fld>
             <a:endParaRPr lang="en-US"/>
           </a:p>
@@ -4074,7 +4076,7 @@
             <a:fld id="{846CE7D5-CF57-46EF-B807-FDD0502418D4}" type="datetimeFigureOut">
               <a:rPr lang="en-US" smtClean="0"/>
               <a:pPr/>
-              <a:t>9/14/2023</a:t>
+              <a:t>9/17/2023</a:t>
             </a:fld>
             <a:endParaRPr lang="en-US"/>
           </a:p>
@@ -4270,7 +4272,7 @@
             <a:fld id="{846CE7D5-CF57-46EF-B807-FDD0502418D4}" type="datetimeFigureOut">
               <a:rPr lang="en-US" smtClean="0"/>
               <a:pPr/>
-              <a:t>9/14/2023</a:t>
+              <a:t>9/17/2023</a:t>
             </a:fld>
             <a:endParaRPr lang="en-US"/>
           </a:p>
@@ -4517,7 +4519,7 @@
             <a:fld id="{846CE7D5-CF57-46EF-B807-FDD0502418D4}" type="datetimeFigureOut">
               <a:rPr lang="en-US" smtClean="0"/>
               <a:pPr/>
-              <a:t>9/14/2023</a:t>
+              <a:t>9/17/2023</a:t>
             </a:fld>
             <a:endParaRPr lang="en-US"/>
           </a:p>
@@ -4748,7 +4750,7 @@
             <a:fld id="{846CE7D5-CF57-46EF-B807-FDD0502418D4}" type="datetimeFigureOut">
               <a:rPr lang="en-US" smtClean="0"/>
               <a:pPr/>
-              <a:t>9/14/2023</a:t>
+              <a:t>9/17/2023</a:t>
             </a:fld>
             <a:endParaRPr lang="en-US"/>
           </a:p>
@@ -5114,7 +5116,7 @@
             <a:fld id="{846CE7D5-CF57-46EF-B807-FDD0502418D4}" type="datetimeFigureOut">
               <a:rPr lang="en-US" smtClean="0"/>
               <a:pPr/>
-              <a:t>9/14/2023</a:t>
+              <a:t>9/17/2023</a:t>
             </a:fld>
             <a:endParaRPr lang="en-US"/>
           </a:p>
@@ -5233,7 +5235,7 @@
             <a:fld id="{846CE7D5-CF57-46EF-B807-FDD0502418D4}" type="datetimeFigureOut">
               <a:rPr lang="en-US" smtClean="0"/>
               <a:pPr/>
-              <a:t>9/14/2023</a:t>
+              <a:t>9/17/2023</a:t>
             </a:fld>
             <a:endParaRPr lang="en-US"/>
           </a:p>
@@ -5330,7 +5332,7 @@
             <a:fld id="{846CE7D5-CF57-46EF-B807-FDD0502418D4}" type="datetimeFigureOut">
               <a:rPr lang="en-US" smtClean="0"/>
               <a:pPr/>
-              <a:t>9/14/2023</a:t>
+              <a:t>9/17/2023</a:t>
             </a:fld>
             <a:endParaRPr lang="en-US"/>
           </a:p>
@@ -5607,7 +5609,7 @@
             <a:fld id="{846CE7D5-CF57-46EF-B807-FDD0502418D4}" type="datetimeFigureOut">
               <a:rPr lang="en-US" smtClean="0"/>
               <a:pPr/>
-              <a:t>9/14/2023</a:t>
+              <a:t>9/17/2023</a:t>
             </a:fld>
             <a:endParaRPr lang="en-US"/>
           </a:p>
@@ -5820,7 +5822,7 @@
             <a:fld id="{846CE7D5-CF57-46EF-B807-FDD0502418D4}" type="datetimeFigureOut">
               <a:rPr lang="en-US" smtClean="0"/>
               <a:pPr/>
-              <a:t>9/14/2023</a:t>
+              <a:t>9/17/2023</a:t>
             </a:fld>
             <a:endParaRPr lang="en-US"/>
           </a:p>
@@ -6503,7 +6505,7 @@
             <a:fld id="{846CE7D5-CF57-46EF-B807-FDD0502418D4}" type="datetimeFigureOut">
               <a:rPr lang="en-US" smtClean="0"/>
               <a:pPr/>
-              <a:t>9/14/2023</a:t>
+              <a:t>9/17/2023</a:t>
             </a:fld>
             <a:endParaRPr lang="en-US"/>
           </a:p>
@@ -7139,7 +7141,7 @@
           <a:p>
             <a:fld id="{1FF68D9A-60AF-D041-8208-94719D7FA881}" type="datetimeFigureOut">
               <a:rPr lang="en-US" smtClean="0"/>
-              <a:t>9/14/2023</a:t>
+              <a:t>9/17/2023</a:t>
             </a:fld>
             <a:endParaRPr lang="en-US"/>
           </a:p>
@@ -8209,6 +8211,104 @@
 <file path=ppt/slides/slide10.xml><?xml version="1.0" encoding="utf-8"?>
 <p:sld xmlns:a="http://schemas.openxmlformats.org/drawingml/2006/main" xmlns:r="http://schemas.openxmlformats.org/officeDocument/2006/relationships" xmlns:p="http://schemas.openxmlformats.org/presentationml/2006/main">
   <p:cSld>
+    <p:bg>
+      <p:bgPr>
+        <a:solidFill>
+          <a:schemeClr val="bg1"/>
+        </a:solidFill>
+        <a:effectLst/>
+      </p:bgPr>
+    </p:bg>
+    <p:spTree>
+      <p:nvGrpSpPr>
+        <p:cNvPr id="1" name=""/>
+        <p:cNvGrpSpPr/>
+        <p:nvPr/>
+      </p:nvGrpSpPr>
+      <p:grpSpPr>
+        <a:xfrm>
+          <a:off x="0" y="0"/>
+          <a:ext cx="0" cy="0"/>
+          <a:chOff x="0" y="0"/>
+          <a:chExt cx="0" cy="0"/>
+        </a:xfrm>
+      </p:grpSpPr>
+      <p:sp>
+        <p:nvSpPr>
+          <p:cNvPr id="5" name="Title 4">
+            <a:extLst>
+              <a:ext uri="{FF2B5EF4-FFF2-40B4-BE49-F238E27FC236}">
+                <a16:creationId xmlns:a16="http://schemas.microsoft.com/office/drawing/2014/main" id="{443B9AD2-3321-4280-1FB4-43BD84CE3033}"/>
+              </a:ext>
+            </a:extLst>
+          </p:cNvPr>
+          <p:cNvSpPr>
+            <a:spLocks noGrp="1"/>
+          </p:cNvSpPr>
+          <p:nvPr>
+            <p:ph type="title"/>
+          </p:nvPr>
+        </p:nvSpPr>
+        <p:spPr/>
+        <p:txBody>
+          <a:bodyPr>
+            <a:normAutofit fontScale="90000"/>
+          </a:bodyPr>
+          <a:lstStyle/>
+          <a:p>
+            <a:r>
+              <a:rPr lang="en-US" dirty="0"/>
+              <a:t>High Level Design</a:t>
+            </a:r>
+            <a:endParaRPr lang="en-IN" dirty="0"/>
+          </a:p>
+        </p:txBody>
+      </p:sp>
+      <p:pic>
+        <p:nvPicPr>
+          <p:cNvPr id="6" name="Content Placeholder 5">
+            <a:extLst>
+              <a:ext uri="{FF2B5EF4-FFF2-40B4-BE49-F238E27FC236}">
+                <a16:creationId xmlns:a16="http://schemas.microsoft.com/office/drawing/2014/main" id="{87439D4A-0E6E-09E6-1F81-1CDCBAD5E426}"/>
+              </a:ext>
+            </a:extLst>
+          </p:cNvPr>
+          <p:cNvPicPr>
+            <a:picLocks noGrp="1" noChangeAspect="1"/>
+          </p:cNvPicPr>
+          <p:nvPr>
+            <p:ph idx="1"/>
+          </p:nvPr>
+        </p:nvPicPr>
+        <p:blipFill>
+          <a:blip r:embed="rId2"/>
+          <a:stretch>
+            <a:fillRect/>
+          </a:stretch>
+        </p:blipFill>
+        <p:spPr>
+          <a:xfrm>
+            <a:off x="2427893" y="1136650"/>
+            <a:ext cx="6802814" cy="4908550"/>
+          </a:xfrm>
+        </p:spPr>
+      </p:pic>
+    </p:spTree>
+    <p:extLst>
+      <p:ext uri="{BB962C8B-B14F-4D97-AF65-F5344CB8AC3E}">
+        <p14:creationId xmlns:p14="http://schemas.microsoft.com/office/powerpoint/2010/main" val="2775072927"/>
+      </p:ext>
+    </p:extLst>
+  </p:cSld>
+  <p:clrMapOvr>
+    <a:masterClrMapping/>
+  </p:clrMapOvr>
+</p:sld>
+</file>
+
+<file path=ppt/slides/slide11.xml><?xml version="1.0" encoding="utf-8"?>
+<p:sld xmlns:a="http://schemas.openxmlformats.org/drawingml/2006/main" xmlns:r="http://schemas.openxmlformats.org/officeDocument/2006/relationships" xmlns:p="http://schemas.openxmlformats.org/presentationml/2006/main">
+  <p:cSld>
     <p:spTree>
       <p:nvGrpSpPr>
         <p:cNvPr id="1" name=""/>
@@ -8251,20 +8351,20 @@
           </a:bodyPr>
           <a:lstStyle/>
           <a:p>
-            <a:pPr marL="0" indent="0">
-              <a:buNone/>
+            <a:pPr marL="457200" indent="-457200">
+              <a:buAutoNum type="arabicPeriod"/>
             </a:pPr>
             <a:r>
               <a:rPr lang="en-US" sz="2200" dirty="0">
                 <a:latin typeface="Times New Roman" panose="02020603050405020304" pitchFamily="18" charset="0"/>
                 <a:cs typeface="Times New Roman" panose="02020603050405020304" pitchFamily="18" charset="0"/>
               </a:rPr>
-              <a:t>2. Allocation of the New Tasks </a:t>
+              <a:t>Mapping In Expert Workers to the Expert Workers</a:t>
             </a:r>
           </a:p>
           <a:p>
-            <a:pPr marL="0" indent="0">
-              <a:buNone/>
+            <a:pPr marL="457200" indent="-457200">
+              <a:buAutoNum type="arabicPeriod"/>
             </a:pPr>
             <a:endParaRPr lang="en-US" sz="2200" dirty="0">
               <a:latin typeface="Times New Roman" panose="02020603050405020304" pitchFamily="18" charset="0"/>
@@ -8280,7 +8380,7 @@
                 <a:latin typeface="Times New Roman" panose="02020603050405020304" pitchFamily="18" charset="0"/>
                 <a:cs typeface="Times New Roman" panose="02020603050405020304" pitchFamily="18" charset="0"/>
               </a:rPr>
-              <a:t>	 Tasks that arise will be meticulously assigned to workers based on a comprehensive evaluation of several key factors. These factors include the specific skill sets possessed by the workers, the precise requirements of the tasks at hand, the historical approval ratings of the workers, and the expected completion timeframe. </a:t>
+              <a:t>	The primary objective is to establish a structured mentorship program where experienced workers are paired with less experienced counterparts. This mentorship arrangement aims to harness the expertise of the seasoned workers, who will assume the role of mentors, guiding and delegating tasks to their less experienced counterparts. </a:t>
             </a:r>
           </a:p>
           <a:p>
@@ -8301,8 +8401,29 @@
                 <a:latin typeface="Times New Roman" panose="02020603050405020304" pitchFamily="18" charset="0"/>
                 <a:cs typeface="Times New Roman" panose="02020603050405020304" pitchFamily="18" charset="0"/>
               </a:rPr>
-              <a:t>	Subsequently, a judicious matching process will ensue, ensuring that the forthcoming tasks are allocated to workers in a manner that aligns seamlessly with these aforementioned criteria.</a:t>
+              <a:t>	The intended outcome of this initiative is twofold: firstly, it aims to optimize the utilization of the workforce by efficiently channeling their skills and knowledge, and secondly, it strives to enhance task completion rates by streamlining the workflow through the introduction of this mentorship-based approach.</a:t>
             </a:r>
+          </a:p>
+          <a:p>
+            <a:pPr marL="0" indent="0" algn="just">
+              <a:buNone/>
+            </a:pPr>
+            <a:r>
+              <a:rPr lang="en-US" sz="2200" dirty="0">
+                <a:latin typeface="Times New Roman" panose="02020603050405020304" pitchFamily="18" charset="0"/>
+                <a:cs typeface="Times New Roman" panose="02020603050405020304" pitchFamily="18" charset="0"/>
+              </a:rPr>
+              <a:t>	</a:t>
+            </a:r>
+          </a:p>
+          <a:p>
+            <a:pPr marL="514350" indent="-514350">
+              <a:buAutoNum type="arabicPeriod"/>
+            </a:pPr>
+            <a:endParaRPr lang="en-IN" sz="2200" dirty="0">
+              <a:latin typeface="Times New Roman" panose="02020603050405020304" pitchFamily="18" charset="0"/>
+              <a:cs typeface="Times New Roman" panose="02020603050405020304" pitchFamily="18" charset="0"/>
+            </a:endParaRPr>
           </a:p>
         </p:txBody>
       </p:sp>
@@ -8340,6 +8461,150 @@
     </p:spTree>
     <p:extLst>
       <p:ext uri="{BB962C8B-B14F-4D97-AF65-F5344CB8AC3E}">
+        <p14:creationId xmlns:p14="http://schemas.microsoft.com/office/powerpoint/2010/main" val="1464440457"/>
+      </p:ext>
+    </p:extLst>
+  </p:cSld>
+  <p:clrMapOvr>
+    <a:masterClrMapping/>
+  </p:clrMapOvr>
+</p:sld>
+</file>
+
+<file path=ppt/slides/slide12.xml><?xml version="1.0" encoding="utf-8"?>
+<p:sld xmlns:a="http://schemas.openxmlformats.org/drawingml/2006/main" xmlns:r="http://schemas.openxmlformats.org/officeDocument/2006/relationships" xmlns:p="http://schemas.openxmlformats.org/presentationml/2006/main">
+  <p:cSld>
+    <p:spTree>
+      <p:nvGrpSpPr>
+        <p:cNvPr id="1" name=""/>
+        <p:cNvGrpSpPr/>
+        <p:nvPr/>
+      </p:nvGrpSpPr>
+      <p:grpSpPr>
+        <a:xfrm>
+          <a:off x="0" y="0"/>
+          <a:ext cx="0" cy="0"/>
+          <a:chOff x="0" y="0"/>
+          <a:chExt cx="0" cy="0"/>
+        </a:xfrm>
+      </p:grpSpPr>
+      <p:sp>
+        <p:nvSpPr>
+          <p:cNvPr id="2" name="Content Placeholder 1">
+            <a:extLst>
+              <a:ext uri="{FF2B5EF4-FFF2-40B4-BE49-F238E27FC236}">
+                <a16:creationId xmlns:a16="http://schemas.microsoft.com/office/drawing/2014/main" id="{A9885855-5737-3352-5779-89055A795C66}"/>
+              </a:ext>
+            </a:extLst>
+          </p:cNvPr>
+          <p:cNvSpPr>
+            <a:spLocks noGrp="1"/>
+          </p:cNvSpPr>
+          <p:nvPr>
+            <p:ph idx="1"/>
+          </p:nvPr>
+        </p:nvSpPr>
+        <p:spPr>
+          <a:xfrm>
+            <a:off x="472887" y="1307585"/>
+            <a:ext cx="10515600" cy="4908082"/>
+          </a:xfrm>
+        </p:spPr>
+        <p:txBody>
+          <a:bodyPr>
+            <a:normAutofit/>
+          </a:bodyPr>
+          <a:lstStyle/>
+          <a:p>
+            <a:pPr marL="0" indent="0">
+              <a:buNone/>
+            </a:pPr>
+            <a:r>
+              <a:rPr lang="en-US" sz="2200" dirty="0">
+                <a:latin typeface="Times New Roman" panose="02020603050405020304" pitchFamily="18" charset="0"/>
+                <a:cs typeface="Times New Roman" panose="02020603050405020304" pitchFamily="18" charset="0"/>
+              </a:rPr>
+              <a:t>2. Allocation of the New Tasks </a:t>
+            </a:r>
+          </a:p>
+          <a:p>
+            <a:pPr marL="0" indent="0">
+              <a:buNone/>
+            </a:pPr>
+            <a:endParaRPr lang="en-US" sz="2200" dirty="0">
+              <a:latin typeface="Times New Roman" panose="02020603050405020304" pitchFamily="18" charset="0"/>
+              <a:cs typeface="Times New Roman" panose="02020603050405020304" pitchFamily="18" charset="0"/>
+            </a:endParaRPr>
+          </a:p>
+          <a:p>
+            <a:pPr marL="0" indent="0" algn="just">
+              <a:buNone/>
+            </a:pPr>
+            <a:r>
+              <a:rPr lang="en-US" sz="2200" dirty="0">
+                <a:latin typeface="Times New Roman" panose="02020603050405020304" pitchFamily="18" charset="0"/>
+                <a:cs typeface="Times New Roman" panose="02020603050405020304" pitchFamily="18" charset="0"/>
+              </a:rPr>
+              <a:t>	 Tasks that arise will be meticulously assigned to workers based on a comprehensive evaluation of several key factors. These factors include the specific skill sets possessed by the workers, the precise requirements of the tasks at hand, the historical approval ratings of the workers, and the expected completion timeframe. </a:t>
+            </a:r>
+          </a:p>
+          <a:p>
+            <a:pPr marL="0" indent="0" algn="just">
+              <a:buNone/>
+            </a:pPr>
+            <a:endParaRPr lang="en-US" sz="2200" dirty="0">
+              <a:latin typeface="Times New Roman" panose="02020603050405020304" pitchFamily="18" charset="0"/>
+              <a:cs typeface="Times New Roman" panose="02020603050405020304" pitchFamily="18" charset="0"/>
+            </a:endParaRPr>
+          </a:p>
+          <a:p>
+            <a:pPr marL="0" indent="0" algn="just">
+              <a:buNone/>
+            </a:pPr>
+            <a:r>
+              <a:rPr lang="en-US" sz="2200" dirty="0">
+                <a:latin typeface="Times New Roman" panose="02020603050405020304" pitchFamily="18" charset="0"/>
+                <a:cs typeface="Times New Roman" panose="02020603050405020304" pitchFamily="18" charset="0"/>
+              </a:rPr>
+              <a:t>	Subsequently, a judicious matching process will ensue, ensuring that the forthcoming tasks are allocated to workers in a manner that aligns seamlessly with these aforementioned criteria.</a:t>
+            </a:r>
+          </a:p>
+        </p:txBody>
+      </p:sp>
+      <p:sp>
+        <p:nvSpPr>
+          <p:cNvPr id="3" name="Title 2">
+            <a:extLst>
+              <a:ext uri="{FF2B5EF4-FFF2-40B4-BE49-F238E27FC236}">
+                <a16:creationId xmlns:a16="http://schemas.microsoft.com/office/drawing/2014/main" id="{57AB46FB-4901-B833-3BF9-E37CE4150980}"/>
+              </a:ext>
+            </a:extLst>
+          </p:cNvPr>
+          <p:cNvSpPr>
+            <a:spLocks noGrp="1"/>
+          </p:cNvSpPr>
+          <p:nvPr>
+            <p:ph type="title"/>
+          </p:nvPr>
+        </p:nvSpPr>
+        <p:spPr/>
+        <p:txBody>
+          <a:bodyPr>
+            <a:normAutofit fontScale="90000"/>
+          </a:bodyPr>
+          <a:lstStyle/>
+          <a:p>
+            <a:r>
+              <a:rPr lang="en-US" dirty="0"/>
+              <a:t>Project Contributions</a:t>
+            </a:r>
+            <a:endParaRPr lang="en-IN" dirty="0"/>
+          </a:p>
+        </p:txBody>
+      </p:sp>
+    </p:spTree>
+    <p:extLst>
+      <p:ext uri="{BB962C8B-B14F-4D97-AF65-F5344CB8AC3E}">
         <p14:creationId xmlns:p14="http://schemas.microsoft.com/office/powerpoint/2010/main" val="4025456454"/>
       </p:ext>
     </p:extLst>
@@ -8350,7 +8615,7 @@
 </p:sld>
 </file>
 
-<file path=ppt/slides/slide11.xml><?xml version="1.0" encoding="utf-8"?>
+<file path=ppt/slides/slide13.xml><?xml version="1.0" encoding="utf-8"?>
 <p:sld xmlns:a="http://schemas.openxmlformats.org/drawingml/2006/main" xmlns:r="http://schemas.openxmlformats.org/officeDocument/2006/relationships" xmlns:p="http://schemas.openxmlformats.org/presentationml/2006/main">
   <p:cSld>
     <p:spTree>
@@ -8385,7 +8650,7 @@
         </p:nvSpPr>
         <p:spPr>
           <a:xfrm>
-            <a:off x="571499" y="1601257"/>
+            <a:off x="571499" y="1090269"/>
             <a:ext cx="10515600" cy="4908082"/>
           </a:xfrm>
         </p:spPr>
@@ -8399,7 +8664,7 @@
               <a:buNone/>
             </a:pPr>
             <a:r>
-              <a:rPr lang="en-IN" dirty="0">
+              <a:rPr lang="en-IN" sz="2600" dirty="0">
                 <a:latin typeface="Times New Roman" panose="02020603050405020304" pitchFamily="18" charset="0"/>
                 <a:cs typeface="Times New Roman" panose="02020603050405020304" pitchFamily="18" charset="0"/>
               </a:rPr>
@@ -8408,30 +8673,72 @@
           </a:p>
           <a:p>
             <a:pPr algn="just"/>
-            <a:endParaRPr lang="en-IN" dirty="0">
+            <a:endParaRPr lang="en-IN" sz="2600" dirty="0">
               <a:latin typeface="Times New Roman" panose="02020603050405020304" pitchFamily="18" charset="0"/>
               <a:cs typeface="Times New Roman" panose="02020603050405020304" pitchFamily="18" charset="0"/>
             </a:endParaRPr>
           </a:p>
           <a:p>
-            <a:pPr marL="0" indent="0" algn="just">
-              <a:buNone/>
-            </a:pPr>
+            <a:pPr algn="just"/>
             <a:r>
-              <a:rPr lang="en-IN" dirty="0">
+              <a:rPr lang="en-US" sz="2600" dirty="0">
                 <a:latin typeface="Times New Roman" panose="02020603050405020304" pitchFamily="18" charset="0"/>
                 <a:cs typeface="Times New Roman" panose="02020603050405020304" pitchFamily="18" charset="0"/>
               </a:rPr>
-              <a:t>	</a:t>
+              <a:t>Let Wie be the set of inexpert workers and We be the set of expert workers. </a:t>
             </a:r>
+          </a:p>
+          <a:p>
+            <a:pPr algn="just"/>
+            <a:endParaRPr lang="en-US" sz="1500" dirty="0">
+              <a:latin typeface="Times New Roman" panose="02020603050405020304" pitchFamily="18" charset="0"/>
+              <a:cs typeface="Times New Roman" panose="02020603050405020304" pitchFamily="18" charset="0"/>
+            </a:endParaRPr>
+          </a:p>
+          <a:p>
+            <a:pPr algn="just"/>
             <a:r>
-              <a:rPr lang="en-US" dirty="0">
+              <a:rPr lang="en-US" sz="2600" dirty="0">
                 <a:latin typeface="Times New Roman" panose="02020603050405020304" pitchFamily="18" charset="0"/>
                 <a:cs typeface="Times New Roman" panose="02020603050405020304" pitchFamily="18" charset="0"/>
               </a:rPr>
-              <a:t>Let Wie be the set of inexpert workers and We be the set of expert workers. A new worker Wie should map to another participant We who has exact or very similar skills. At first, we compute the distance between the skill set of an inexpert worker and the available expert workers. And then according to their matching score we will map them.</a:t>
+              <a:t>A new worker Wie should map to another participant We who has exact or very similar skills. </a:t>
             </a:r>
-            <a:endParaRPr lang="en-IN" dirty="0">
+          </a:p>
+          <a:p>
+            <a:pPr algn="just"/>
+            <a:endParaRPr lang="en-US" sz="1500" dirty="0">
+              <a:latin typeface="Times New Roman" panose="02020603050405020304" pitchFamily="18" charset="0"/>
+              <a:cs typeface="Times New Roman" panose="02020603050405020304" pitchFamily="18" charset="0"/>
+            </a:endParaRPr>
+          </a:p>
+          <a:p>
+            <a:pPr algn="just"/>
+            <a:r>
+              <a:rPr lang="en-US" sz="2600" dirty="0">
+                <a:latin typeface="Times New Roman" panose="02020603050405020304" pitchFamily="18" charset="0"/>
+                <a:cs typeface="Times New Roman" panose="02020603050405020304" pitchFamily="18" charset="0"/>
+              </a:rPr>
+              <a:t>At first, we compute the distance between the skill set of an inexpert worker and the available expert workers. </a:t>
+            </a:r>
+          </a:p>
+          <a:p>
+            <a:pPr algn="just"/>
+            <a:endParaRPr lang="en-US" sz="1500" dirty="0">
+              <a:latin typeface="Times New Roman" panose="02020603050405020304" pitchFamily="18" charset="0"/>
+              <a:cs typeface="Times New Roman" panose="02020603050405020304" pitchFamily="18" charset="0"/>
+            </a:endParaRPr>
+          </a:p>
+          <a:p>
+            <a:pPr algn="just"/>
+            <a:r>
+              <a:rPr lang="en-US" sz="2600" dirty="0">
+                <a:latin typeface="Times New Roman" panose="02020603050405020304" pitchFamily="18" charset="0"/>
+                <a:cs typeface="Times New Roman" panose="02020603050405020304" pitchFamily="18" charset="0"/>
+              </a:rPr>
+              <a:t>And then according to their matching score we will map them.</a:t>
+            </a:r>
+            <a:endParaRPr lang="en-IN" sz="2600" dirty="0">
               <a:latin typeface="Times New Roman" panose="02020603050405020304" pitchFamily="18" charset="0"/>
               <a:cs typeface="Times New Roman" panose="02020603050405020304" pitchFamily="18" charset="0"/>
             </a:endParaRPr>
@@ -8482,7 +8789,7 @@
 </p:sld>
 </file>
 
-<file path=ppt/slides/slide12.xml><?xml version="1.0" encoding="utf-8"?>
+<file path=ppt/slides/slide14.xml><?xml version="1.0" encoding="utf-8"?>
 <p:sld xmlns:a="http://schemas.openxmlformats.org/drawingml/2006/main" xmlns:r="http://schemas.openxmlformats.org/officeDocument/2006/relationships" xmlns:p="http://schemas.openxmlformats.org/presentationml/2006/main">
   <p:cSld>
     <p:spTree>
@@ -8517,7 +8824,7 @@
         </p:nvSpPr>
         <p:spPr>
           <a:xfrm>
-            <a:off x="571499" y="1601257"/>
+            <a:off x="571499" y="1305422"/>
             <a:ext cx="10515600" cy="4908082"/>
           </a:xfrm>
         </p:spPr>
@@ -8543,13 +8850,7 @@
             <a:endParaRPr lang="en-IN" dirty="0"/>
           </a:p>
           <a:p>
-            <a:pPr marL="0" indent="0" algn="just">
-              <a:buNone/>
-            </a:pPr>
-            <a:r>
-              <a:rPr lang="en-IN" dirty="0"/>
-              <a:t>	</a:t>
-            </a:r>
+            <a:pPr algn="just"/>
             <a:r>
               <a:rPr lang="en-US" dirty="0">
                 <a:latin typeface="Times New Roman" panose="02020603050405020304" pitchFamily="18" charset="0"/>
@@ -8564,12 +8865,39 @@
               </a:rPr>
               <a:t>.</a:t>
             </a:r>
+          </a:p>
+          <a:p>
+            <a:pPr algn="just"/>
+            <a:endParaRPr lang="en-IN" dirty="0">
+              <a:latin typeface="Times New Roman" panose="02020603050405020304" pitchFamily="18" charset="0"/>
+              <a:cs typeface="Times New Roman" panose="02020603050405020304" pitchFamily="18" charset="0"/>
+            </a:endParaRPr>
+          </a:p>
+          <a:p>
+            <a:pPr algn="just"/>
             <a:r>
               <a:rPr lang="en-US" dirty="0">
                 <a:latin typeface="Times New Roman" panose="02020603050405020304" pitchFamily="18" charset="0"/>
                 <a:cs typeface="Times New Roman" panose="02020603050405020304" pitchFamily="18" charset="0"/>
               </a:rPr>
-              <a:t> Then we compute the similarity between the workers and tasks using the similarity measures. Tasks with higher similarity in skills are recommended to the worker. </a:t>
+              <a:t> Then we compute the similarity between the workers and tasks using the similarity measures. </a:t>
+            </a:r>
+          </a:p>
+          <a:p>
+            <a:pPr algn="just"/>
+            <a:endParaRPr lang="en-US" dirty="0">
+              <a:latin typeface="Times New Roman" panose="02020603050405020304" pitchFamily="18" charset="0"/>
+              <a:cs typeface="Times New Roman" panose="02020603050405020304" pitchFamily="18" charset="0"/>
+            </a:endParaRPr>
+          </a:p>
+          <a:p>
+            <a:pPr algn="just"/>
+            <a:r>
+              <a:rPr lang="en-US" dirty="0">
+                <a:latin typeface="Times New Roman" panose="02020603050405020304" pitchFamily="18" charset="0"/>
+                <a:cs typeface="Times New Roman" panose="02020603050405020304" pitchFamily="18" charset="0"/>
+              </a:rPr>
+              <a:t>Tasks with higher similarity in skills are recommended to the worker. </a:t>
             </a:r>
             <a:endParaRPr lang="en-IN" dirty="0">
               <a:latin typeface="Times New Roman" panose="02020603050405020304" pitchFamily="18" charset="0"/>
@@ -8622,7 +8950,7 @@
 </p:sld>
 </file>
 
-<file path=ppt/slides/slide13.xml><?xml version="1.0" encoding="utf-8"?>
+<file path=ppt/slides/slide15.xml><?xml version="1.0" encoding="utf-8"?>
 <p:sld xmlns:a="http://schemas.openxmlformats.org/drawingml/2006/main" xmlns:r="http://schemas.openxmlformats.org/officeDocument/2006/relationships" xmlns:p="http://schemas.openxmlformats.org/presentationml/2006/main">
   <p:cSld>
     <p:spTree>
@@ -8728,7 +9056,7 @@
 </p:sld>
 </file>
 
-<file path=ppt/slides/slide14.xml><?xml version="1.0" encoding="utf-8"?>
+<file path=ppt/slides/slide16.xml><?xml version="1.0" encoding="utf-8"?>
 <p:sld xmlns:a="http://schemas.openxmlformats.org/drawingml/2006/main" xmlns:r="http://schemas.openxmlformats.org/officeDocument/2006/relationships" xmlns:p="http://schemas.openxmlformats.org/presentationml/2006/main">
   <p:cSld>
     <p:spTree>
@@ -8761,16 +9089,21 @@
             <p:ph idx="1"/>
           </p:nvPr>
         </p:nvSpPr>
-        <p:spPr/>
+        <p:spPr>
+          <a:xfrm>
+            <a:off x="571499" y="1226903"/>
+            <a:ext cx="10515600" cy="4908082"/>
+          </a:xfrm>
+        </p:spPr>
         <p:txBody>
           <a:bodyPr>
-            <a:normAutofit/>
+            <a:noAutofit/>
           </a:bodyPr>
           <a:lstStyle/>
           <a:p>
             <a:pPr algn="just"/>
             <a:r>
-              <a:rPr lang="en-US" sz="2400" dirty="0">
+              <a:rPr lang="en-US" sz="2100" dirty="0">
                 <a:latin typeface="Times New Roman" panose="02020603050405020304" pitchFamily="18" charset="0"/>
                 <a:cs typeface="Times New Roman" panose="02020603050405020304" pitchFamily="18" charset="0"/>
               </a:rPr>
@@ -8780,35 +9113,35 @@
           <a:p>
             <a:pPr algn="just"/>
             <a:r>
-              <a:rPr lang="en-IN" sz="2400" dirty="0" err="1">
+              <a:rPr lang="en-IN" sz="2100" dirty="0" err="1">
                 <a:latin typeface="Times New Roman" panose="02020603050405020304" pitchFamily="18" charset="0"/>
                 <a:cs typeface="Times New Roman" panose="02020603050405020304" pitchFamily="18" charset="0"/>
               </a:rPr>
               <a:t>Ayswarya</a:t>
             </a:r>
             <a:r>
-              <a:rPr lang="en-IN" sz="2400" dirty="0">
+              <a:rPr lang="en-IN" sz="2100" dirty="0">
                 <a:latin typeface="Times New Roman" panose="02020603050405020304" pitchFamily="18" charset="0"/>
                 <a:cs typeface="Times New Roman" panose="02020603050405020304" pitchFamily="18" charset="0"/>
               </a:rPr>
               <a:t> R Kurup and G P Sajeev, “</a:t>
             </a:r>
             <a:r>
-              <a:rPr lang="en-US" sz="2400" dirty="0">
+              <a:rPr lang="en-US" sz="2100" dirty="0">
                 <a:latin typeface="Times New Roman" panose="02020603050405020304" pitchFamily="18" charset="0"/>
                 <a:cs typeface="Times New Roman" panose="02020603050405020304" pitchFamily="18" charset="0"/>
               </a:rPr>
               <a:t>Task Personalization for In expertise Workers in Incentive Based Crowdsourcing Platforms, </a:t>
             </a:r>
             <a:r>
-              <a:rPr lang="en-IN" sz="2400" dirty="0">
+              <a:rPr lang="en-IN" sz="2100" dirty="0">
                 <a:latin typeface="Times New Roman" panose="02020603050405020304" pitchFamily="18" charset="0"/>
                 <a:cs typeface="Times New Roman" panose="02020603050405020304" pitchFamily="18" charset="0"/>
               </a:rPr>
               <a:t>” in </a:t>
             </a:r>
             <a:r>
-              <a:rPr lang="en-US" sz="2400" dirty="0">
+              <a:rPr lang="en-US" sz="2100" dirty="0">
                 <a:latin typeface="Times New Roman" panose="02020603050405020304" pitchFamily="18" charset="0"/>
                 <a:cs typeface="Times New Roman" panose="02020603050405020304" pitchFamily="18" charset="0"/>
               </a:rPr>
@@ -8818,11 +9151,21 @@
           <a:p>
             <a:pPr algn="just"/>
             <a:r>
-              <a:rPr lang="en-US" sz="2400" dirty="0">
+              <a:rPr lang="en-US" sz="2100" dirty="0">
                 <a:latin typeface="Times New Roman" panose="02020603050405020304" pitchFamily="18" charset="0"/>
                 <a:cs typeface="Times New Roman" panose="02020603050405020304" pitchFamily="18" charset="0"/>
               </a:rPr>
               <a:t>K. Li, J. Xiao, Y. Wang, and Q. Wang, “Analysis of the key factors for software quality in crowdsourcing development: An empirical study on top coder. com,” in Computer Software and Applications Conference (COMPSAC), 2013 IEEE 37th Annual. IEEE, 2013, pp. 812–817.</a:t>
+            </a:r>
+          </a:p>
+          <a:p>
+            <a:pPr algn="just"/>
+            <a:r>
+              <a:rPr lang="en-US" sz="2100" dirty="0">
+                <a:latin typeface="Times New Roman" panose="02020603050405020304" pitchFamily="18" charset="0"/>
+                <a:cs typeface="Times New Roman" panose="02020603050405020304" pitchFamily="18" charset="0"/>
+              </a:rPr>
+              <a:t>A. R. Kurup and G. P. Sajeev, “Task recommendation in Reward-Based crowdsourcing systems,” in Fifth International Symposium on Women in Computing and Informatics (WCI-2017), Manipal, Mangalore, India, Sep. 2017, pp. 1511–1518.</a:t>
             </a:r>
           </a:p>
         </p:txBody>
@@ -8843,7 +9186,12 @@
             <p:ph type="title"/>
           </p:nvPr>
         </p:nvSpPr>
-        <p:spPr/>
+        <p:spPr>
+          <a:xfrm>
+            <a:off x="508746" y="411414"/>
+            <a:ext cx="10515600" cy="421441"/>
+          </a:xfrm>
+        </p:spPr>
         <p:txBody>
           <a:bodyPr>
             <a:normAutofit fontScale="90000"/>
@@ -8871,7 +9219,7 @@
 </p:sld>
 </file>
 
-<file path=ppt/slides/slide15.xml><?xml version="1.0" encoding="utf-8"?>
+<file path=ppt/slides/slide17.xml><?xml version="1.0" encoding="utf-8"?>
 <p:sld xmlns:a="http://schemas.openxmlformats.org/drawingml/2006/main" xmlns:r="http://schemas.openxmlformats.org/officeDocument/2006/relationships" xmlns:p="http://schemas.openxmlformats.org/presentationml/2006/main">
   <p:cSld>
     <p:spTree>
@@ -8963,7 +9311,12 @@
             <p:ph type="title"/>
           </p:nvPr>
         </p:nvSpPr>
-        <p:spPr/>
+        <p:spPr>
+          <a:xfrm>
+            <a:off x="571498" y="608115"/>
+            <a:ext cx="10515600" cy="421441"/>
+          </a:xfrm>
+        </p:spPr>
         <p:txBody>
           <a:bodyPr>
             <a:normAutofit fontScale="90000"/>
@@ -8996,8 +9349,8 @@
         </p:nvSpPr>
         <p:spPr>
           <a:xfrm>
-            <a:off x="571499" y="1029556"/>
-            <a:ext cx="10515600" cy="4908082"/>
+            <a:off x="571498" y="904050"/>
+            <a:ext cx="11118477" cy="4908082"/>
           </a:xfrm>
         </p:spPr>
         <p:txBody>
@@ -9009,7 +9362,7 @@
             <a:pPr marL="0" indent="0" algn="just">
               <a:buNone/>
             </a:pPr>
-            <a:endParaRPr lang="en-US" dirty="0">
+            <a:endParaRPr lang="en-US" sz="2400" dirty="0">
               <a:latin typeface="Times New Roman" panose="02020603050405020304" pitchFamily="18" charset="0"/>
               <a:cs typeface="Times New Roman" panose="02020603050405020304" pitchFamily="18" charset="0"/>
             </a:endParaRPr>
@@ -9018,31 +9371,42 @@
             <a:pPr marL="0" indent="0" algn="just">
               <a:buNone/>
             </a:pPr>
+            <a:endParaRPr lang="en-US" sz="2400" dirty="0">
+              <a:latin typeface="Times New Roman" panose="02020603050405020304" pitchFamily="18" charset="0"/>
+              <a:cs typeface="Times New Roman" panose="02020603050405020304" pitchFamily="18" charset="0"/>
+            </a:endParaRPr>
+          </a:p>
+          <a:p>
+            <a:pPr marL="0" indent="0" algn="just">
+              <a:buNone/>
+            </a:pPr>
             <a:r>
-              <a:rPr lang="en-US" dirty="0">
+              <a:rPr lang="en-US" sz="2400" dirty="0">
                 <a:latin typeface="Times New Roman" panose="02020603050405020304" pitchFamily="18" charset="0"/>
                 <a:cs typeface="Times New Roman" panose="02020603050405020304" pitchFamily="18" charset="0"/>
               </a:rPr>
-              <a:t>	</a:t>
+              <a:t>	This project aims to tackle the challenges of task allocation in crowdsourcing platforms, ensuring efficient assignment of tasks to workers based on their skills and task difficulty. Efficient task assignment is paramount for productivity and growth. </a:t>
             </a:r>
-            <a:br>
-              <a:rPr lang="en-US" dirty="0">
+          </a:p>
+          <a:p>
+            <a:pPr marL="0" indent="0" algn="just">
+              <a:buNone/>
+            </a:pPr>
+            <a:endParaRPr lang="en-US" sz="2400" dirty="0">
+              <a:latin typeface="Times New Roman" panose="02020603050405020304" pitchFamily="18" charset="0"/>
+              <a:cs typeface="Times New Roman" panose="02020603050405020304" pitchFamily="18" charset="0"/>
+            </a:endParaRPr>
+          </a:p>
+          <a:p>
+            <a:pPr marL="0" indent="0" algn="just">
+              <a:buNone/>
+            </a:pPr>
+            <a:r>
+              <a:rPr lang="en-US" sz="2400" dirty="0">
                 <a:latin typeface="Times New Roman" panose="02020603050405020304" pitchFamily="18" charset="0"/>
                 <a:cs typeface="Times New Roman" panose="02020603050405020304" pitchFamily="18" charset="0"/>
               </a:rPr>
-            </a:br>
-            <a:br>
-              <a:rPr lang="en-US" dirty="0">
-                <a:latin typeface="Times New Roman" panose="02020603050405020304" pitchFamily="18" charset="0"/>
-                <a:cs typeface="Times New Roman" panose="02020603050405020304" pitchFamily="18" charset="0"/>
-              </a:rPr>
-            </a:br>
-            <a:r>
-              <a:rPr lang="en-US" dirty="0">
-                <a:latin typeface="Times New Roman" panose="02020603050405020304" pitchFamily="18" charset="0"/>
-                <a:cs typeface="Times New Roman" panose="02020603050405020304" pitchFamily="18" charset="0"/>
-              </a:rPr>
-              <a:t>	This project aims to tackle the challenges of task allocation in crowdsourcing platforms, ensuring efficient assignment of tasks to workers based on their skills and task difficulty. The problem is significant due to the increasing popularity of crowdsourcing platforms. </a:t>
+              <a:t>	The problem is significant due to the increasing popularity of crowdsourcing platforms. We will be delivering a fostering mentorship mapping. Our approach will match tasks with the right individuals, ensuring optimal workforce utilization and task completion. </a:t>
             </a:r>
           </a:p>
         </p:txBody>
@@ -9093,7 +9457,12 @@
             <p:ph type="title"/>
           </p:nvPr>
         </p:nvSpPr>
-        <p:spPr/>
+        <p:spPr>
+          <a:xfrm>
+            <a:off x="571499" y="608115"/>
+            <a:ext cx="10515600" cy="421441"/>
+          </a:xfrm>
+        </p:spPr>
         <p:txBody>
           <a:bodyPr>
             <a:normAutofit fontScale="90000"/>
@@ -9131,13 +9500,15 @@
           </a:xfrm>
         </p:spPr>
         <p:txBody>
-          <a:bodyPr/>
+          <a:bodyPr>
+            <a:normAutofit/>
+          </a:bodyPr>
           <a:lstStyle/>
           <a:p>
             <a:pPr marL="0" indent="0" algn="just">
               <a:buNone/>
             </a:pPr>
-            <a:endParaRPr lang="en-US" dirty="0">
+            <a:endParaRPr lang="en-US" sz="2700" dirty="0">
               <a:latin typeface="Times New Roman" panose="02020603050405020304" pitchFamily="18" charset="0"/>
               <a:cs typeface="Times New Roman" panose="02020603050405020304" pitchFamily="18" charset="0"/>
             </a:endParaRPr>
@@ -9147,7 +9518,7 @@
               <a:buNone/>
             </a:pPr>
             <a:r>
-              <a:rPr lang="en-US" dirty="0">
+              <a:rPr lang="en-US" sz="2700" dirty="0">
                 <a:latin typeface="Times New Roman" panose="02020603050405020304" pitchFamily="18" charset="0"/>
                 <a:cs typeface="Times New Roman" panose="02020603050405020304" pitchFamily="18" charset="0"/>
               </a:rPr>
@@ -9158,14 +9529,23 @@
             <a:pPr marL="0" indent="0" algn="just">
               <a:buNone/>
             </a:pPr>
+            <a:endParaRPr lang="en-US" sz="2700" dirty="0">
+              <a:latin typeface="Times New Roman" panose="02020603050405020304" pitchFamily="18" charset="0"/>
+              <a:cs typeface="Times New Roman" panose="02020603050405020304" pitchFamily="18" charset="0"/>
+            </a:endParaRPr>
+          </a:p>
+          <a:p>
+            <a:pPr marL="0" indent="0" algn="just">
+              <a:buNone/>
+            </a:pPr>
             <a:r>
-              <a:rPr lang="en-US" dirty="0">
+              <a:rPr lang="en-US" sz="2700" dirty="0">
                 <a:latin typeface="Times New Roman" panose="02020603050405020304" pitchFamily="18" charset="0"/>
                 <a:cs typeface="Times New Roman" panose="02020603050405020304" pitchFamily="18" charset="0"/>
               </a:rPr>
-              <a:t>	The motivation lies in enhancing platform efficiency, client satisfaction, and freelancer success. Persisting challenges include designing an accurate task allocation algorithm. And the need to improve efficiency and quality by reducing task allocation errors and preventing task failures. 	</a:t>
+              <a:t>	The motivation lies in enhancing platform efficiency, client satisfaction, and freelancer success. Persisting challenges include designing an accurate task allocation algorithm. And the need to improve efficiency and quality by reducing task allocation errors and preventing task failures. </a:t>
             </a:r>
-            <a:endParaRPr lang="en-IN" dirty="0">
+            <a:endParaRPr lang="en-IN" sz="2700" dirty="0">
               <a:latin typeface="Times New Roman" panose="02020603050405020304" pitchFamily="18" charset="0"/>
               <a:cs typeface="Times New Roman" panose="02020603050405020304" pitchFamily="18" charset="0"/>
             </a:endParaRPr>
@@ -9313,28 +9693,28 @@
           <p:nvPr>
             <p:extLst>
               <p:ext uri="{D42A27DB-BD31-4B8C-83A1-F6EECF244321}">
-                <p14:modId xmlns:p14="http://schemas.microsoft.com/office/powerpoint/2010/main" val="3766291206"/>
+                <p14:modId xmlns:p14="http://schemas.microsoft.com/office/powerpoint/2010/main" val="4294722921"/>
               </p:ext>
             </p:extLst>
           </p:nvPr>
         </p:nvGraphicFramePr>
         <p:xfrm>
-          <a:off x="571498" y="984334"/>
-          <a:ext cx="10792920" cy="4889332"/>
+          <a:off x="699540" y="1647150"/>
+          <a:ext cx="10792920" cy="3913972"/>
         </p:xfrm>
         <a:graphic>
           <a:graphicData uri="http://schemas.openxmlformats.org/drawingml/2006/table">
             <a:tbl>
               <a:tblPr/>
               <a:tblGrid>
-                <a:gridCol w="2158584">
+                <a:gridCol w="1989872">
                   <a:extLst>
                     <a:ext uri="{9D8B030D-6E8A-4147-A177-3AD203B41FA5}">
                       <a16:colId xmlns:a16="http://schemas.microsoft.com/office/drawing/2014/main" val="1337618479"/>
                     </a:ext>
                   </a:extLst>
                 </a:gridCol>
-                <a:gridCol w="2158584">
+                <a:gridCol w="2327296">
                   <a:extLst>
                     <a:ext uri="{9D8B030D-6E8A-4147-A177-3AD203B41FA5}">
                       <a16:colId xmlns:a16="http://schemas.microsoft.com/office/drawing/2014/main" val="2786992942"/>
@@ -9913,19 +10293,17 @@
                     <a:bodyPr/>
                     <a:lstStyle/>
                     <a:p>
-                      <a:pPr algn="l" rtl="0" fontAlgn="base"/>
+                      <a:pPr marL="0" indent="0" algn="just" rtl="0" fontAlgn="base">
+                        <a:buFont typeface="Arial" panose="020B0604020202020204" pitchFamily="34" charset="0"/>
+                        <a:buNone/>
+                      </a:pPr>
                       <a:r>
                         <a:rPr lang="en-US" sz="1600" dirty="0">
                           <a:latin typeface="Times New Roman" panose="02020603050405020304" pitchFamily="18" charset="0"/>
                           <a:cs typeface="Times New Roman" panose="02020603050405020304" pitchFamily="18" charset="0"/>
                         </a:rPr>
-                        <a:t>This Model's limitation: Assessing workers and tasks with single skills may overlook real-world complexity. Future work includes multi-skill considerations, improved accuracy, and advanced algorithms to expand the model's utility across diverse crowdsourcing platforms.</a:t>
+                        <a:t>This Model's limitation: Assessing workers and tasks with single skills may overlook real-world complexity. </a:t>
                       </a:r>
-                      <a:endParaRPr lang="en-IN" sz="1600" b="0" i="0" dirty="0">
-                        <a:effectLst/>
-                        <a:latin typeface="Times New Roman" panose="02020603050405020304" pitchFamily="18" charset="0"/>
-                        <a:cs typeface="Times New Roman" panose="02020603050405020304" pitchFamily="18" charset="0"/>
-                      </a:endParaRPr>
                     </a:p>
                   </a:txBody>
                   <a:tcPr anchor="ctr">
@@ -10228,20 +10606,20 @@
                     <a:lstStyle/>
                     <a:p>
                       <a:pPr fontAlgn="ctr"/>
-                      <a:endParaRPr lang="en-IN">
+                      <a:endParaRPr lang="en-IN" dirty="0">
                         <a:effectLst/>
                       </a:endParaRPr>
                     </a:p>
                     <a:p>
                       <a:pPr algn="l" rtl="0" fontAlgn="base"/>
                       <a:r>
-                        <a:rPr lang="en-IN" sz="1200" b="0" i="0">
+                        <a:rPr lang="en-IN" sz="1200" b="0" i="0" dirty="0">
                           <a:effectLst/>
                           <a:latin typeface="Times New Roman" panose="02020603050405020304" pitchFamily="18" charset="0"/>
                         </a:rPr>
                         <a:t>  </a:t>
                       </a:r>
-                      <a:endParaRPr lang="en-IN" b="0" i="0">
+                      <a:endParaRPr lang="en-IN" b="0" i="0" dirty="0">
                         <a:effectLst/>
                       </a:endParaRPr>
                     </a:p>
@@ -10499,49 +10877,49 @@
           <p:nvPr>
             <p:extLst>
               <p:ext uri="{D42A27DB-BD31-4B8C-83A1-F6EECF244321}">
-                <p14:modId xmlns:p14="http://schemas.microsoft.com/office/powerpoint/2010/main" val="1126689600"/>
+                <p14:modId xmlns:p14="http://schemas.microsoft.com/office/powerpoint/2010/main" val="1627673471"/>
               </p:ext>
             </p:extLst>
           </p:nvPr>
         </p:nvGraphicFramePr>
         <p:xfrm>
-          <a:off x="571498" y="984334"/>
-          <a:ext cx="10792920" cy="5349240"/>
+          <a:off x="571498" y="1285904"/>
+          <a:ext cx="11049004" cy="4648200"/>
         </p:xfrm>
         <a:graphic>
           <a:graphicData uri="http://schemas.openxmlformats.org/drawingml/2006/table">
             <a:tbl>
               <a:tblPr/>
               <a:tblGrid>
-                <a:gridCol w="2158584">
+                <a:gridCol w="1840008">
                   <a:extLst>
                     <a:ext uri="{9D8B030D-6E8A-4147-A177-3AD203B41FA5}">
                       <a16:colId xmlns:a16="http://schemas.microsoft.com/office/drawing/2014/main" val="1337618479"/>
                     </a:ext>
                   </a:extLst>
                 </a:gridCol>
-                <a:gridCol w="2158584">
+                <a:gridCol w="2456329">
                   <a:extLst>
                     <a:ext uri="{9D8B030D-6E8A-4147-A177-3AD203B41FA5}">
                       <a16:colId xmlns:a16="http://schemas.microsoft.com/office/drawing/2014/main" val="2786992942"/>
                     </a:ext>
                   </a:extLst>
                 </a:gridCol>
-                <a:gridCol w="2158584">
+                <a:gridCol w="2333066">
                   <a:extLst>
                     <a:ext uri="{9D8B030D-6E8A-4147-A177-3AD203B41FA5}">
                       <a16:colId xmlns:a16="http://schemas.microsoft.com/office/drawing/2014/main" val="3853498532"/>
                     </a:ext>
                   </a:extLst>
                 </a:gridCol>
-                <a:gridCol w="2132609">
+                <a:gridCol w="2113428">
                   <a:extLst>
                     <a:ext uri="{9D8B030D-6E8A-4147-A177-3AD203B41FA5}">
                       <a16:colId xmlns:a16="http://schemas.microsoft.com/office/drawing/2014/main" val="2150754490"/>
                     </a:ext>
                   </a:extLst>
                 </a:gridCol>
-                <a:gridCol w="2184559">
+                <a:gridCol w="2306173">
                   <a:extLst>
                     <a:ext uri="{9D8B030D-6E8A-4147-A177-3AD203B41FA5}">
                       <a16:colId xmlns:a16="http://schemas.microsoft.com/office/drawing/2014/main" val="2118826406"/>
@@ -10879,7 +11257,7 @@
                     <a:p>
                       <a:pPr algn="l" rtl="0" fontAlgn="base"/>
                       <a:r>
-                        <a:rPr lang="en-IN" sz="1500" dirty="0">
+                        <a:rPr lang="en-IN" sz="1600" dirty="0">
                           <a:latin typeface="Times New Roman" panose="02020603050405020304" pitchFamily="18" charset="0"/>
                           <a:cs typeface="Times New Roman" panose="02020603050405020304" pitchFamily="18" charset="0"/>
                         </a:rPr>
@@ -10888,7 +11266,7 @@
                     </a:p>
                     <a:p>
                       <a:pPr algn="l" rtl="0" fontAlgn="base"/>
-                      <a:endParaRPr lang="en-IN" sz="1500" dirty="0">
+                      <a:endParaRPr lang="en-IN" sz="1600" dirty="0">
                         <a:latin typeface="Times New Roman" panose="02020603050405020304" pitchFamily="18" charset="0"/>
                         <a:cs typeface="Times New Roman" panose="02020603050405020304" pitchFamily="18" charset="0"/>
                       </a:endParaRPr>
@@ -10896,27 +11274,177 @@
                     <a:p>
                       <a:pPr algn="l" rtl="0" fontAlgn="base"/>
                       <a:r>
-                        <a:rPr lang="en-IN" sz="1500" dirty="0">
+                        <a:rPr lang="en-IN" sz="1600" dirty="0">
                           <a:latin typeface="Times New Roman" panose="02020603050405020304" pitchFamily="18" charset="0"/>
                           <a:cs typeface="Times New Roman" panose="02020603050405020304" pitchFamily="18" charset="0"/>
                         </a:rPr>
                         <a:t>[</a:t>
                       </a:r>
                       <a:r>
-                        <a:rPr lang="en-IN" sz="1500" dirty="0" err="1">
+                        <a:rPr lang="en-IN" sz="1600" dirty="0" err="1">
                           <a:latin typeface="Times New Roman" panose="02020603050405020304" pitchFamily="18" charset="0"/>
                           <a:cs typeface="Times New Roman" panose="02020603050405020304" pitchFamily="18" charset="0"/>
                         </a:rPr>
                         <a:t>Ayswarya</a:t>
                       </a:r>
                       <a:r>
-                        <a:rPr lang="en-IN" sz="1500" dirty="0">
+                        <a:rPr lang="en-IN" sz="1600" dirty="0">
                           <a:latin typeface="Times New Roman" panose="02020603050405020304" pitchFamily="18" charset="0"/>
                           <a:cs typeface="Times New Roman" panose="02020603050405020304" pitchFamily="18" charset="0"/>
                         </a:rPr>
                         <a:t> R Kurup; G P Sajeev; J. Swaminathan, (2021)] </a:t>
                       </a:r>
-                      <a:endParaRPr lang="en-IN" sz="1500" b="0" i="0" dirty="0">
+                      <a:endParaRPr lang="en-IN" sz="1600" b="0" i="0" dirty="0">
+                        <a:effectLst/>
+                        <a:latin typeface="Times New Roman" panose="02020603050405020304" pitchFamily="18" charset="0"/>
+                        <a:cs typeface="Times New Roman" panose="02020603050405020304" pitchFamily="18" charset="0"/>
+                      </a:endParaRPr>
+                    </a:p>
+                  </a:txBody>
+                  <a:tcPr anchor="ctr">
+                    <a:lnL w="12700" cap="flat" cmpd="sng" algn="ctr">
+                      <a:solidFill>
+                        <a:schemeClr val="tx1"/>
+                      </a:solidFill>
+                      <a:prstDash val="solid"/>
+                      <a:round/>
+                      <a:headEnd type="none" w="med" len="med"/>
+                      <a:tailEnd type="none" w="med" len="med"/>
+                    </a:lnL>
+                    <a:lnR w="12700" cap="flat" cmpd="sng" algn="ctr">
+                      <a:solidFill>
+                        <a:schemeClr val="tx1"/>
+                      </a:solidFill>
+                      <a:prstDash val="solid"/>
+                      <a:round/>
+                      <a:headEnd type="none" w="med" len="med"/>
+                      <a:tailEnd type="none" w="med" len="med"/>
+                    </a:lnR>
+                    <a:lnT w="12700" cap="flat" cmpd="sng" algn="ctr">
+                      <a:solidFill>
+                        <a:schemeClr val="tx1"/>
+                      </a:solidFill>
+                      <a:prstDash val="solid"/>
+                      <a:round/>
+                      <a:headEnd type="none" w="med" len="med"/>
+                      <a:tailEnd type="none" w="med" len="med"/>
+                    </a:lnT>
+                    <a:lnB w="12700" cap="flat" cmpd="sng" algn="ctr">
+                      <a:solidFill>
+                        <a:schemeClr val="tx1"/>
+                      </a:solidFill>
+                      <a:prstDash val="solid"/>
+                      <a:round/>
+                      <a:headEnd type="none" w="med" len="med"/>
+                      <a:tailEnd type="none" w="med" len="med"/>
+                    </a:lnB>
+                  </a:tcPr>
+                </a:tc>
+                <a:tc>
+                  <a:txBody>
+                    <a:bodyPr/>
+                    <a:lstStyle/>
+                    <a:p>
+                      <a:pPr marL="285750" indent="-285750" algn="l" rtl="0" fontAlgn="base">
+                        <a:buFont typeface="Arial" panose="020B0604020202020204" pitchFamily="34" charset="0"/>
+                        <a:buChar char="•"/>
+                      </a:pPr>
+                      <a:r>
+                        <a:rPr lang="en-US" sz="1600" dirty="0">
+                          <a:latin typeface="Times New Roman" panose="02020603050405020304" pitchFamily="18" charset="0"/>
+                          <a:cs typeface="Times New Roman" panose="02020603050405020304" pitchFamily="18" charset="0"/>
+                        </a:rPr>
+                        <a:t>In crowdsourcing systems, the quality of submissions from workers can vary due to differences in expertise and knowledge background. </a:t>
+                      </a:r>
+                    </a:p>
+                    <a:p>
+                      <a:pPr marL="285750" indent="-285750" algn="l" rtl="0" fontAlgn="base">
+                        <a:buFont typeface="Arial" panose="020B0604020202020204" pitchFamily="34" charset="0"/>
+                        <a:buChar char="•"/>
+                      </a:pPr>
+                      <a:r>
+                        <a:rPr lang="en-US" sz="1600" dirty="0">
+                          <a:latin typeface="Times New Roman" panose="02020603050405020304" pitchFamily="18" charset="0"/>
+                          <a:cs typeface="Times New Roman" panose="02020603050405020304" pitchFamily="18" charset="0"/>
+                        </a:rPr>
+                        <a:t>Existing task aggregation methods mainly focus on structured submissions and do not consider the cost incurred for completing tasks. </a:t>
+                      </a:r>
+                      <a:endParaRPr lang="en-IN" sz="1600" b="0" i="0" dirty="0">
+                        <a:effectLst/>
+                        <a:latin typeface="Times New Roman" panose="02020603050405020304" pitchFamily="18" charset="0"/>
+                        <a:cs typeface="Times New Roman" panose="02020603050405020304" pitchFamily="18" charset="0"/>
+                      </a:endParaRPr>
+                    </a:p>
+                  </a:txBody>
+                  <a:tcPr anchor="ctr">
+                    <a:lnL w="12700" cap="flat" cmpd="sng" algn="ctr">
+                      <a:solidFill>
+                        <a:schemeClr val="tx1"/>
+                      </a:solidFill>
+                      <a:prstDash val="solid"/>
+                      <a:round/>
+                      <a:headEnd type="none" w="med" len="med"/>
+                      <a:tailEnd type="none" w="med" len="med"/>
+                    </a:lnL>
+                    <a:lnR w="12700" cap="flat" cmpd="sng" algn="ctr">
+                      <a:solidFill>
+                        <a:schemeClr val="tx1"/>
+                      </a:solidFill>
+                      <a:prstDash val="solid"/>
+                      <a:round/>
+                      <a:headEnd type="none" w="med" len="med"/>
+                      <a:tailEnd type="none" w="med" len="med"/>
+                    </a:lnR>
+                    <a:lnT w="12700" cap="flat" cmpd="sng" algn="ctr">
+                      <a:solidFill>
+                        <a:schemeClr val="tx1"/>
+                      </a:solidFill>
+                      <a:prstDash val="solid"/>
+                      <a:round/>
+                      <a:headEnd type="none" w="med" len="med"/>
+                      <a:tailEnd type="none" w="med" len="med"/>
+                    </a:lnT>
+                    <a:lnB w="12700" cap="flat" cmpd="sng" algn="ctr">
+                      <a:solidFill>
+                        <a:schemeClr val="tx1"/>
+                      </a:solidFill>
+                      <a:prstDash val="solid"/>
+                      <a:round/>
+                      <a:headEnd type="none" w="med" len="med"/>
+                      <a:tailEnd type="none" w="med" len="med"/>
+                    </a:lnB>
+                  </a:tcPr>
+                </a:tc>
+                <a:tc>
+                  <a:txBody>
+                    <a:bodyPr/>
+                    <a:lstStyle/>
+                    <a:p>
+                      <a:pPr marL="285750" indent="-285750" algn="l" rtl="0" fontAlgn="base">
+                        <a:buFont typeface="Arial" panose="020B0604020202020204" pitchFamily="34" charset="0"/>
+                        <a:buChar char="•"/>
+                      </a:pPr>
+                      <a:r>
+                        <a:rPr lang="en-US" sz="1600" dirty="0">
+                          <a:latin typeface="Times New Roman" panose="02020603050405020304" pitchFamily="18" charset="0"/>
+                          <a:cs typeface="Times New Roman" panose="02020603050405020304" pitchFamily="18" charset="0"/>
+                        </a:rPr>
+                        <a:t>Estimating submission quality based on worker reliability, task difficulty, and similarity. EM approach is used to improve results. </a:t>
+                      </a:r>
+                    </a:p>
+                    <a:p>
+                      <a:pPr marL="285750" indent="-285750" algn="l" rtl="0" fontAlgn="base">
+                        <a:buFont typeface="Arial" panose="020B0604020202020204" pitchFamily="34" charset="0"/>
+                        <a:buChar char="•"/>
+                      </a:pPr>
+                      <a:r>
+                        <a:rPr lang="en-US" sz="1600" dirty="0">
+                          <a:latin typeface="Times New Roman" panose="02020603050405020304" pitchFamily="18" charset="0"/>
+                          <a:cs typeface="Times New Roman" panose="02020603050405020304" pitchFamily="18" charset="0"/>
+                        </a:rPr>
+                        <a:t>The method effectively estimates submission quality and addresses the cold-start problem by leveraging submission similarity. </a:t>
+                      </a:r>
+                      <a:endParaRPr lang="en-IN" sz="1600" b="0" i="0" dirty="0">
                         <a:effectLst/>
                         <a:latin typeface="Times New Roman" panose="02020603050405020304" pitchFamily="18" charset="0"/>
                         <a:cs typeface="Times New Roman" panose="02020603050405020304" pitchFamily="18" charset="0"/>
@@ -10969,13 +11497,13 @@
                     <a:p>
                       <a:pPr algn="l" rtl="0" fontAlgn="base"/>
                       <a:r>
-                        <a:rPr lang="en-US" sz="1500" dirty="0">
+                        <a:rPr lang="en-US" sz="1600" dirty="0">
                           <a:latin typeface="Times New Roman" panose="02020603050405020304" pitchFamily="18" charset="0"/>
                           <a:cs typeface="Times New Roman" panose="02020603050405020304" pitchFamily="18" charset="0"/>
                         </a:rPr>
-                        <a:t>In crowdsourcing systems, the quality of submissions from workers can vary due to differences in expertise and knowledge background. Existing task aggregation methods mainly focus on structured submissions and do not consider the cost incurred for completing tasks. Additionally, probabilistic methods for answer aggregation may be sensitive to sparsity in the data.</a:t>
+                        <a:t>Adaptive threshold for cost minimization and improved expertness estimation using diverse similarity approaches. Future research could explore generalizing our approach to different crowdsourcing tasks. </a:t>
                       </a:r>
-                      <a:endParaRPr lang="en-IN" sz="1500" b="0" i="0" dirty="0">
+                      <a:endParaRPr lang="en-IN" sz="1600" b="0" i="0" dirty="0">
                         <a:effectLst/>
                         <a:latin typeface="Times New Roman" panose="02020603050405020304" pitchFamily="18" charset="0"/>
                         <a:cs typeface="Times New Roman" panose="02020603050405020304" pitchFamily="18" charset="0"/>
@@ -11026,133 +11554,31 @@
                     <a:bodyPr/>
                     <a:lstStyle/>
                     <a:p>
-                      <a:pPr algn="l" rtl="0" fontAlgn="base"/>
+                      <a:pPr marL="285750" indent="-285750" algn="l" rtl="0" fontAlgn="base">
+                        <a:buFont typeface="Arial" panose="020B0604020202020204" pitchFamily="34" charset="0"/>
+                        <a:buChar char="•"/>
+                      </a:pPr>
                       <a:r>
-                        <a:rPr lang="en-US" sz="1500" dirty="0">
+                        <a:rPr lang="en-US" sz="1600" dirty="0">
                           <a:latin typeface="Times New Roman" panose="02020603050405020304" pitchFamily="18" charset="0"/>
                           <a:cs typeface="Times New Roman" panose="02020603050405020304" pitchFamily="18" charset="0"/>
                         </a:rPr>
-                        <a:t>Estimating submission quality based on worker reliability, task difficulty, and similarity. EM approach is used to improve results. The method effectively estimates submission quality and addresses the cold-start problem by leveraging submission similarity. Comparisons with state-of-the-art techniques validate its effectiveness, emphasizing the importance of worker. </a:t>
+                        <a:t>Explore adaptive cost minimization, refine worker expertness estimation with diverse similarity metrics.</a:t>
                       </a:r>
-                      <a:endParaRPr lang="en-IN" sz="1500" b="0" i="0" dirty="0">
-                        <a:effectLst/>
-                        <a:latin typeface="Times New Roman" panose="02020603050405020304" pitchFamily="18" charset="0"/>
-                        <a:cs typeface="Times New Roman" panose="02020603050405020304" pitchFamily="18" charset="0"/>
-                      </a:endParaRPr>
                     </a:p>
-                  </a:txBody>
-                  <a:tcPr anchor="ctr">
-                    <a:lnL w="12700" cap="flat" cmpd="sng" algn="ctr">
-                      <a:solidFill>
-                        <a:schemeClr val="tx1"/>
-                      </a:solidFill>
-                      <a:prstDash val="solid"/>
-                      <a:round/>
-                      <a:headEnd type="none" w="med" len="med"/>
-                      <a:tailEnd type="none" w="med" len="med"/>
-                    </a:lnL>
-                    <a:lnR w="12700" cap="flat" cmpd="sng" algn="ctr">
-                      <a:solidFill>
-                        <a:schemeClr val="tx1"/>
-                      </a:solidFill>
-                      <a:prstDash val="solid"/>
-                      <a:round/>
-                      <a:headEnd type="none" w="med" len="med"/>
-                      <a:tailEnd type="none" w="med" len="med"/>
-                    </a:lnR>
-                    <a:lnT w="12700" cap="flat" cmpd="sng" algn="ctr">
-                      <a:solidFill>
-                        <a:schemeClr val="tx1"/>
-                      </a:solidFill>
-                      <a:prstDash val="solid"/>
-                      <a:round/>
-                      <a:headEnd type="none" w="med" len="med"/>
-                      <a:tailEnd type="none" w="med" len="med"/>
-                    </a:lnT>
-                    <a:lnB w="12700" cap="flat" cmpd="sng" algn="ctr">
-                      <a:solidFill>
-                        <a:schemeClr val="tx1"/>
-                      </a:solidFill>
-                      <a:prstDash val="solid"/>
-                      <a:round/>
-                      <a:headEnd type="none" w="med" len="med"/>
-                      <a:tailEnd type="none" w="med" len="med"/>
-                    </a:lnB>
-                  </a:tcPr>
-                </a:tc>
-                <a:tc>
-                  <a:txBody>
-                    <a:bodyPr/>
-                    <a:lstStyle/>
                     <a:p>
-                      <a:pPr algn="l" rtl="0" fontAlgn="base"/>
+                      <a:pPr marL="285750" indent="-285750" algn="l" rtl="0" fontAlgn="base">
+                        <a:buFont typeface="Arial" panose="020B0604020202020204" pitchFamily="34" charset="0"/>
+                        <a:buChar char="•"/>
+                      </a:pPr>
                       <a:r>
-                        <a:rPr lang="en-US" sz="1500" dirty="0">
+                        <a:rPr lang="en-US" sz="1600" dirty="0">
                           <a:latin typeface="Times New Roman" panose="02020603050405020304" pitchFamily="18" charset="0"/>
                           <a:cs typeface="Times New Roman" panose="02020603050405020304" pitchFamily="18" charset="0"/>
                         </a:rPr>
-                        <a:t>Adaptive threshold for cost minimization and improved expertness estimation using diverse similarity approaches. Future research could explore generalizing our approach to different crowdsourcing tasks. </a:t>
+                        <a:t>Extend the approach to diverse task types, validate on real platforms, and improve user interface for better engagement and task completion rates. </a:t>
                       </a:r>
-                      <a:endParaRPr lang="en-IN" sz="1500" b="0" i="0" dirty="0">
-                        <a:effectLst/>
-                        <a:latin typeface="Times New Roman" panose="02020603050405020304" pitchFamily="18" charset="0"/>
-                        <a:cs typeface="Times New Roman" panose="02020603050405020304" pitchFamily="18" charset="0"/>
-                      </a:endParaRPr>
-                    </a:p>
-                  </a:txBody>
-                  <a:tcPr anchor="ctr">
-                    <a:lnL w="12700" cap="flat" cmpd="sng" algn="ctr">
-                      <a:solidFill>
-                        <a:schemeClr val="tx1"/>
-                      </a:solidFill>
-                      <a:prstDash val="solid"/>
-                      <a:round/>
-                      <a:headEnd type="none" w="med" len="med"/>
-                      <a:tailEnd type="none" w="med" len="med"/>
-                    </a:lnL>
-                    <a:lnR w="12700" cap="flat" cmpd="sng" algn="ctr">
-                      <a:solidFill>
-                        <a:schemeClr val="tx1"/>
-                      </a:solidFill>
-                      <a:prstDash val="solid"/>
-                      <a:round/>
-                      <a:headEnd type="none" w="med" len="med"/>
-                      <a:tailEnd type="none" w="med" len="med"/>
-                    </a:lnR>
-                    <a:lnT w="12700" cap="flat" cmpd="sng" algn="ctr">
-                      <a:solidFill>
-                        <a:schemeClr val="tx1"/>
-                      </a:solidFill>
-                      <a:prstDash val="solid"/>
-                      <a:round/>
-                      <a:headEnd type="none" w="med" len="med"/>
-                      <a:tailEnd type="none" w="med" len="med"/>
-                    </a:lnT>
-                    <a:lnB w="12700" cap="flat" cmpd="sng" algn="ctr">
-                      <a:solidFill>
-                        <a:schemeClr val="tx1"/>
-                      </a:solidFill>
-                      <a:prstDash val="solid"/>
-                      <a:round/>
-                      <a:headEnd type="none" w="med" len="med"/>
-                      <a:tailEnd type="none" w="med" len="med"/>
-                    </a:lnB>
-                  </a:tcPr>
-                </a:tc>
-                <a:tc>
-                  <a:txBody>
-                    <a:bodyPr/>
-                    <a:lstStyle/>
-                    <a:p>
-                      <a:pPr algn="l" rtl="0" fontAlgn="base"/>
-                      <a:r>
-                        <a:rPr lang="en-US" sz="1500" dirty="0">
-                          <a:latin typeface="Times New Roman" panose="02020603050405020304" pitchFamily="18" charset="0"/>
-                          <a:cs typeface="Times New Roman" panose="02020603050405020304" pitchFamily="18" charset="0"/>
-                        </a:rPr>
-                        <a:t>Some of the Future work and problems for task aggregation in crowdsourcing: Explore adaptive cost minimization, refine worker expertness estimation with diverse similarity metrics, extend the approach to diverse task types, handle data sparsity, validate on real platforms, and improve user interface for better engagement and task completion rates. </a:t>
-                      </a:r>
-                      <a:endParaRPr lang="en-IN" sz="1500" b="0" i="0" dirty="0">
+                      <a:endParaRPr lang="en-IN" sz="1600" b="0" i="0" dirty="0">
                         <a:effectLst/>
                         <a:latin typeface="Times New Roman" panose="02020603050405020304" pitchFamily="18" charset="0"/>
                         <a:cs typeface="Times New Roman" panose="02020603050405020304" pitchFamily="18" charset="0"/>
@@ -11361,7 +11787,7 @@
                     <a:lstStyle/>
                     <a:p>
                       <a:pPr fontAlgn="ctr"/>
-                      <a:endParaRPr lang="en-IN" b="0" i="0">
+                      <a:endParaRPr lang="en-IN" b="0" i="0" dirty="0">
                         <a:effectLst/>
                       </a:endParaRPr>
                     </a:p>
@@ -11606,49 +12032,49 @@
           <p:nvPr>
             <p:extLst>
               <p:ext uri="{D42A27DB-BD31-4B8C-83A1-F6EECF244321}">
-                <p14:modId xmlns:p14="http://schemas.microsoft.com/office/powerpoint/2010/main" val="2333732973"/>
+                <p14:modId xmlns:p14="http://schemas.microsoft.com/office/powerpoint/2010/main" val="1695621265"/>
               </p:ext>
             </p:extLst>
           </p:nvPr>
         </p:nvGraphicFramePr>
         <p:xfrm>
-          <a:off x="571498" y="984334"/>
-          <a:ext cx="10792920" cy="5377012"/>
+          <a:off x="571498" y="1238954"/>
+          <a:ext cx="10984009" cy="4889332"/>
         </p:xfrm>
         <a:graphic>
           <a:graphicData uri="http://schemas.openxmlformats.org/drawingml/2006/table">
             <a:tbl>
               <a:tblPr/>
               <a:tblGrid>
-                <a:gridCol w="2158584">
+                <a:gridCol w="1822078">
                   <a:extLst>
                     <a:ext uri="{9D8B030D-6E8A-4147-A177-3AD203B41FA5}">
                       <a16:colId xmlns:a16="http://schemas.microsoft.com/office/drawing/2014/main" val="1337618479"/>
                     </a:ext>
                   </a:extLst>
                 </a:gridCol>
-                <a:gridCol w="2158584">
+                <a:gridCol w="2571525">
                   <a:extLst>
                     <a:ext uri="{9D8B030D-6E8A-4147-A177-3AD203B41FA5}">
                       <a16:colId xmlns:a16="http://schemas.microsoft.com/office/drawing/2014/main" val="2786992942"/>
                     </a:ext>
                   </a:extLst>
                 </a:gridCol>
-                <a:gridCol w="2158584">
+                <a:gridCol w="2196802">
                   <a:extLst>
                     <a:ext uri="{9D8B030D-6E8A-4147-A177-3AD203B41FA5}">
                       <a16:colId xmlns:a16="http://schemas.microsoft.com/office/drawing/2014/main" val="3853498532"/>
                     </a:ext>
                   </a:extLst>
                 </a:gridCol>
-                <a:gridCol w="2158584">
+                <a:gridCol w="2304826">
                   <a:extLst>
                     <a:ext uri="{9D8B030D-6E8A-4147-A177-3AD203B41FA5}">
                       <a16:colId xmlns:a16="http://schemas.microsoft.com/office/drawing/2014/main" val="2150754490"/>
                     </a:ext>
                   </a:extLst>
                 </a:gridCol>
-                <a:gridCol w="2158584">
+                <a:gridCol w="2088778">
                   <a:extLst>
                     <a:ext uri="{9D8B030D-6E8A-4147-A177-3AD203B41FA5}">
                       <a16:colId xmlns:a16="http://schemas.microsoft.com/office/drawing/2014/main" val="2118826406"/>
@@ -12081,13 +12507,42 @@
                     <a:bodyPr/>
                     <a:lstStyle/>
                     <a:p>
-                      <a:pPr algn="l" rtl="0" fontAlgn="base"/>
+                      <a:pPr marL="285750" indent="-285750" algn="l" rtl="0" fontAlgn="base">
+                        <a:buFont typeface="Arial" panose="020B0604020202020204" pitchFamily="34" charset="0"/>
+                        <a:buChar char="•"/>
+                      </a:pPr>
                       <a:r>
                         <a:rPr lang="en-US" sz="1600" dirty="0">
                           <a:latin typeface="Times New Roman" panose="02020603050405020304" pitchFamily="18" charset="0"/>
                           <a:cs typeface="Times New Roman" panose="02020603050405020304" pitchFamily="18" charset="0"/>
                         </a:rPr>
-                        <a:t>Addressing task recommendation challenges in dynamic crowdsourcing environments. Exploring hybrid models combining implicit and explicit feedback for improved accuracy. Investigating user interface and user experience enhancements to encourage worker engagement.</a:t>
+                        <a:t>Addressing task recommendation challenges in dynamic crowdsourcing environments.</a:t>
+                      </a:r>
+                    </a:p>
+                    <a:p>
+                      <a:pPr marL="285750" indent="-285750" algn="l" rtl="0" fontAlgn="base">
+                        <a:buFont typeface="Arial" panose="020B0604020202020204" pitchFamily="34" charset="0"/>
+                        <a:buChar char="•"/>
+                      </a:pPr>
+                      <a:r>
+                        <a:rPr lang="en-US" sz="1600" dirty="0">
+                          <a:latin typeface="Times New Roman" panose="02020603050405020304" pitchFamily="18" charset="0"/>
+                          <a:cs typeface="Times New Roman" panose="02020603050405020304" pitchFamily="18" charset="0"/>
+                        </a:rPr>
+                        <a:t>Exploring hybrid models combining implicit and explicit feedback for improved accuracy. </a:t>
+                      </a:r>
+                    </a:p>
+                    <a:p>
+                      <a:pPr marL="285750" indent="-285750" algn="l" rtl="0" fontAlgn="base">
+                        <a:buFont typeface="Arial" panose="020B0604020202020204" pitchFamily="34" charset="0"/>
+                        <a:buChar char="•"/>
+                      </a:pPr>
+                      <a:r>
+                        <a:rPr lang="en-US" sz="1600" dirty="0">
+                          <a:latin typeface="Times New Roman" panose="02020603050405020304" pitchFamily="18" charset="0"/>
+                          <a:cs typeface="Times New Roman" panose="02020603050405020304" pitchFamily="18" charset="0"/>
+                        </a:rPr>
+                        <a:t>Investigating user interface and user experience enhancements to encourage worker engagement.</a:t>
                       </a:r>
                       <a:endParaRPr lang="en-IN" sz="1600" b="0" i="0" dirty="0">
                         <a:effectLst/>
@@ -12140,13 +12595,29 @@
                     <a:bodyPr/>
                     <a:lstStyle/>
                     <a:p>
-                      <a:pPr algn="l" rtl="0" fontAlgn="base"/>
+                      <a:pPr marL="285750" indent="-285750" algn="l" rtl="0" fontAlgn="base">
+                        <a:buFont typeface="Arial" panose="020B0604020202020204" pitchFamily="34" charset="0"/>
+                        <a:buChar char="•"/>
+                      </a:pPr>
                       <a:r>
                         <a:rPr lang="en-US" sz="1600" dirty="0">
                           <a:latin typeface="Times New Roman" panose="02020603050405020304" pitchFamily="18" charset="0"/>
                           <a:cs typeface="Times New Roman" panose="02020603050405020304" pitchFamily="18" charset="0"/>
                         </a:rPr>
-                        <a:t>This paper introduces a task recommendation model for reward-based crowdsourcing, combining implicit feedback and explicit features. The model outperforms matrix factorization and reward based models, reducing data sparsity. Utilizing participation data and worker-task feature vectors enhances reward gain prediction.</a:t>
+                        <a:t>Introduces a task recommendation model for reward-based crowdsourcing, combining implicit feedback and explicit features.</a:t>
+                      </a:r>
+                    </a:p>
+                    <a:p>
+                      <a:pPr marL="285750" indent="-285750" algn="l" rtl="0" fontAlgn="base">
+                        <a:buFont typeface="Arial" panose="020B0604020202020204" pitchFamily="34" charset="0"/>
+                        <a:buChar char="•"/>
+                      </a:pPr>
+                      <a:r>
+                        <a:rPr lang="en-US" sz="1600" dirty="0">
+                          <a:latin typeface="Times New Roman" panose="02020603050405020304" pitchFamily="18" charset="0"/>
+                          <a:cs typeface="Times New Roman" panose="02020603050405020304" pitchFamily="18" charset="0"/>
+                        </a:rPr>
+                        <a:t>The model outperforms matrix factorization and reward based models, reducing data sparsity. </a:t>
                       </a:r>
                       <a:endParaRPr lang="en-IN" sz="1600" b="0" i="0" dirty="0">
                         <a:effectLst/>
@@ -12199,19 +12670,30 @@
                     <a:bodyPr/>
                     <a:lstStyle/>
                     <a:p>
-                      <a:pPr algn="l" rtl="0" fontAlgn="base"/>
+                      <a:pPr marL="285750" indent="-285750" algn="l" rtl="0" fontAlgn="base">
+                        <a:buFont typeface="Arial" panose="020B0604020202020204" pitchFamily="34" charset="0"/>
+                        <a:buChar char="•"/>
+                      </a:pPr>
                       <a:r>
                         <a:rPr lang="en-US" sz="1600" dirty="0">
                           <a:latin typeface="Times New Roman" panose="02020603050405020304" pitchFamily="18" charset="0"/>
                           <a:cs typeface="Times New Roman" panose="02020603050405020304" pitchFamily="18" charset="0"/>
                         </a:rPr>
-                        <a:t>Limited evaluation on larger datasets and comparison with state-of the-art methods. Generalization to diverse crowdsourcing platforms and investigation of the model's scalability remain unexplored. Further analysis required to handle cold-start problem for new workers effectively.</a:t>
+                        <a:t>Limited evaluation on larger datasets and comparison with state-of the-art methods.</a:t>
                       </a:r>
-                      <a:endParaRPr lang="en-IN" sz="1600" b="0" i="0" dirty="0">
-                        <a:effectLst/>
-                        <a:latin typeface="Times New Roman" panose="02020603050405020304" pitchFamily="18" charset="0"/>
-                        <a:cs typeface="Times New Roman" panose="02020603050405020304" pitchFamily="18" charset="0"/>
-                      </a:endParaRPr>
+                    </a:p>
+                    <a:p>
+                      <a:pPr marL="285750" indent="-285750" algn="l" rtl="0" fontAlgn="base">
+                        <a:buFont typeface="Arial" panose="020B0604020202020204" pitchFamily="34" charset="0"/>
+                        <a:buChar char="•"/>
+                      </a:pPr>
+                      <a:r>
+                        <a:rPr lang="en-US" sz="1600" dirty="0">
+                          <a:latin typeface="Times New Roman" panose="02020603050405020304" pitchFamily="18" charset="0"/>
+                          <a:cs typeface="Times New Roman" panose="02020603050405020304" pitchFamily="18" charset="0"/>
+                        </a:rPr>
+                        <a:t>Generalization to diverse crowdsourcing platforms and investigation of the model's scalability remain unexplored.</a:t>
+                      </a:r>
                     </a:p>
                   </a:txBody>
                   <a:tcPr anchor="ctr">
@@ -12258,13 +12740,16 @@
                     <a:bodyPr/>
                     <a:lstStyle/>
                     <a:p>
-                      <a:pPr algn="l" rtl="0" fontAlgn="base"/>
+                      <a:pPr marL="0" indent="0" algn="l" rtl="0" fontAlgn="base">
+                        <a:buFont typeface="Arial" panose="020B0604020202020204" pitchFamily="34" charset="0"/>
+                        <a:buNone/>
+                      </a:pPr>
                       <a:r>
                         <a:rPr lang="en-US" sz="1600" dirty="0">
                           <a:latin typeface="Times New Roman" panose="02020603050405020304" pitchFamily="18" charset="0"/>
                           <a:cs typeface="Times New Roman" panose="02020603050405020304" pitchFamily="18" charset="0"/>
                         </a:rPr>
-                        <a:t>Some of the Future work and problems for Task Recommendation in Reward-Based are Extending evaluation on larger datasets and comparing with state-of-the-art methods. Generalizing the model for diverse crowdsourcing platforms and addressing scalability concerns.</a:t>
+                        <a:t>Some of the Future work and problems for Task Recommendation in Reward-Based are Extending evaluation on larger datasets and comparing with state-of-the-art methods. </a:t>
                       </a:r>
                       <a:endParaRPr lang="en-IN" sz="1600" b="0" i="0" dirty="0">
                         <a:effectLst/>
@@ -12679,7 +13164,7 @@
           <p:cNvPr id="2" name="Content Placeholder 1">
             <a:extLst>
               <a:ext uri="{FF2B5EF4-FFF2-40B4-BE49-F238E27FC236}">
-                <a16:creationId xmlns:a16="http://schemas.microsoft.com/office/drawing/2014/main" id="{D1C3C4DE-D87F-11B0-9148-7D5846E306A7}"/>
+                <a16:creationId xmlns:a16="http://schemas.microsoft.com/office/drawing/2014/main" id="{75697CAA-920D-27FA-2389-90BC3C505464}"/>
               </a:ext>
             </a:extLst>
           </p:cNvPr>
@@ -12692,12 +13177,12 @@
         </p:nvSpPr>
         <p:spPr>
           <a:xfrm>
-            <a:off x="571499" y="1379303"/>
-            <a:ext cx="10515600" cy="4908082"/>
+            <a:off x="571498" y="1137256"/>
+            <a:ext cx="11315701" cy="4933760"/>
           </a:xfrm>
         </p:spPr>
         <p:txBody>
-          <a:bodyPr>
+          <a:bodyPr vert="horz" lIns="91440" tIns="45720" rIns="91440" bIns="45720" rtlCol="0" anchor="t">
             <a:normAutofit/>
           </a:bodyPr>
           <a:lstStyle/>
@@ -12705,62 +13190,25 @@
             <a:pPr marL="0" indent="0">
               <a:buNone/>
             </a:pPr>
-            <a:r>
-              <a:rPr lang="en-US" sz="2400" dirty="0">
-                <a:latin typeface="Times New Roman" panose="02020603050405020304" pitchFamily="18" charset="0"/>
-                <a:cs typeface="Times New Roman" panose="02020603050405020304" pitchFamily="18" charset="0"/>
-              </a:rPr>
-              <a:t>Dynamic Worker Skills: </a:t>
-            </a:r>
+            <a:endParaRPr lang="en-GB" dirty="0"/>
           </a:p>
           <a:p>
             <a:pPr marL="0" indent="0">
               <a:buNone/>
             </a:pPr>
-            <a:r>
-              <a:rPr lang="en-US" sz="2400" dirty="0">
-                <a:latin typeface="Times New Roman" panose="02020603050405020304" pitchFamily="18" charset="0"/>
-                <a:cs typeface="Times New Roman" panose="02020603050405020304" pitchFamily="18" charset="0"/>
-              </a:rPr>
-              <a:t>	Worker skills can change over time, and new workers with unique expertise join the platform. The challenge lies in continuously updating the task allocation algorithm to accommodate these dynamic changes and ensure accurate matching of tasks with suitable workers. </a:t>
-            </a:r>
+            <a:endParaRPr lang="en-GB" dirty="0"/>
           </a:p>
           <a:p>
             <a:pPr marL="0" indent="0">
               <a:buNone/>
             </a:pPr>
-            <a:endParaRPr lang="en-US" sz="2400" dirty="0">
-              <a:latin typeface="Times New Roman" panose="02020603050405020304" pitchFamily="18" charset="0"/>
-              <a:cs typeface="Times New Roman" panose="02020603050405020304" pitchFamily="18" charset="0"/>
-            </a:endParaRPr>
+            <a:endParaRPr lang="en-GB" dirty="0"/>
           </a:p>
           <a:p>
             <a:pPr marL="0" indent="0">
               <a:buNone/>
             </a:pPr>
-            <a:r>
-              <a:rPr lang="en-US" sz="2400" dirty="0">
-                <a:latin typeface="Times New Roman" panose="02020603050405020304" pitchFamily="18" charset="0"/>
-                <a:cs typeface="Times New Roman" panose="02020603050405020304" pitchFamily="18" charset="0"/>
-              </a:rPr>
-              <a:t>Complex Task Dependencies: </a:t>
-            </a:r>
-          </a:p>
-          <a:p>
-            <a:pPr marL="0" indent="0">
-              <a:buNone/>
-            </a:pPr>
-            <a:r>
-              <a:rPr lang="en-US" sz="2400" dirty="0">
-                <a:latin typeface="Times New Roman" panose="02020603050405020304" pitchFamily="18" charset="0"/>
-                <a:cs typeface="Times New Roman" panose="02020603050405020304" pitchFamily="18" charset="0"/>
-              </a:rPr>
-              <a:t>	Some tasks may have dependencies on others, making it crucial to consider task sequences and interdependencies during allocation. Handling complex task structures requires advanced algorithms and efficient data management to avoid task bottlenecks and ensure smooth workflow distribution. </a:t>
-            </a:r>
-            <a:endParaRPr lang="en-IN" sz="2400" dirty="0">
-              <a:latin typeface="Times New Roman" panose="02020603050405020304" pitchFamily="18" charset="0"/>
-              <a:cs typeface="Times New Roman" panose="02020603050405020304" pitchFamily="18" charset="0"/>
-            </a:endParaRPr>
+            <a:endParaRPr lang="en-GB" dirty="0"/>
           </a:p>
         </p:txBody>
       </p:sp>
@@ -12769,7 +13217,7 @@
           <p:cNvPr id="3" name="Title 2">
             <a:extLst>
               <a:ext uri="{FF2B5EF4-FFF2-40B4-BE49-F238E27FC236}">
-                <a16:creationId xmlns:a16="http://schemas.microsoft.com/office/drawing/2014/main" id="{F94C292F-69AB-6307-6EEF-22A06CB5FEE2}"/>
+                <a16:creationId xmlns:a16="http://schemas.microsoft.com/office/drawing/2014/main" id="{771BB9B5-4E4C-C5FF-36B7-632BDFB2A24E}"/>
               </a:ext>
             </a:extLst>
           </p:cNvPr>
@@ -12780,7 +13228,12 @@
             <p:ph type="title"/>
           </p:nvPr>
         </p:nvSpPr>
-        <p:spPr/>
+        <p:spPr>
+          <a:xfrm>
+            <a:off x="437028" y="639354"/>
+            <a:ext cx="10515600" cy="421441"/>
+          </a:xfrm>
+        </p:spPr>
         <p:txBody>
           <a:bodyPr>
             <a:normAutofit fontScale="90000"/>
@@ -12788,17 +13241,1085 @@
           <a:lstStyle/>
           <a:p>
             <a:r>
-              <a:rPr lang="en-US" dirty="0"/>
-              <a:t>Persisting Challenges</a:t>
+              <a:rPr lang="en-US" dirty="0">
+                <a:latin typeface="Georgia"/>
+              </a:rPr>
+              <a:t>Background Study/Related Work</a:t>
             </a:r>
-            <a:endParaRPr lang="en-IN" dirty="0"/>
+            <a:endParaRPr lang="en-GB" dirty="0">
+              <a:latin typeface="Georgia"/>
+            </a:endParaRPr>
+          </a:p>
+          <a:p>
+            <a:endParaRPr lang="en-GB" dirty="0"/>
           </a:p>
         </p:txBody>
       </p:sp>
+      <p:graphicFrame>
+        <p:nvGraphicFramePr>
+          <p:cNvPr id="4" name="Table 3">
+            <a:extLst>
+              <a:ext uri="{FF2B5EF4-FFF2-40B4-BE49-F238E27FC236}">
+                <a16:creationId xmlns:a16="http://schemas.microsoft.com/office/drawing/2014/main" id="{DF8970E5-DC4B-BE23-4EE6-33DE1A9CCD39}"/>
+              </a:ext>
+            </a:extLst>
+          </p:cNvPr>
+          <p:cNvGraphicFramePr>
+            <a:graphicFrameLocks noGrp="1"/>
+          </p:cNvGraphicFramePr>
+          <p:nvPr>
+            <p:extLst>
+              <p:ext uri="{D42A27DB-BD31-4B8C-83A1-F6EECF244321}">
+                <p14:modId xmlns:p14="http://schemas.microsoft.com/office/powerpoint/2010/main" val="762005654"/>
+              </p:ext>
+            </p:extLst>
+          </p:nvPr>
+        </p:nvGraphicFramePr>
+        <p:xfrm>
+          <a:off x="571497" y="1137256"/>
+          <a:ext cx="11049005" cy="4889332"/>
+        </p:xfrm>
+        <a:graphic>
+          <a:graphicData uri="http://schemas.openxmlformats.org/drawingml/2006/table">
+            <a:tbl>
+              <a:tblPr/>
+              <a:tblGrid>
+                <a:gridCol w="1866902">
+                  <a:extLst>
+                    <a:ext uri="{9D8B030D-6E8A-4147-A177-3AD203B41FA5}">
+                      <a16:colId xmlns:a16="http://schemas.microsoft.com/office/drawing/2014/main" val="1337618479"/>
+                    </a:ext>
+                  </a:extLst>
+                </a:gridCol>
+                <a:gridCol w="2088777">
+                  <a:extLst>
+                    <a:ext uri="{9D8B030D-6E8A-4147-A177-3AD203B41FA5}">
+                      <a16:colId xmlns:a16="http://schemas.microsoft.com/office/drawing/2014/main" val="2786992942"/>
+                    </a:ext>
+                  </a:extLst>
+                </a:gridCol>
+                <a:gridCol w="2563905">
+                  <a:extLst>
+                    <a:ext uri="{9D8B030D-6E8A-4147-A177-3AD203B41FA5}">
+                      <a16:colId xmlns:a16="http://schemas.microsoft.com/office/drawing/2014/main" val="3853498532"/>
+                    </a:ext>
+                  </a:extLst>
+                </a:gridCol>
+                <a:gridCol w="2420471">
+                  <a:extLst>
+                    <a:ext uri="{9D8B030D-6E8A-4147-A177-3AD203B41FA5}">
+                      <a16:colId xmlns:a16="http://schemas.microsoft.com/office/drawing/2014/main" val="2150754490"/>
+                    </a:ext>
+                  </a:extLst>
+                </a:gridCol>
+                <a:gridCol w="2108950">
+                  <a:extLst>
+                    <a:ext uri="{9D8B030D-6E8A-4147-A177-3AD203B41FA5}">
+                      <a16:colId xmlns:a16="http://schemas.microsoft.com/office/drawing/2014/main" val="2118826406"/>
+                    </a:ext>
+                  </a:extLst>
+                </a:gridCol>
+              </a:tblGrid>
+              <a:tr h="561172">
+                <a:tc>
+                  <a:txBody>
+                    <a:bodyPr/>
+                    <a:lstStyle/>
+                    <a:p>
+                      <a:pPr fontAlgn="ctr"/>
+                      <a:endParaRPr lang="en-IN" sz="1600" dirty="0">
+                        <a:effectLst/>
+                        <a:latin typeface="Times New Roman" panose="02020603050405020304" pitchFamily="18" charset="0"/>
+                        <a:cs typeface="Times New Roman" panose="02020603050405020304" pitchFamily="18" charset="0"/>
+                      </a:endParaRPr>
+                    </a:p>
+                    <a:p>
+                      <a:pPr algn="l" rtl="0" fontAlgn="base"/>
+                      <a:r>
+                        <a:rPr lang="en-IN" sz="1600" b="0" i="0" dirty="0">
+                          <a:effectLst/>
+                          <a:latin typeface="Times New Roman" panose="02020603050405020304" pitchFamily="18" charset="0"/>
+                          <a:cs typeface="Times New Roman" panose="02020603050405020304" pitchFamily="18" charset="0"/>
+                        </a:rPr>
+                        <a:t>Title &amp;year </a:t>
+                      </a:r>
+                    </a:p>
+                  </a:txBody>
+                  <a:tcPr anchor="ctr">
+                    <a:lnL w="12700" cap="flat" cmpd="sng" algn="ctr">
+                      <a:solidFill>
+                        <a:schemeClr val="tx1"/>
+                      </a:solidFill>
+                      <a:prstDash val="solid"/>
+                      <a:round/>
+                      <a:headEnd type="none" w="med" len="med"/>
+                      <a:tailEnd type="none" w="med" len="med"/>
+                    </a:lnL>
+                    <a:lnR w="12700" cap="flat" cmpd="sng" algn="ctr">
+                      <a:solidFill>
+                        <a:schemeClr val="tx1"/>
+                      </a:solidFill>
+                      <a:prstDash val="solid"/>
+                      <a:round/>
+                      <a:headEnd type="none" w="med" len="med"/>
+                      <a:tailEnd type="none" w="med" len="med"/>
+                    </a:lnR>
+                    <a:lnT w="12700" cap="flat" cmpd="sng" algn="ctr">
+                      <a:solidFill>
+                        <a:schemeClr val="tx1"/>
+                      </a:solidFill>
+                      <a:prstDash val="solid"/>
+                      <a:round/>
+                      <a:headEnd type="none" w="med" len="med"/>
+                      <a:tailEnd type="none" w="med" len="med"/>
+                    </a:lnT>
+                    <a:lnB w="12700" cap="flat" cmpd="sng" algn="ctr">
+                      <a:solidFill>
+                        <a:schemeClr val="tx1"/>
+                      </a:solidFill>
+                      <a:prstDash val="solid"/>
+                      <a:round/>
+                      <a:headEnd type="none" w="med" len="med"/>
+                      <a:tailEnd type="none" w="med" len="med"/>
+                    </a:lnB>
+                  </a:tcPr>
+                </a:tc>
+                <a:tc>
+                  <a:txBody>
+                    <a:bodyPr/>
+                    <a:lstStyle/>
+                    <a:p>
+                      <a:pPr algn="ctr" fontAlgn="ctr"/>
+                      <a:endParaRPr lang="en-IN" sz="1600" dirty="0">
+                        <a:effectLst/>
+                        <a:latin typeface="Times New Roman" panose="02020603050405020304" pitchFamily="18" charset="0"/>
+                        <a:cs typeface="Times New Roman" panose="02020603050405020304" pitchFamily="18" charset="0"/>
+                      </a:endParaRPr>
+                    </a:p>
+                    <a:p>
+                      <a:pPr algn="l" rtl="0" fontAlgn="base"/>
+                      <a:r>
+                        <a:rPr lang="en-IN" sz="1600" b="0" i="0" dirty="0">
+                          <a:effectLst/>
+                          <a:latin typeface="Times New Roman" panose="02020603050405020304" pitchFamily="18" charset="0"/>
+                          <a:cs typeface="Times New Roman" panose="02020603050405020304" pitchFamily="18" charset="0"/>
+                        </a:rPr>
+                        <a:t>Problem </a:t>
+                      </a:r>
+                    </a:p>
+                  </a:txBody>
+                  <a:tcPr anchor="ctr">
+                    <a:lnL w="12700" cap="flat" cmpd="sng" algn="ctr">
+                      <a:solidFill>
+                        <a:schemeClr val="tx1"/>
+                      </a:solidFill>
+                      <a:prstDash val="solid"/>
+                      <a:round/>
+                      <a:headEnd type="none" w="med" len="med"/>
+                      <a:tailEnd type="none" w="med" len="med"/>
+                    </a:lnL>
+                    <a:lnR w="12700" cap="flat" cmpd="sng" algn="ctr">
+                      <a:solidFill>
+                        <a:schemeClr val="tx1"/>
+                      </a:solidFill>
+                      <a:prstDash val="solid"/>
+                      <a:round/>
+                      <a:headEnd type="none" w="med" len="med"/>
+                      <a:tailEnd type="none" w="med" len="med"/>
+                    </a:lnR>
+                    <a:lnT w="12700" cap="flat" cmpd="sng" algn="ctr">
+                      <a:solidFill>
+                        <a:schemeClr val="tx1"/>
+                      </a:solidFill>
+                      <a:prstDash val="solid"/>
+                      <a:round/>
+                      <a:headEnd type="none" w="med" len="med"/>
+                      <a:tailEnd type="none" w="med" len="med"/>
+                    </a:lnT>
+                    <a:lnB w="12700" cap="flat" cmpd="sng" algn="ctr">
+                      <a:solidFill>
+                        <a:schemeClr val="tx1"/>
+                      </a:solidFill>
+                      <a:prstDash val="solid"/>
+                      <a:round/>
+                      <a:headEnd type="none" w="med" len="med"/>
+                      <a:tailEnd type="none" w="med" len="med"/>
+                    </a:lnB>
+                  </a:tcPr>
+                </a:tc>
+                <a:tc>
+                  <a:txBody>
+                    <a:bodyPr/>
+                    <a:lstStyle/>
+                    <a:p>
+                      <a:pPr algn="ctr" fontAlgn="ctr"/>
+                      <a:endParaRPr lang="en-IN" sz="1600" dirty="0">
+                        <a:effectLst/>
+                        <a:latin typeface="Times New Roman" panose="02020603050405020304" pitchFamily="18" charset="0"/>
+                        <a:cs typeface="Times New Roman" panose="02020603050405020304" pitchFamily="18" charset="0"/>
+                      </a:endParaRPr>
+                    </a:p>
+                    <a:p>
+                      <a:pPr algn="l" rtl="0" fontAlgn="base"/>
+                      <a:r>
+                        <a:rPr lang="en-IN" sz="1600" b="0" i="0" dirty="0">
+                          <a:effectLst/>
+                          <a:latin typeface="Times New Roman" panose="02020603050405020304" pitchFamily="18" charset="0"/>
+                          <a:cs typeface="Times New Roman" panose="02020603050405020304" pitchFamily="18" charset="0"/>
+                        </a:rPr>
+                        <a:t>Contributions </a:t>
+                      </a:r>
+                    </a:p>
+                  </a:txBody>
+                  <a:tcPr anchor="ctr">
+                    <a:lnL w="12700" cap="flat" cmpd="sng" algn="ctr">
+                      <a:solidFill>
+                        <a:schemeClr val="tx1"/>
+                      </a:solidFill>
+                      <a:prstDash val="solid"/>
+                      <a:round/>
+                      <a:headEnd type="none" w="med" len="med"/>
+                      <a:tailEnd type="none" w="med" len="med"/>
+                    </a:lnL>
+                    <a:lnR w="12700" cap="flat" cmpd="sng" algn="ctr">
+                      <a:solidFill>
+                        <a:schemeClr val="tx1"/>
+                      </a:solidFill>
+                      <a:prstDash val="solid"/>
+                      <a:round/>
+                      <a:headEnd type="none" w="med" len="med"/>
+                      <a:tailEnd type="none" w="med" len="med"/>
+                    </a:lnR>
+                    <a:lnT w="12700" cap="flat" cmpd="sng" algn="ctr">
+                      <a:solidFill>
+                        <a:schemeClr val="tx1"/>
+                      </a:solidFill>
+                      <a:prstDash val="solid"/>
+                      <a:round/>
+                      <a:headEnd type="none" w="med" len="med"/>
+                      <a:tailEnd type="none" w="med" len="med"/>
+                    </a:lnT>
+                    <a:lnB w="12700" cap="flat" cmpd="sng" algn="ctr">
+                      <a:solidFill>
+                        <a:schemeClr val="tx1"/>
+                      </a:solidFill>
+                      <a:prstDash val="solid"/>
+                      <a:round/>
+                      <a:headEnd type="none" w="med" len="med"/>
+                      <a:tailEnd type="none" w="med" len="med"/>
+                    </a:lnB>
+                  </a:tcPr>
+                </a:tc>
+                <a:tc>
+                  <a:txBody>
+                    <a:bodyPr/>
+                    <a:lstStyle/>
+                    <a:p>
+                      <a:pPr algn="ctr" fontAlgn="ctr"/>
+                      <a:endParaRPr lang="en-IN" sz="1600" dirty="0">
+                        <a:effectLst/>
+                        <a:latin typeface="Times New Roman" panose="02020603050405020304" pitchFamily="18" charset="0"/>
+                        <a:cs typeface="Times New Roman" panose="02020603050405020304" pitchFamily="18" charset="0"/>
+                      </a:endParaRPr>
+                    </a:p>
+                    <a:p>
+                      <a:pPr algn="l" rtl="0" fontAlgn="base"/>
+                      <a:r>
+                        <a:rPr lang="en-IN" sz="1600" b="0" i="0" dirty="0">
+                          <a:effectLst/>
+                          <a:latin typeface="Times New Roman" panose="02020603050405020304" pitchFamily="18" charset="0"/>
+                          <a:cs typeface="Times New Roman" panose="02020603050405020304" pitchFamily="18" charset="0"/>
+                        </a:rPr>
+                        <a:t>Limitations </a:t>
+                      </a:r>
+                    </a:p>
+                  </a:txBody>
+                  <a:tcPr anchor="ctr">
+                    <a:lnL w="12700" cap="flat" cmpd="sng" algn="ctr">
+                      <a:solidFill>
+                        <a:schemeClr val="tx1"/>
+                      </a:solidFill>
+                      <a:prstDash val="solid"/>
+                      <a:round/>
+                      <a:headEnd type="none" w="med" len="med"/>
+                      <a:tailEnd type="none" w="med" len="med"/>
+                    </a:lnL>
+                    <a:lnR w="12700" cap="flat" cmpd="sng" algn="ctr">
+                      <a:solidFill>
+                        <a:schemeClr val="tx1"/>
+                      </a:solidFill>
+                      <a:prstDash val="solid"/>
+                      <a:round/>
+                      <a:headEnd type="none" w="med" len="med"/>
+                      <a:tailEnd type="none" w="med" len="med"/>
+                    </a:lnR>
+                    <a:lnT w="12700" cap="flat" cmpd="sng" algn="ctr">
+                      <a:solidFill>
+                        <a:schemeClr val="tx1"/>
+                      </a:solidFill>
+                      <a:prstDash val="solid"/>
+                      <a:round/>
+                      <a:headEnd type="none" w="med" len="med"/>
+                      <a:tailEnd type="none" w="med" len="med"/>
+                    </a:lnT>
+                    <a:lnB w="12700" cap="flat" cmpd="sng" algn="ctr">
+                      <a:solidFill>
+                        <a:schemeClr val="tx1"/>
+                      </a:solidFill>
+                      <a:prstDash val="solid"/>
+                      <a:round/>
+                      <a:headEnd type="none" w="med" len="med"/>
+                      <a:tailEnd type="none" w="med" len="med"/>
+                    </a:lnB>
+                  </a:tcPr>
+                </a:tc>
+                <a:tc>
+                  <a:txBody>
+                    <a:bodyPr/>
+                    <a:lstStyle/>
+                    <a:p>
+                      <a:pPr algn="ctr" fontAlgn="ctr"/>
+                      <a:endParaRPr lang="en-IN" sz="1600" dirty="0">
+                        <a:effectLst/>
+                        <a:latin typeface="Times New Roman" panose="02020603050405020304" pitchFamily="18" charset="0"/>
+                        <a:cs typeface="Times New Roman" panose="02020603050405020304" pitchFamily="18" charset="0"/>
+                      </a:endParaRPr>
+                    </a:p>
+                    <a:p>
+                      <a:pPr algn="l" rtl="0" fontAlgn="base"/>
+                      <a:r>
+                        <a:rPr lang="en-IN" sz="1600" b="0" i="0" dirty="0">
+                          <a:effectLst/>
+                          <a:latin typeface="Times New Roman" panose="02020603050405020304" pitchFamily="18" charset="0"/>
+                          <a:cs typeface="Times New Roman" panose="02020603050405020304" pitchFamily="18" charset="0"/>
+                        </a:rPr>
+                        <a:t>Open problems/Future work </a:t>
+                      </a:r>
+                    </a:p>
+                  </a:txBody>
+                  <a:tcPr anchor="ctr">
+                    <a:lnL w="12700" cap="flat" cmpd="sng" algn="ctr">
+                      <a:solidFill>
+                        <a:schemeClr val="tx1"/>
+                      </a:solidFill>
+                      <a:prstDash val="solid"/>
+                      <a:round/>
+                      <a:headEnd type="none" w="med" len="med"/>
+                      <a:tailEnd type="none" w="med" len="med"/>
+                    </a:lnL>
+                    <a:lnR w="12700" cap="flat" cmpd="sng" algn="ctr">
+                      <a:solidFill>
+                        <a:schemeClr val="tx1"/>
+                      </a:solidFill>
+                      <a:prstDash val="solid"/>
+                      <a:round/>
+                      <a:headEnd type="none" w="med" len="med"/>
+                      <a:tailEnd type="none" w="med" len="med"/>
+                    </a:lnR>
+                    <a:lnT w="12700" cap="flat" cmpd="sng" algn="ctr">
+                      <a:solidFill>
+                        <a:schemeClr val="tx1"/>
+                      </a:solidFill>
+                      <a:prstDash val="solid"/>
+                      <a:round/>
+                      <a:headEnd type="none" w="med" len="med"/>
+                      <a:tailEnd type="none" w="med" len="med"/>
+                    </a:lnT>
+                    <a:lnB w="12700" cap="flat" cmpd="sng" algn="ctr">
+                      <a:solidFill>
+                        <a:schemeClr val="tx1"/>
+                      </a:solidFill>
+                      <a:prstDash val="solid"/>
+                      <a:round/>
+                      <a:headEnd type="none" w="med" len="med"/>
+                      <a:tailEnd type="none" w="med" len="med"/>
+                    </a:lnB>
+                  </a:tcPr>
+                </a:tc>
+                <a:extLst>
+                  <a:ext uri="{0D108BD9-81ED-4DB2-BD59-A6C34878D82A}">
+                    <a16:rowId xmlns:a16="http://schemas.microsoft.com/office/drawing/2014/main" val="102697066"/>
+                  </a:ext>
+                </a:extLst>
+              </a:tr>
+              <a:tr h="561172">
+                <a:tc>
+                  <a:txBody>
+                    <a:bodyPr/>
+                    <a:lstStyle/>
+                    <a:p>
+                      <a:pPr algn="l" rtl="0" fontAlgn="base"/>
+                      <a:r>
+                        <a:rPr lang="en-IN" sz="1600" dirty="0">
+                          <a:latin typeface="Times New Roman" panose="02020603050405020304" pitchFamily="18" charset="0"/>
+                          <a:cs typeface="Times New Roman" panose="02020603050405020304" pitchFamily="18" charset="0"/>
+                        </a:rPr>
+                        <a:t>Outlier Detection for Streaming Task Assignment in Crowdsourcing [Yan Zhao; </a:t>
+                      </a:r>
+                      <a:r>
+                        <a:rPr lang="en-IN" sz="1600" dirty="0" err="1">
+                          <a:latin typeface="Times New Roman" panose="02020603050405020304" pitchFamily="18" charset="0"/>
+                          <a:cs typeface="Times New Roman" panose="02020603050405020304" pitchFamily="18" charset="0"/>
+                        </a:rPr>
+                        <a:t>Xuanhao</a:t>
+                      </a:r>
+                      <a:r>
+                        <a:rPr lang="en-IN" sz="1600" dirty="0">
+                          <a:latin typeface="Times New Roman" panose="02020603050405020304" pitchFamily="18" charset="0"/>
+                          <a:cs typeface="Times New Roman" panose="02020603050405020304" pitchFamily="18" charset="0"/>
+                        </a:rPr>
+                        <a:t> Chen; Liwei Deng et al.(2022)] </a:t>
+                      </a:r>
+                      <a:endParaRPr lang="en-IN" sz="1600" b="0" i="0" dirty="0">
+                        <a:effectLst/>
+                        <a:latin typeface="Times New Roman" panose="02020603050405020304" pitchFamily="18" charset="0"/>
+                        <a:cs typeface="Times New Roman" panose="02020603050405020304" pitchFamily="18" charset="0"/>
+                      </a:endParaRPr>
+                    </a:p>
+                  </a:txBody>
+                  <a:tcPr anchor="ctr">
+                    <a:lnL w="12700" cap="flat" cmpd="sng" algn="ctr">
+                      <a:solidFill>
+                        <a:schemeClr val="tx1"/>
+                      </a:solidFill>
+                      <a:prstDash val="solid"/>
+                      <a:round/>
+                      <a:headEnd type="none" w="med" len="med"/>
+                      <a:tailEnd type="none" w="med" len="med"/>
+                    </a:lnL>
+                    <a:lnR w="12700" cap="flat" cmpd="sng" algn="ctr">
+                      <a:solidFill>
+                        <a:schemeClr val="tx1"/>
+                      </a:solidFill>
+                      <a:prstDash val="solid"/>
+                      <a:round/>
+                      <a:headEnd type="none" w="med" len="med"/>
+                      <a:tailEnd type="none" w="med" len="med"/>
+                    </a:lnR>
+                    <a:lnT w="12700" cap="flat" cmpd="sng" algn="ctr">
+                      <a:solidFill>
+                        <a:schemeClr val="tx1"/>
+                      </a:solidFill>
+                      <a:prstDash val="solid"/>
+                      <a:round/>
+                      <a:headEnd type="none" w="med" len="med"/>
+                      <a:tailEnd type="none" w="med" len="med"/>
+                    </a:lnT>
+                    <a:lnB w="12700" cap="flat" cmpd="sng" algn="ctr">
+                      <a:solidFill>
+                        <a:schemeClr val="tx1"/>
+                      </a:solidFill>
+                      <a:prstDash val="solid"/>
+                      <a:round/>
+                      <a:headEnd type="none" w="med" len="med"/>
+                      <a:tailEnd type="none" w="med" len="med"/>
+                    </a:lnB>
+                  </a:tcPr>
+                </a:tc>
+                <a:tc>
+                  <a:txBody>
+                    <a:bodyPr/>
+                    <a:lstStyle/>
+                    <a:p>
+                      <a:pPr algn="l" rtl="0" fontAlgn="base"/>
+                      <a:r>
+                        <a:rPr lang="en-US" sz="1600" dirty="0">
+                          <a:latin typeface="Times New Roman" panose="02020603050405020304" pitchFamily="18" charset="0"/>
+                          <a:cs typeface="Times New Roman" panose="02020603050405020304" pitchFamily="18" charset="0"/>
+                        </a:rPr>
+                        <a:t>The problem is the lack of validation in real-world crowdsourcing platforms, limiting its practical applicability under diverse and dynamic crowdsourcing environments.</a:t>
+                      </a:r>
+                      <a:endParaRPr lang="en-IN" sz="1600" b="0" i="0" dirty="0">
+                        <a:effectLst/>
+                        <a:latin typeface="Times New Roman" panose="02020603050405020304" pitchFamily="18" charset="0"/>
+                        <a:cs typeface="Times New Roman" panose="02020603050405020304" pitchFamily="18" charset="0"/>
+                      </a:endParaRPr>
+                    </a:p>
+                  </a:txBody>
+                  <a:tcPr anchor="ctr">
+                    <a:lnL w="12700" cap="flat" cmpd="sng" algn="ctr">
+                      <a:solidFill>
+                        <a:schemeClr val="tx1"/>
+                      </a:solidFill>
+                      <a:prstDash val="solid"/>
+                      <a:round/>
+                      <a:headEnd type="none" w="med" len="med"/>
+                      <a:tailEnd type="none" w="med" len="med"/>
+                    </a:lnL>
+                    <a:lnR w="12700" cap="flat" cmpd="sng" algn="ctr">
+                      <a:solidFill>
+                        <a:schemeClr val="tx1"/>
+                      </a:solidFill>
+                      <a:prstDash val="solid"/>
+                      <a:round/>
+                      <a:headEnd type="none" w="med" len="med"/>
+                      <a:tailEnd type="none" w="med" len="med"/>
+                    </a:lnR>
+                    <a:lnT w="12700" cap="flat" cmpd="sng" algn="ctr">
+                      <a:solidFill>
+                        <a:schemeClr val="tx1"/>
+                      </a:solidFill>
+                      <a:prstDash val="solid"/>
+                      <a:round/>
+                      <a:headEnd type="none" w="med" len="med"/>
+                      <a:tailEnd type="none" w="med" len="med"/>
+                    </a:lnT>
+                    <a:lnB w="12700" cap="flat" cmpd="sng" algn="ctr">
+                      <a:solidFill>
+                        <a:schemeClr val="tx1"/>
+                      </a:solidFill>
+                      <a:prstDash val="solid"/>
+                      <a:round/>
+                      <a:headEnd type="none" w="med" len="med"/>
+                      <a:tailEnd type="none" w="med" len="med"/>
+                    </a:lnB>
+                  </a:tcPr>
+                </a:tc>
+                <a:tc>
+                  <a:txBody>
+                    <a:bodyPr/>
+                    <a:lstStyle/>
+                    <a:p>
+                      <a:pPr marL="285750" indent="-285750" algn="l" rtl="0" fontAlgn="base">
+                        <a:buFont typeface="Arial" panose="020B0604020202020204" pitchFamily="34" charset="0"/>
+                        <a:buChar char="•"/>
+                      </a:pPr>
+                      <a:r>
+                        <a:rPr lang="en-US" sz="1600" dirty="0">
+                          <a:latin typeface="Times New Roman" panose="02020603050405020304" pitchFamily="18" charset="0"/>
+                          <a:cs typeface="Times New Roman" panose="02020603050405020304" pitchFamily="18" charset="0"/>
+                        </a:rPr>
+                        <a:t>The paper proposes an efficient outlier detection framework for streaming task assignment in crowdsourcing, considering both malicious workers and invalid tasks. </a:t>
+                      </a:r>
+                    </a:p>
+                    <a:p>
+                      <a:pPr marL="285750" indent="-285750" algn="l" rtl="0" fontAlgn="base">
+                        <a:buFont typeface="Arial" panose="020B0604020202020204" pitchFamily="34" charset="0"/>
+                        <a:buChar char="•"/>
+                      </a:pPr>
+                      <a:r>
+                        <a:rPr lang="en-US" sz="1600" dirty="0">
+                          <a:latin typeface="Times New Roman" panose="02020603050405020304" pitchFamily="18" charset="0"/>
+                          <a:cs typeface="Times New Roman" panose="02020603050405020304" pitchFamily="18" charset="0"/>
+                        </a:rPr>
+                        <a:t>It introduces a SA Generative Adversarial Network (GAN) outlier detector to identify outliers. </a:t>
+                      </a:r>
+                      <a:endParaRPr lang="en-IN" sz="1600" b="0" i="0" dirty="0">
+                        <a:effectLst/>
+                        <a:latin typeface="Times New Roman" panose="02020603050405020304" pitchFamily="18" charset="0"/>
+                        <a:cs typeface="Times New Roman" panose="02020603050405020304" pitchFamily="18" charset="0"/>
+                      </a:endParaRPr>
+                    </a:p>
+                  </a:txBody>
+                  <a:tcPr anchor="ctr">
+                    <a:lnL w="12700" cap="flat" cmpd="sng" algn="ctr">
+                      <a:solidFill>
+                        <a:schemeClr val="tx1"/>
+                      </a:solidFill>
+                      <a:prstDash val="solid"/>
+                      <a:round/>
+                      <a:headEnd type="none" w="med" len="med"/>
+                      <a:tailEnd type="none" w="med" len="med"/>
+                    </a:lnL>
+                    <a:lnR w="12700" cap="flat" cmpd="sng" algn="ctr">
+                      <a:solidFill>
+                        <a:schemeClr val="tx1"/>
+                      </a:solidFill>
+                      <a:prstDash val="solid"/>
+                      <a:round/>
+                      <a:headEnd type="none" w="med" len="med"/>
+                      <a:tailEnd type="none" w="med" len="med"/>
+                    </a:lnR>
+                    <a:lnT w="12700" cap="flat" cmpd="sng" algn="ctr">
+                      <a:solidFill>
+                        <a:schemeClr val="tx1"/>
+                      </a:solidFill>
+                      <a:prstDash val="solid"/>
+                      <a:round/>
+                      <a:headEnd type="none" w="med" len="med"/>
+                      <a:tailEnd type="none" w="med" len="med"/>
+                    </a:lnT>
+                    <a:lnB w="12700" cap="flat" cmpd="sng" algn="ctr">
+                      <a:solidFill>
+                        <a:schemeClr val="tx1"/>
+                      </a:solidFill>
+                      <a:prstDash val="solid"/>
+                      <a:round/>
+                      <a:headEnd type="none" w="med" len="med"/>
+                      <a:tailEnd type="none" w="med" len="med"/>
+                    </a:lnB>
+                  </a:tcPr>
+                </a:tc>
+                <a:tc>
+                  <a:txBody>
+                    <a:bodyPr/>
+                    <a:lstStyle/>
+                    <a:p>
+                      <a:pPr marL="285750" indent="-285750" algn="l" rtl="0" fontAlgn="base">
+                        <a:buFont typeface="Arial" panose="020B0604020202020204" pitchFamily="34" charset="0"/>
+                        <a:buChar char="•"/>
+                      </a:pPr>
+                      <a:r>
+                        <a:rPr lang="en-US" sz="1600" dirty="0">
+                          <a:latin typeface="Times New Roman" panose="02020603050405020304" pitchFamily="18" charset="0"/>
+                          <a:cs typeface="Times New Roman" panose="02020603050405020304" pitchFamily="18" charset="0"/>
+                        </a:rPr>
+                        <a:t>The proposed outlier detection framework's limitations include the lack of real-world deployment, limited exploration of anomalies beyond malicious workers and invalid tasks.</a:t>
+                      </a:r>
+                    </a:p>
+                    <a:p>
+                      <a:pPr marL="285750" indent="-285750" algn="l" rtl="0" fontAlgn="base">
+                        <a:buFont typeface="Arial" panose="020B0604020202020204" pitchFamily="34" charset="0"/>
+                        <a:buChar char="•"/>
+                      </a:pPr>
+                      <a:r>
+                        <a:rPr lang="en-US" sz="1600" dirty="0">
+                          <a:latin typeface="Times New Roman" panose="02020603050405020304" pitchFamily="18" charset="0"/>
+                          <a:cs typeface="Times New Roman" panose="02020603050405020304" pitchFamily="18" charset="0"/>
+                        </a:rPr>
+                        <a:t>Scalability concerns for large crowdsourcing platforms, adaptability to evolving dynamics, impact on tasks.</a:t>
+                      </a:r>
+                      <a:endParaRPr lang="en-IN" sz="1600" b="0" i="0" dirty="0">
+                        <a:effectLst/>
+                        <a:latin typeface="Times New Roman" panose="02020603050405020304" pitchFamily="18" charset="0"/>
+                        <a:cs typeface="Times New Roman" panose="02020603050405020304" pitchFamily="18" charset="0"/>
+                      </a:endParaRPr>
+                    </a:p>
+                  </a:txBody>
+                  <a:tcPr anchor="ctr">
+                    <a:lnL w="12700" cap="flat" cmpd="sng" algn="ctr">
+                      <a:solidFill>
+                        <a:schemeClr val="tx1"/>
+                      </a:solidFill>
+                      <a:prstDash val="solid"/>
+                      <a:round/>
+                      <a:headEnd type="none" w="med" len="med"/>
+                      <a:tailEnd type="none" w="med" len="med"/>
+                    </a:lnL>
+                    <a:lnR w="12700" cap="flat" cmpd="sng" algn="ctr">
+                      <a:solidFill>
+                        <a:schemeClr val="tx1"/>
+                      </a:solidFill>
+                      <a:prstDash val="solid"/>
+                      <a:round/>
+                      <a:headEnd type="none" w="med" len="med"/>
+                      <a:tailEnd type="none" w="med" len="med"/>
+                    </a:lnR>
+                    <a:lnT w="12700" cap="flat" cmpd="sng" algn="ctr">
+                      <a:solidFill>
+                        <a:schemeClr val="tx1"/>
+                      </a:solidFill>
+                      <a:prstDash val="solid"/>
+                      <a:round/>
+                      <a:headEnd type="none" w="med" len="med"/>
+                      <a:tailEnd type="none" w="med" len="med"/>
+                    </a:lnT>
+                    <a:lnB w="12700" cap="flat" cmpd="sng" algn="ctr">
+                      <a:solidFill>
+                        <a:schemeClr val="tx1"/>
+                      </a:solidFill>
+                      <a:prstDash val="solid"/>
+                      <a:round/>
+                      <a:headEnd type="none" w="med" len="med"/>
+                      <a:tailEnd type="none" w="med" len="med"/>
+                    </a:lnB>
+                  </a:tcPr>
+                </a:tc>
+                <a:tc>
+                  <a:txBody>
+                    <a:bodyPr/>
+                    <a:lstStyle/>
+                    <a:p>
+                      <a:pPr algn="l" rtl="0" fontAlgn="base"/>
+                      <a:r>
+                        <a:rPr lang="en-US" sz="1600" dirty="0">
+                          <a:latin typeface="Times New Roman" panose="02020603050405020304" pitchFamily="18" charset="0"/>
+                          <a:cs typeface="Times New Roman" panose="02020603050405020304" pitchFamily="18" charset="0"/>
+                        </a:rPr>
+                        <a:t>Real-world deployment and validation, using semi-supervised, evaluating under various streaming scenarios, integrating contextual information to enhance outlier detection, and improving task assignment efficiency</a:t>
+                      </a:r>
+                      <a:endParaRPr lang="en-IN" sz="1600" b="0" i="0" dirty="0">
+                        <a:effectLst/>
+                        <a:latin typeface="Times New Roman" panose="02020603050405020304" pitchFamily="18" charset="0"/>
+                        <a:cs typeface="Times New Roman" panose="02020603050405020304" pitchFamily="18" charset="0"/>
+                      </a:endParaRPr>
+                    </a:p>
+                  </a:txBody>
+                  <a:tcPr anchor="ctr">
+                    <a:lnL w="12700" cap="flat" cmpd="sng" algn="ctr">
+                      <a:solidFill>
+                        <a:schemeClr val="tx1"/>
+                      </a:solidFill>
+                      <a:prstDash val="solid"/>
+                      <a:round/>
+                      <a:headEnd type="none" w="med" len="med"/>
+                      <a:tailEnd type="none" w="med" len="med"/>
+                    </a:lnL>
+                    <a:lnR w="12700" cap="flat" cmpd="sng" algn="ctr">
+                      <a:solidFill>
+                        <a:schemeClr val="tx1"/>
+                      </a:solidFill>
+                      <a:prstDash val="solid"/>
+                      <a:round/>
+                      <a:headEnd type="none" w="med" len="med"/>
+                      <a:tailEnd type="none" w="med" len="med"/>
+                    </a:lnR>
+                    <a:lnT w="12700" cap="flat" cmpd="sng" algn="ctr">
+                      <a:solidFill>
+                        <a:schemeClr val="tx1"/>
+                      </a:solidFill>
+                      <a:prstDash val="solid"/>
+                      <a:round/>
+                      <a:headEnd type="none" w="med" len="med"/>
+                      <a:tailEnd type="none" w="med" len="med"/>
+                    </a:lnT>
+                    <a:lnB w="12700" cap="flat" cmpd="sng" algn="ctr">
+                      <a:solidFill>
+                        <a:schemeClr val="tx1"/>
+                      </a:solidFill>
+                      <a:prstDash val="solid"/>
+                      <a:round/>
+                      <a:headEnd type="none" w="med" len="med"/>
+                      <a:tailEnd type="none" w="med" len="med"/>
+                    </a:lnB>
+                  </a:tcPr>
+                </a:tc>
+                <a:extLst>
+                  <a:ext uri="{0D108BD9-81ED-4DB2-BD59-A6C34878D82A}">
+                    <a16:rowId xmlns:a16="http://schemas.microsoft.com/office/drawing/2014/main" val="1712362805"/>
+                  </a:ext>
+                </a:extLst>
+              </a:tr>
+              <a:tr h="561172">
+                <a:tc>
+                  <a:txBody>
+                    <a:bodyPr/>
+                    <a:lstStyle/>
+                    <a:p>
+                      <a:pPr fontAlgn="ctr"/>
+                      <a:endParaRPr lang="en-IN">
+                        <a:effectLst/>
+                      </a:endParaRPr>
+                    </a:p>
+                    <a:p>
+                      <a:pPr algn="l" rtl="0" fontAlgn="base"/>
+                      <a:r>
+                        <a:rPr lang="en-IN" sz="1200" b="0" i="0">
+                          <a:effectLst/>
+                          <a:latin typeface="Times New Roman" panose="02020603050405020304" pitchFamily="18" charset="0"/>
+                        </a:rPr>
+                        <a:t>  </a:t>
+                      </a:r>
+                      <a:endParaRPr lang="en-IN" b="0" i="0">
+                        <a:effectLst/>
+                      </a:endParaRPr>
+                    </a:p>
+                  </a:txBody>
+                  <a:tcPr anchor="ctr">
+                    <a:lnL w="9525" cap="flat" cmpd="sng" algn="ctr">
+                      <a:solidFill>
+                        <a:schemeClr val="bg1"/>
+                      </a:solidFill>
+                      <a:prstDash val="solid"/>
+                      <a:round/>
+                      <a:headEnd type="none" w="med" len="med"/>
+                      <a:tailEnd type="none" w="med" len="med"/>
+                    </a:lnL>
+                    <a:lnR w="9525" cap="flat" cmpd="sng" algn="ctr">
+                      <a:solidFill>
+                        <a:schemeClr val="bg1"/>
+                      </a:solidFill>
+                      <a:prstDash val="solid"/>
+                      <a:round/>
+                      <a:headEnd type="none" w="med" len="med"/>
+                      <a:tailEnd type="none" w="med" len="med"/>
+                    </a:lnR>
+                    <a:lnT w="12700" cap="flat" cmpd="sng" algn="ctr">
+                      <a:solidFill>
+                        <a:schemeClr val="tx1"/>
+                      </a:solidFill>
+                      <a:prstDash val="solid"/>
+                      <a:round/>
+                      <a:headEnd type="none" w="med" len="med"/>
+                      <a:tailEnd type="none" w="med" len="med"/>
+                    </a:lnT>
+                    <a:lnB w="9525" cap="flat" cmpd="sng" algn="ctr">
+                      <a:solidFill>
+                        <a:schemeClr val="bg1"/>
+                      </a:solidFill>
+                      <a:prstDash val="solid"/>
+                      <a:round/>
+                      <a:headEnd type="none" w="med" len="med"/>
+                      <a:tailEnd type="none" w="med" len="med"/>
+                    </a:lnB>
+                  </a:tcPr>
+                </a:tc>
+                <a:tc>
+                  <a:txBody>
+                    <a:bodyPr/>
+                    <a:lstStyle/>
+                    <a:p>
+                      <a:pPr fontAlgn="ctr"/>
+                      <a:endParaRPr lang="en-IN" dirty="0">
+                        <a:effectLst/>
+                      </a:endParaRPr>
+                    </a:p>
+                    <a:p>
+                      <a:pPr algn="l" rtl="0" fontAlgn="base"/>
+                      <a:r>
+                        <a:rPr lang="en-IN" sz="1200" b="0" i="0" dirty="0">
+                          <a:effectLst/>
+                          <a:latin typeface="Times New Roman" panose="02020603050405020304" pitchFamily="18" charset="0"/>
+                        </a:rPr>
+                        <a:t>  </a:t>
+                      </a:r>
+                      <a:endParaRPr lang="en-IN" b="0" i="0" dirty="0">
+                        <a:effectLst/>
+                      </a:endParaRPr>
+                    </a:p>
+                  </a:txBody>
+                  <a:tcPr anchor="ctr">
+                    <a:lnL w="9525" cap="flat" cmpd="sng" algn="ctr">
+                      <a:solidFill>
+                        <a:schemeClr val="bg1"/>
+                      </a:solidFill>
+                      <a:prstDash val="solid"/>
+                      <a:round/>
+                      <a:headEnd type="none" w="med" len="med"/>
+                      <a:tailEnd type="none" w="med" len="med"/>
+                    </a:lnL>
+                    <a:lnR w="9525" cap="flat" cmpd="sng" algn="ctr">
+                      <a:solidFill>
+                        <a:schemeClr val="bg1"/>
+                      </a:solidFill>
+                      <a:prstDash val="solid"/>
+                      <a:round/>
+                      <a:headEnd type="none" w="med" len="med"/>
+                      <a:tailEnd type="none" w="med" len="med"/>
+                    </a:lnR>
+                    <a:lnT w="12700" cap="flat" cmpd="sng" algn="ctr">
+                      <a:solidFill>
+                        <a:schemeClr val="tx1"/>
+                      </a:solidFill>
+                      <a:prstDash val="solid"/>
+                      <a:round/>
+                      <a:headEnd type="none" w="med" len="med"/>
+                      <a:tailEnd type="none" w="med" len="med"/>
+                    </a:lnT>
+                    <a:lnB w="9525" cap="flat" cmpd="sng" algn="ctr">
+                      <a:solidFill>
+                        <a:schemeClr val="bg1"/>
+                      </a:solidFill>
+                      <a:prstDash val="solid"/>
+                      <a:round/>
+                      <a:headEnd type="none" w="med" len="med"/>
+                      <a:tailEnd type="none" w="med" len="med"/>
+                    </a:lnB>
+                  </a:tcPr>
+                </a:tc>
+                <a:tc>
+                  <a:txBody>
+                    <a:bodyPr/>
+                    <a:lstStyle/>
+                    <a:p>
+                      <a:pPr fontAlgn="ctr"/>
+                      <a:endParaRPr lang="en-IN" dirty="0">
+                        <a:effectLst/>
+                      </a:endParaRPr>
+                    </a:p>
+                    <a:p>
+                      <a:pPr algn="l" rtl="0" fontAlgn="base"/>
+                      <a:r>
+                        <a:rPr lang="en-IN" sz="1200" b="0" i="0" dirty="0">
+                          <a:effectLst/>
+                          <a:latin typeface="Times New Roman" panose="02020603050405020304" pitchFamily="18" charset="0"/>
+                        </a:rPr>
+                        <a:t>  </a:t>
+                      </a:r>
+                      <a:endParaRPr lang="en-IN" b="0" i="0" dirty="0">
+                        <a:effectLst/>
+                      </a:endParaRPr>
+                    </a:p>
+                  </a:txBody>
+                  <a:tcPr anchor="ctr">
+                    <a:lnL w="9525" cap="flat" cmpd="sng" algn="ctr">
+                      <a:solidFill>
+                        <a:schemeClr val="bg1"/>
+                      </a:solidFill>
+                      <a:prstDash val="solid"/>
+                      <a:round/>
+                      <a:headEnd type="none" w="med" len="med"/>
+                      <a:tailEnd type="none" w="med" len="med"/>
+                    </a:lnL>
+                    <a:lnR w="9525" cap="flat" cmpd="sng" algn="ctr">
+                      <a:solidFill>
+                        <a:schemeClr val="bg1"/>
+                      </a:solidFill>
+                      <a:prstDash val="solid"/>
+                      <a:round/>
+                      <a:headEnd type="none" w="med" len="med"/>
+                      <a:tailEnd type="none" w="med" len="med"/>
+                    </a:lnR>
+                    <a:lnT w="12700" cap="flat" cmpd="sng" algn="ctr">
+                      <a:solidFill>
+                        <a:schemeClr val="tx1"/>
+                      </a:solidFill>
+                      <a:prstDash val="solid"/>
+                      <a:round/>
+                      <a:headEnd type="none" w="med" len="med"/>
+                      <a:tailEnd type="none" w="med" len="med"/>
+                    </a:lnT>
+                    <a:lnB w="9525" cap="flat" cmpd="sng" algn="ctr">
+                      <a:solidFill>
+                        <a:schemeClr val="bg1"/>
+                      </a:solidFill>
+                      <a:prstDash val="solid"/>
+                      <a:round/>
+                      <a:headEnd type="none" w="med" len="med"/>
+                      <a:tailEnd type="none" w="med" len="med"/>
+                    </a:lnB>
+                  </a:tcPr>
+                </a:tc>
+                <a:tc>
+                  <a:txBody>
+                    <a:bodyPr/>
+                    <a:lstStyle/>
+                    <a:p>
+                      <a:pPr fontAlgn="ctr"/>
+                      <a:endParaRPr lang="en-IN" dirty="0">
+                        <a:effectLst/>
+                      </a:endParaRPr>
+                    </a:p>
+                    <a:p>
+                      <a:pPr algn="l" rtl="0" fontAlgn="base"/>
+                      <a:r>
+                        <a:rPr lang="en-IN" sz="1200" b="0" i="0" dirty="0">
+                          <a:effectLst/>
+                          <a:latin typeface="Times New Roman" panose="02020603050405020304" pitchFamily="18" charset="0"/>
+                        </a:rPr>
+                        <a:t>  </a:t>
+                      </a:r>
+                      <a:endParaRPr lang="en-IN" b="0" i="0" dirty="0">
+                        <a:effectLst/>
+                      </a:endParaRPr>
+                    </a:p>
+                  </a:txBody>
+                  <a:tcPr anchor="ctr">
+                    <a:lnL w="9525" cap="flat" cmpd="sng" algn="ctr">
+                      <a:solidFill>
+                        <a:schemeClr val="bg1"/>
+                      </a:solidFill>
+                      <a:prstDash val="solid"/>
+                      <a:round/>
+                      <a:headEnd type="none" w="med" len="med"/>
+                      <a:tailEnd type="none" w="med" len="med"/>
+                    </a:lnL>
+                    <a:lnR w="9525" cap="flat" cmpd="sng" algn="ctr">
+                      <a:solidFill>
+                        <a:schemeClr val="bg1"/>
+                      </a:solidFill>
+                      <a:prstDash val="solid"/>
+                      <a:round/>
+                      <a:headEnd type="none" w="med" len="med"/>
+                      <a:tailEnd type="none" w="med" len="med"/>
+                    </a:lnR>
+                    <a:lnT w="12700" cap="flat" cmpd="sng" algn="ctr">
+                      <a:solidFill>
+                        <a:schemeClr val="tx1"/>
+                      </a:solidFill>
+                      <a:prstDash val="solid"/>
+                      <a:round/>
+                      <a:headEnd type="none" w="med" len="med"/>
+                      <a:tailEnd type="none" w="med" len="med"/>
+                    </a:lnT>
+                    <a:lnB w="9525" cap="flat" cmpd="sng" algn="ctr">
+                      <a:solidFill>
+                        <a:schemeClr val="bg1"/>
+                      </a:solidFill>
+                      <a:prstDash val="solid"/>
+                      <a:round/>
+                      <a:headEnd type="none" w="med" len="med"/>
+                      <a:tailEnd type="none" w="med" len="med"/>
+                    </a:lnB>
+                  </a:tcPr>
+                </a:tc>
+                <a:tc>
+                  <a:txBody>
+                    <a:bodyPr/>
+                    <a:lstStyle/>
+                    <a:p>
+                      <a:pPr fontAlgn="ctr"/>
+                      <a:endParaRPr lang="en-IN" dirty="0">
+                        <a:effectLst/>
+                      </a:endParaRPr>
+                    </a:p>
+                    <a:p>
+                      <a:pPr algn="l" rtl="0" fontAlgn="base"/>
+                      <a:r>
+                        <a:rPr lang="en-IN" sz="1200" b="0" i="0" dirty="0">
+                          <a:effectLst/>
+                          <a:latin typeface="Times New Roman" panose="02020603050405020304" pitchFamily="18" charset="0"/>
+                        </a:rPr>
+                        <a:t>  </a:t>
+                      </a:r>
+                      <a:endParaRPr lang="en-IN" b="0" i="0" dirty="0">
+                        <a:effectLst/>
+                      </a:endParaRPr>
+                    </a:p>
+                  </a:txBody>
+                  <a:tcPr anchor="ctr">
+                    <a:lnL w="9525" cap="flat" cmpd="sng" algn="ctr">
+                      <a:solidFill>
+                        <a:schemeClr val="bg1"/>
+                      </a:solidFill>
+                      <a:prstDash val="solid"/>
+                      <a:round/>
+                      <a:headEnd type="none" w="med" len="med"/>
+                      <a:tailEnd type="none" w="med" len="med"/>
+                    </a:lnL>
+                    <a:lnR w="9525" cap="flat" cmpd="sng" algn="ctr">
+                      <a:solidFill>
+                        <a:schemeClr val="bg1"/>
+                      </a:solidFill>
+                      <a:prstDash val="solid"/>
+                      <a:round/>
+                      <a:headEnd type="none" w="med" len="med"/>
+                      <a:tailEnd type="none" w="med" len="med"/>
+                    </a:lnR>
+                    <a:lnT w="12700" cap="flat" cmpd="sng" algn="ctr">
+                      <a:solidFill>
+                        <a:schemeClr val="tx1"/>
+                      </a:solidFill>
+                      <a:prstDash val="solid"/>
+                      <a:round/>
+                      <a:headEnd type="none" w="med" len="med"/>
+                      <a:tailEnd type="none" w="med" len="med"/>
+                    </a:lnT>
+                    <a:lnB w="9525" cap="flat" cmpd="sng" algn="ctr">
+                      <a:solidFill>
+                        <a:schemeClr val="bg1"/>
+                      </a:solidFill>
+                      <a:prstDash val="solid"/>
+                      <a:round/>
+                      <a:headEnd type="none" w="med" len="med"/>
+                      <a:tailEnd type="none" w="med" len="med"/>
+                    </a:lnB>
+                  </a:tcPr>
+                </a:tc>
+                <a:extLst>
+                  <a:ext uri="{0D108BD9-81ED-4DB2-BD59-A6C34878D82A}">
+                    <a16:rowId xmlns:a16="http://schemas.microsoft.com/office/drawing/2014/main" val="483685751"/>
+                  </a:ext>
+                </a:extLst>
+              </a:tr>
+            </a:tbl>
+          </a:graphicData>
+        </a:graphic>
+      </p:graphicFrame>
     </p:spTree>
     <p:extLst>
       <p:ext uri="{BB962C8B-B14F-4D97-AF65-F5344CB8AC3E}">
-        <p14:creationId xmlns:p14="http://schemas.microsoft.com/office/powerpoint/2010/main" val="2021526502"/>
+        <p14:creationId xmlns:p14="http://schemas.microsoft.com/office/powerpoint/2010/main" val="4270258658"/>
       </p:ext>
     </p:extLst>
   </p:cSld>
@@ -12811,14 +14332,6 @@
 <file path=ppt/slides/slide8.xml><?xml version="1.0" encoding="utf-8"?>
 <p:sld xmlns:a="http://schemas.openxmlformats.org/drawingml/2006/main" xmlns:r="http://schemas.openxmlformats.org/officeDocument/2006/relationships" xmlns:p="http://schemas.openxmlformats.org/presentationml/2006/main">
   <p:cSld>
-    <p:bg>
-      <p:bgPr>
-        <a:solidFill>
-          <a:schemeClr val="bg1"/>
-        </a:solidFill>
-        <a:effectLst/>
-      </p:bgPr>
-    </p:bg>
     <p:spTree>
       <p:nvGrpSpPr>
         <p:cNvPr id="1" name=""/>
@@ -12835,10 +14348,63 @@
       </p:grpSpPr>
       <p:sp>
         <p:nvSpPr>
-          <p:cNvPr id="5" name="Title 4">
+          <p:cNvPr id="2" name="Content Placeholder 1">
             <a:extLst>
               <a:ext uri="{FF2B5EF4-FFF2-40B4-BE49-F238E27FC236}">
-                <a16:creationId xmlns:a16="http://schemas.microsoft.com/office/drawing/2014/main" id="{443B9AD2-3321-4280-1FB4-43BD84CE3033}"/>
+                <a16:creationId xmlns:a16="http://schemas.microsoft.com/office/drawing/2014/main" id="{75697CAA-920D-27FA-2389-90BC3C505464}"/>
+              </a:ext>
+            </a:extLst>
+          </p:cNvPr>
+          <p:cNvSpPr>
+            <a:spLocks noGrp="1"/>
+          </p:cNvSpPr>
+          <p:nvPr>
+            <p:ph idx="1"/>
+          </p:nvPr>
+        </p:nvSpPr>
+        <p:spPr>
+          <a:xfrm>
+            <a:off x="571498" y="1137256"/>
+            <a:ext cx="11315701" cy="4933760"/>
+          </a:xfrm>
+        </p:spPr>
+        <p:txBody>
+          <a:bodyPr vert="horz" lIns="91440" tIns="45720" rIns="91440" bIns="45720" rtlCol="0" anchor="t">
+            <a:normAutofit/>
+          </a:bodyPr>
+          <a:lstStyle/>
+          <a:p>
+            <a:pPr marL="0" indent="0">
+              <a:buNone/>
+            </a:pPr>
+            <a:endParaRPr lang="en-GB" dirty="0"/>
+          </a:p>
+          <a:p>
+            <a:pPr marL="0" indent="0">
+              <a:buNone/>
+            </a:pPr>
+            <a:endParaRPr lang="en-GB" dirty="0"/>
+          </a:p>
+          <a:p>
+            <a:pPr marL="0" indent="0">
+              <a:buNone/>
+            </a:pPr>
+            <a:endParaRPr lang="en-GB" dirty="0"/>
+          </a:p>
+          <a:p>
+            <a:pPr marL="0" indent="0">
+              <a:buNone/>
+            </a:pPr>
+            <a:endParaRPr lang="en-GB" dirty="0"/>
+          </a:p>
+        </p:txBody>
+      </p:sp>
+      <p:sp>
+        <p:nvSpPr>
+          <p:cNvPr id="3" name="Title 2">
+            <a:extLst>
+              <a:ext uri="{FF2B5EF4-FFF2-40B4-BE49-F238E27FC236}">
+                <a16:creationId xmlns:a16="http://schemas.microsoft.com/office/drawing/2014/main" id="{771BB9B5-4E4C-C5FF-36B7-632BDFB2A24E}"/>
               </a:ext>
             </a:extLst>
           </p:cNvPr>
@@ -12849,7 +14415,12 @@
             <p:ph type="title"/>
           </p:nvPr>
         </p:nvSpPr>
-        <p:spPr/>
+        <p:spPr>
+          <a:xfrm>
+            <a:off x="437028" y="639354"/>
+            <a:ext cx="10515600" cy="421441"/>
+          </a:xfrm>
+        </p:spPr>
         <p:txBody>
           <a:bodyPr>
             <a:normAutofit fontScale="90000"/>
@@ -12857,46 +14428,1106 @@
           <a:lstStyle/>
           <a:p>
             <a:r>
-              <a:rPr lang="en-US" dirty="0"/>
-              <a:t>High Level Design</a:t>
+              <a:rPr lang="en-US" dirty="0">
+                <a:latin typeface="Georgia"/>
+              </a:rPr>
+              <a:t>Background Study/Related Work</a:t>
             </a:r>
-            <a:endParaRPr lang="en-IN" dirty="0"/>
+            <a:endParaRPr lang="en-GB" dirty="0">
+              <a:latin typeface="Georgia"/>
+            </a:endParaRPr>
+          </a:p>
+          <a:p>
+            <a:endParaRPr lang="en-GB" dirty="0"/>
           </a:p>
         </p:txBody>
       </p:sp>
-      <p:pic>
-        <p:nvPicPr>
-          <p:cNvPr id="6" name="Content Placeholder 5">
+      <p:graphicFrame>
+        <p:nvGraphicFramePr>
+          <p:cNvPr id="4" name="Table 3">
             <a:extLst>
               <a:ext uri="{FF2B5EF4-FFF2-40B4-BE49-F238E27FC236}">
-                <a16:creationId xmlns:a16="http://schemas.microsoft.com/office/drawing/2014/main" id="{87439D4A-0E6E-09E6-1F81-1CDCBAD5E426}"/>
+                <a16:creationId xmlns:a16="http://schemas.microsoft.com/office/drawing/2014/main" id="{DF8970E5-DC4B-BE23-4EE6-33DE1A9CCD39}"/>
               </a:ext>
             </a:extLst>
           </p:cNvPr>
-          <p:cNvPicPr>
-            <a:picLocks noGrp="1" noChangeAspect="1"/>
-          </p:cNvPicPr>
+          <p:cNvGraphicFramePr>
+            <a:graphicFrameLocks noGrp="1"/>
+          </p:cNvGraphicFramePr>
           <p:nvPr>
-            <p:ph idx="1"/>
+            <p:extLst>
+              <p:ext uri="{D42A27DB-BD31-4B8C-83A1-F6EECF244321}">
+                <p14:modId xmlns:p14="http://schemas.microsoft.com/office/powerpoint/2010/main" val="2810315813"/>
+              </p:ext>
+            </p:extLst>
           </p:nvPr>
-        </p:nvPicPr>
-        <p:blipFill>
-          <a:blip r:embed="rId2"/>
-          <a:stretch>
-            <a:fillRect/>
-          </a:stretch>
-        </p:blipFill>
-        <p:spPr>
-          <a:xfrm>
-            <a:off x="2427893" y="1136650"/>
-            <a:ext cx="6802814" cy="4908550"/>
-          </a:xfrm>
-        </p:spPr>
-      </p:pic>
+        </p:nvGraphicFramePr>
+        <p:xfrm>
+          <a:off x="437028" y="1181684"/>
+          <a:ext cx="11183474" cy="4889332"/>
+        </p:xfrm>
+        <a:graphic>
+          <a:graphicData uri="http://schemas.openxmlformats.org/drawingml/2006/table">
+            <a:tbl>
+              <a:tblPr/>
+              <a:tblGrid>
+                <a:gridCol w="2027348">
+                  <a:extLst>
+                    <a:ext uri="{9D8B030D-6E8A-4147-A177-3AD203B41FA5}">
+                      <a16:colId xmlns:a16="http://schemas.microsoft.com/office/drawing/2014/main" val="1337618479"/>
+                    </a:ext>
+                  </a:extLst>
+                </a:gridCol>
+                <a:gridCol w="2266542">
+                  <a:extLst>
+                    <a:ext uri="{9D8B030D-6E8A-4147-A177-3AD203B41FA5}">
+                      <a16:colId xmlns:a16="http://schemas.microsoft.com/office/drawing/2014/main" val="2786992942"/>
+                    </a:ext>
+                  </a:extLst>
+                </a:gridCol>
+                <a:gridCol w="2416194">
+                  <a:extLst>
+                    <a:ext uri="{9D8B030D-6E8A-4147-A177-3AD203B41FA5}">
+                      <a16:colId xmlns:a16="http://schemas.microsoft.com/office/drawing/2014/main" val="3853498532"/>
+                    </a:ext>
+                  </a:extLst>
+                </a:gridCol>
+                <a:gridCol w="2328582">
+                  <a:extLst>
+                    <a:ext uri="{9D8B030D-6E8A-4147-A177-3AD203B41FA5}">
+                      <a16:colId xmlns:a16="http://schemas.microsoft.com/office/drawing/2014/main" val="2150754490"/>
+                    </a:ext>
+                  </a:extLst>
+                </a:gridCol>
+                <a:gridCol w="2144808">
+                  <a:extLst>
+                    <a:ext uri="{9D8B030D-6E8A-4147-A177-3AD203B41FA5}">
+                      <a16:colId xmlns:a16="http://schemas.microsoft.com/office/drawing/2014/main" val="2118826406"/>
+                    </a:ext>
+                  </a:extLst>
+                </a:gridCol>
+              </a:tblGrid>
+              <a:tr h="561172">
+                <a:tc>
+                  <a:txBody>
+                    <a:bodyPr/>
+                    <a:lstStyle/>
+                    <a:p>
+                      <a:pPr fontAlgn="ctr"/>
+                      <a:endParaRPr lang="en-IN" sz="1600" dirty="0">
+                        <a:effectLst/>
+                        <a:latin typeface="Times New Roman" panose="02020603050405020304" pitchFamily="18" charset="0"/>
+                        <a:cs typeface="Times New Roman" panose="02020603050405020304" pitchFamily="18" charset="0"/>
+                      </a:endParaRPr>
+                    </a:p>
+                    <a:p>
+                      <a:pPr algn="l" rtl="0" fontAlgn="base"/>
+                      <a:r>
+                        <a:rPr lang="en-IN" sz="1600" b="0" i="0" dirty="0">
+                          <a:effectLst/>
+                          <a:latin typeface="Times New Roman" panose="02020603050405020304" pitchFamily="18" charset="0"/>
+                          <a:cs typeface="Times New Roman" panose="02020603050405020304" pitchFamily="18" charset="0"/>
+                        </a:rPr>
+                        <a:t>Title &amp;year </a:t>
+                      </a:r>
+                    </a:p>
+                  </a:txBody>
+                  <a:tcPr anchor="ctr">
+                    <a:lnL w="12700" cap="flat" cmpd="sng" algn="ctr">
+                      <a:solidFill>
+                        <a:schemeClr val="tx1"/>
+                      </a:solidFill>
+                      <a:prstDash val="solid"/>
+                      <a:round/>
+                      <a:headEnd type="none" w="med" len="med"/>
+                      <a:tailEnd type="none" w="med" len="med"/>
+                    </a:lnL>
+                    <a:lnR w="12700" cap="flat" cmpd="sng" algn="ctr">
+                      <a:solidFill>
+                        <a:schemeClr val="tx1"/>
+                      </a:solidFill>
+                      <a:prstDash val="solid"/>
+                      <a:round/>
+                      <a:headEnd type="none" w="med" len="med"/>
+                      <a:tailEnd type="none" w="med" len="med"/>
+                    </a:lnR>
+                    <a:lnT w="12700" cap="flat" cmpd="sng" algn="ctr">
+                      <a:solidFill>
+                        <a:schemeClr val="tx1"/>
+                      </a:solidFill>
+                      <a:prstDash val="solid"/>
+                      <a:round/>
+                      <a:headEnd type="none" w="med" len="med"/>
+                      <a:tailEnd type="none" w="med" len="med"/>
+                    </a:lnT>
+                    <a:lnB w="12700" cap="flat" cmpd="sng" algn="ctr">
+                      <a:solidFill>
+                        <a:schemeClr val="tx1"/>
+                      </a:solidFill>
+                      <a:prstDash val="solid"/>
+                      <a:round/>
+                      <a:headEnd type="none" w="med" len="med"/>
+                      <a:tailEnd type="none" w="med" len="med"/>
+                    </a:lnB>
+                  </a:tcPr>
+                </a:tc>
+                <a:tc>
+                  <a:txBody>
+                    <a:bodyPr/>
+                    <a:lstStyle/>
+                    <a:p>
+                      <a:pPr algn="ctr" fontAlgn="ctr"/>
+                      <a:endParaRPr lang="en-IN" sz="1600" dirty="0">
+                        <a:effectLst/>
+                        <a:latin typeface="Times New Roman" panose="02020603050405020304" pitchFamily="18" charset="0"/>
+                        <a:cs typeface="Times New Roman" panose="02020603050405020304" pitchFamily="18" charset="0"/>
+                      </a:endParaRPr>
+                    </a:p>
+                    <a:p>
+                      <a:pPr algn="l" rtl="0" fontAlgn="base"/>
+                      <a:r>
+                        <a:rPr lang="en-IN" sz="1600" b="0" i="0" dirty="0">
+                          <a:effectLst/>
+                          <a:latin typeface="Times New Roman" panose="02020603050405020304" pitchFamily="18" charset="0"/>
+                          <a:cs typeface="Times New Roman" panose="02020603050405020304" pitchFamily="18" charset="0"/>
+                        </a:rPr>
+                        <a:t>Problem </a:t>
+                      </a:r>
+                    </a:p>
+                  </a:txBody>
+                  <a:tcPr anchor="ctr">
+                    <a:lnL w="12700" cap="flat" cmpd="sng" algn="ctr">
+                      <a:solidFill>
+                        <a:schemeClr val="tx1"/>
+                      </a:solidFill>
+                      <a:prstDash val="solid"/>
+                      <a:round/>
+                      <a:headEnd type="none" w="med" len="med"/>
+                      <a:tailEnd type="none" w="med" len="med"/>
+                    </a:lnL>
+                    <a:lnR w="12700" cap="flat" cmpd="sng" algn="ctr">
+                      <a:solidFill>
+                        <a:schemeClr val="tx1"/>
+                      </a:solidFill>
+                      <a:prstDash val="solid"/>
+                      <a:round/>
+                      <a:headEnd type="none" w="med" len="med"/>
+                      <a:tailEnd type="none" w="med" len="med"/>
+                    </a:lnR>
+                    <a:lnT w="12700" cap="flat" cmpd="sng" algn="ctr">
+                      <a:solidFill>
+                        <a:schemeClr val="tx1"/>
+                      </a:solidFill>
+                      <a:prstDash val="solid"/>
+                      <a:round/>
+                      <a:headEnd type="none" w="med" len="med"/>
+                      <a:tailEnd type="none" w="med" len="med"/>
+                    </a:lnT>
+                    <a:lnB w="12700" cap="flat" cmpd="sng" algn="ctr">
+                      <a:solidFill>
+                        <a:schemeClr val="tx1"/>
+                      </a:solidFill>
+                      <a:prstDash val="solid"/>
+                      <a:round/>
+                      <a:headEnd type="none" w="med" len="med"/>
+                      <a:tailEnd type="none" w="med" len="med"/>
+                    </a:lnB>
+                  </a:tcPr>
+                </a:tc>
+                <a:tc>
+                  <a:txBody>
+                    <a:bodyPr/>
+                    <a:lstStyle/>
+                    <a:p>
+                      <a:pPr algn="ctr" fontAlgn="ctr"/>
+                      <a:endParaRPr lang="en-IN" sz="1600" dirty="0">
+                        <a:effectLst/>
+                        <a:latin typeface="Times New Roman" panose="02020603050405020304" pitchFamily="18" charset="0"/>
+                        <a:cs typeface="Times New Roman" panose="02020603050405020304" pitchFamily="18" charset="0"/>
+                      </a:endParaRPr>
+                    </a:p>
+                    <a:p>
+                      <a:pPr algn="l" rtl="0" fontAlgn="base"/>
+                      <a:r>
+                        <a:rPr lang="en-IN" sz="1600" b="0" i="0" dirty="0">
+                          <a:effectLst/>
+                          <a:latin typeface="Times New Roman" panose="02020603050405020304" pitchFamily="18" charset="0"/>
+                          <a:cs typeface="Times New Roman" panose="02020603050405020304" pitchFamily="18" charset="0"/>
+                        </a:rPr>
+                        <a:t>Contributions </a:t>
+                      </a:r>
+                    </a:p>
+                  </a:txBody>
+                  <a:tcPr anchor="ctr">
+                    <a:lnL w="12700" cap="flat" cmpd="sng" algn="ctr">
+                      <a:solidFill>
+                        <a:schemeClr val="tx1"/>
+                      </a:solidFill>
+                      <a:prstDash val="solid"/>
+                      <a:round/>
+                      <a:headEnd type="none" w="med" len="med"/>
+                      <a:tailEnd type="none" w="med" len="med"/>
+                    </a:lnL>
+                    <a:lnR w="12700" cap="flat" cmpd="sng" algn="ctr">
+                      <a:solidFill>
+                        <a:schemeClr val="tx1"/>
+                      </a:solidFill>
+                      <a:prstDash val="solid"/>
+                      <a:round/>
+                      <a:headEnd type="none" w="med" len="med"/>
+                      <a:tailEnd type="none" w="med" len="med"/>
+                    </a:lnR>
+                    <a:lnT w="12700" cap="flat" cmpd="sng" algn="ctr">
+                      <a:solidFill>
+                        <a:schemeClr val="tx1"/>
+                      </a:solidFill>
+                      <a:prstDash val="solid"/>
+                      <a:round/>
+                      <a:headEnd type="none" w="med" len="med"/>
+                      <a:tailEnd type="none" w="med" len="med"/>
+                    </a:lnT>
+                    <a:lnB w="12700" cap="flat" cmpd="sng" algn="ctr">
+                      <a:solidFill>
+                        <a:schemeClr val="tx1"/>
+                      </a:solidFill>
+                      <a:prstDash val="solid"/>
+                      <a:round/>
+                      <a:headEnd type="none" w="med" len="med"/>
+                      <a:tailEnd type="none" w="med" len="med"/>
+                    </a:lnB>
+                  </a:tcPr>
+                </a:tc>
+                <a:tc>
+                  <a:txBody>
+                    <a:bodyPr/>
+                    <a:lstStyle/>
+                    <a:p>
+                      <a:pPr algn="ctr" fontAlgn="ctr"/>
+                      <a:endParaRPr lang="en-IN" sz="1600" dirty="0">
+                        <a:effectLst/>
+                        <a:latin typeface="Times New Roman" panose="02020603050405020304" pitchFamily="18" charset="0"/>
+                        <a:cs typeface="Times New Roman" panose="02020603050405020304" pitchFamily="18" charset="0"/>
+                      </a:endParaRPr>
+                    </a:p>
+                    <a:p>
+                      <a:pPr algn="l" rtl="0" fontAlgn="base"/>
+                      <a:r>
+                        <a:rPr lang="en-IN" sz="1600" b="0" i="0" dirty="0">
+                          <a:effectLst/>
+                          <a:latin typeface="Times New Roman" panose="02020603050405020304" pitchFamily="18" charset="0"/>
+                          <a:cs typeface="Times New Roman" panose="02020603050405020304" pitchFamily="18" charset="0"/>
+                        </a:rPr>
+                        <a:t>Limitations </a:t>
+                      </a:r>
+                    </a:p>
+                  </a:txBody>
+                  <a:tcPr anchor="ctr">
+                    <a:lnL w="12700" cap="flat" cmpd="sng" algn="ctr">
+                      <a:solidFill>
+                        <a:schemeClr val="tx1"/>
+                      </a:solidFill>
+                      <a:prstDash val="solid"/>
+                      <a:round/>
+                      <a:headEnd type="none" w="med" len="med"/>
+                      <a:tailEnd type="none" w="med" len="med"/>
+                    </a:lnL>
+                    <a:lnR w="12700" cap="flat" cmpd="sng" algn="ctr">
+                      <a:solidFill>
+                        <a:schemeClr val="tx1"/>
+                      </a:solidFill>
+                      <a:prstDash val="solid"/>
+                      <a:round/>
+                      <a:headEnd type="none" w="med" len="med"/>
+                      <a:tailEnd type="none" w="med" len="med"/>
+                    </a:lnR>
+                    <a:lnT w="12700" cap="flat" cmpd="sng" algn="ctr">
+                      <a:solidFill>
+                        <a:schemeClr val="tx1"/>
+                      </a:solidFill>
+                      <a:prstDash val="solid"/>
+                      <a:round/>
+                      <a:headEnd type="none" w="med" len="med"/>
+                      <a:tailEnd type="none" w="med" len="med"/>
+                    </a:lnT>
+                    <a:lnB w="12700" cap="flat" cmpd="sng" algn="ctr">
+                      <a:solidFill>
+                        <a:schemeClr val="tx1"/>
+                      </a:solidFill>
+                      <a:prstDash val="solid"/>
+                      <a:round/>
+                      <a:headEnd type="none" w="med" len="med"/>
+                      <a:tailEnd type="none" w="med" len="med"/>
+                    </a:lnB>
+                  </a:tcPr>
+                </a:tc>
+                <a:tc>
+                  <a:txBody>
+                    <a:bodyPr/>
+                    <a:lstStyle/>
+                    <a:p>
+                      <a:pPr algn="ctr" fontAlgn="ctr"/>
+                      <a:endParaRPr lang="en-IN" sz="1600" dirty="0">
+                        <a:effectLst/>
+                        <a:latin typeface="Times New Roman" panose="02020603050405020304" pitchFamily="18" charset="0"/>
+                        <a:cs typeface="Times New Roman" panose="02020603050405020304" pitchFamily="18" charset="0"/>
+                      </a:endParaRPr>
+                    </a:p>
+                    <a:p>
+                      <a:pPr algn="l" rtl="0" fontAlgn="base"/>
+                      <a:r>
+                        <a:rPr lang="en-IN" sz="1600" b="0" i="0" dirty="0">
+                          <a:effectLst/>
+                          <a:latin typeface="Times New Roman" panose="02020603050405020304" pitchFamily="18" charset="0"/>
+                          <a:cs typeface="Times New Roman" panose="02020603050405020304" pitchFamily="18" charset="0"/>
+                        </a:rPr>
+                        <a:t>Open problems/Future work </a:t>
+                      </a:r>
+                    </a:p>
+                  </a:txBody>
+                  <a:tcPr anchor="ctr">
+                    <a:lnL w="12700" cap="flat" cmpd="sng" algn="ctr">
+                      <a:solidFill>
+                        <a:schemeClr val="tx1"/>
+                      </a:solidFill>
+                      <a:prstDash val="solid"/>
+                      <a:round/>
+                      <a:headEnd type="none" w="med" len="med"/>
+                      <a:tailEnd type="none" w="med" len="med"/>
+                    </a:lnL>
+                    <a:lnR w="12700" cap="flat" cmpd="sng" algn="ctr">
+                      <a:solidFill>
+                        <a:schemeClr val="tx1"/>
+                      </a:solidFill>
+                      <a:prstDash val="solid"/>
+                      <a:round/>
+                      <a:headEnd type="none" w="med" len="med"/>
+                      <a:tailEnd type="none" w="med" len="med"/>
+                    </a:lnR>
+                    <a:lnT w="12700" cap="flat" cmpd="sng" algn="ctr">
+                      <a:solidFill>
+                        <a:schemeClr val="tx1"/>
+                      </a:solidFill>
+                      <a:prstDash val="solid"/>
+                      <a:round/>
+                      <a:headEnd type="none" w="med" len="med"/>
+                      <a:tailEnd type="none" w="med" len="med"/>
+                    </a:lnT>
+                    <a:lnB w="12700" cap="flat" cmpd="sng" algn="ctr">
+                      <a:solidFill>
+                        <a:schemeClr val="tx1"/>
+                      </a:solidFill>
+                      <a:prstDash val="solid"/>
+                      <a:round/>
+                      <a:headEnd type="none" w="med" len="med"/>
+                      <a:tailEnd type="none" w="med" len="med"/>
+                    </a:lnB>
+                  </a:tcPr>
+                </a:tc>
+                <a:extLst>
+                  <a:ext uri="{0D108BD9-81ED-4DB2-BD59-A6C34878D82A}">
+                    <a16:rowId xmlns:a16="http://schemas.microsoft.com/office/drawing/2014/main" val="102697066"/>
+                  </a:ext>
+                </a:extLst>
+              </a:tr>
+              <a:tr h="561172">
+                <a:tc>
+                  <a:txBody>
+                    <a:bodyPr/>
+                    <a:lstStyle/>
+                    <a:p>
+                      <a:pPr algn="l" rtl="0" fontAlgn="base"/>
+                      <a:r>
+                        <a:rPr lang="en-IN" sz="1600" dirty="0">
+                          <a:latin typeface="Times New Roman" panose="02020603050405020304" pitchFamily="18" charset="0"/>
+                          <a:cs typeface="Times New Roman" panose="02020603050405020304" pitchFamily="18" charset="0"/>
+                        </a:rPr>
+                        <a:t>Failure Prediction in Crowdsourced Software Development [Abdullah </a:t>
+                      </a:r>
+                      <a:r>
+                        <a:rPr lang="en-IN" sz="1600" dirty="0" err="1">
+                          <a:latin typeface="Times New Roman" panose="02020603050405020304" pitchFamily="18" charset="0"/>
+                          <a:cs typeface="Times New Roman" panose="02020603050405020304" pitchFamily="18" charset="0"/>
+                        </a:rPr>
+                        <a:t>Khanfor</a:t>
+                      </a:r>
+                      <a:r>
+                        <a:rPr lang="en-IN" sz="1600" dirty="0">
+                          <a:latin typeface="Times New Roman" panose="02020603050405020304" pitchFamily="18" charset="0"/>
+                          <a:cs typeface="Times New Roman" panose="02020603050405020304" pitchFamily="18" charset="0"/>
+                        </a:rPr>
+                        <a:t>, Ye Yang, Gregg </a:t>
+                      </a:r>
+                      <a:r>
+                        <a:rPr lang="en-IN" sz="1600" dirty="0" err="1">
+                          <a:latin typeface="Times New Roman" panose="02020603050405020304" pitchFamily="18" charset="0"/>
+                          <a:cs typeface="Times New Roman" panose="02020603050405020304" pitchFamily="18" charset="0"/>
+                        </a:rPr>
+                        <a:t>Vesonder</a:t>
+                      </a:r>
+                      <a:r>
+                        <a:rPr lang="en-IN" sz="1600" dirty="0">
+                          <a:latin typeface="Times New Roman" panose="02020603050405020304" pitchFamily="18" charset="0"/>
+                          <a:cs typeface="Times New Roman" panose="02020603050405020304" pitchFamily="18" charset="0"/>
+                        </a:rPr>
+                        <a:t>, Dave </a:t>
+                      </a:r>
+                      <a:r>
+                        <a:rPr lang="en-IN" sz="1600" dirty="0" err="1">
+                          <a:latin typeface="Times New Roman" panose="02020603050405020304" pitchFamily="18" charset="0"/>
+                          <a:cs typeface="Times New Roman" panose="02020603050405020304" pitchFamily="18" charset="0"/>
+                        </a:rPr>
+                        <a:t>Messinger</a:t>
+                      </a:r>
+                      <a:endParaRPr lang="en-IN" sz="1600" b="0" i="0" dirty="0">
+                        <a:effectLst/>
+                        <a:latin typeface="Times New Roman" panose="02020603050405020304" pitchFamily="18" charset="0"/>
+                        <a:cs typeface="Times New Roman" panose="02020603050405020304" pitchFamily="18" charset="0"/>
+                      </a:endParaRPr>
+                    </a:p>
+                  </a:txBody>
+                  <a:tcPr anchor="ctr">
+                    <a:lnL w="12700" cap="flat" cmpd="sng" algn="ctr">
+                      <a:solidFill>
+                        <a:schemeClr val="tx1"/>
+                      </a:solidFill>
+                      <a:prstDash val="solid"/>
+                      <a:round/>
+                      <a:headEnd type="none" w="med" len="med"/>
+                      <a:tailEnd type="none" w="med" len="med"/>
+                    </a:lnL>
+                    <a:lnR w="12700" cap="flat" cmpd="sng" algn="ctr">
+                      <a:solidFill>
+                        <a:schemeClr val="tx1"/>
+                      </a:solidFill>
+                      <a:prstDash val="solid"/>
+                      <a:round/>
+                      <a:headEnd type="none" w="med" len="med"/>
+                      <a:tailEnd type="none" w="med" len="med"/>
+                    </a:lnR>
+                    <a:lnT w="12700" cap="flat" cmpd="sng" algn="ctr">
+                      <a:solidFill>
+                        <a:schemeClr val="tx1"/>
+                      </a:solidFill>
+                      <a:prstDash val="solid"/>
+                      <a:round/>
+                      <a:headEnd type="none" w="med" len="med"/>
+                      <a:tailEnd type="none" w="med" len="med"/>
+                    </a:lnT>
+                    <a:lnB w="12700" cap="flat" cmpd="sng" algn="ctr">
+                      <a:solidFill>
+                        <a:schemeClr val="tx1"/>
+                      </a:solidFill>
+                      <a:prstDash val="solid"/>
+                      <a:round/>
+                      <a:headEnd type="none" w="med" len="med"/>
+                      <a:tailEnd type="none" w="med" len="med"/>
+                    </a:lnB>
+                  </a:tcPr>
+                </a:tc>
+                <a:tc>
+                  <a:txBody>
+                    <a:bodyPr/>
+                    <a:lstStyle/>
+                    <a:p>
+                      <a:pPr algn="l" rtl="0" fontAlgn="base"/>
+                      <a:r>
+                        <a:rPr lang="en-US" sz="1600" dirty="0">
+                          <a:latin typeface="Times New Roman" panose="02020603050405020304" pitchFamily="18" charset="0"/>
+                          <a:cs typeface="Times New Roman" panose="02020603050405020304" pitchFamily="18" charset="0"/>
+                        </a:rPr>
+                        <a:t>This paper highlights the need to address non competitive crowdsourcing tasks and explore additional metrics for failure prediction, while considering potential internal threats in the evaluation process. </a:t>
+                      </a:r>
+                      <a:endParaRPr lang="en-IN" sz="1600" b="0" i="0" dirty="0">
+                        <a:effectLst/>
+                        <a:latin typeface="Times New Roman" panose="02020603050405020304" pitchFamily="18" charset="0"/>
+                        <a:cs typeface="Times New Roman" panose="02020603050405020304" pitchFamily="18" charset="0"/>
+                      </a:endParaRPr>
+                    </a:p>
+                  </a:txBody>
+                  <a:tcPr anchor="ctr">
+                    <a:lnL w="12700" cap="flat" cmpd="sng" algn="ctr">
+                      <a:solidFill>
+                        <a:schemeClr val="tx1"/>
+                      </a:solidFill>
+                      <a:prstDash val="solid"/>
+                      <a:round/>
+                      <a:headEnd type="none" w="med" len="med"/>
+                      <a:tailEnd type="none" w="med" len="med"/>
+                    </a:lnL>
+                    <a:lnR w="12700" cap="flat" cmpd="sng" algn="ctr">
+                      <a:solidFill>
+                        <a:schemeClr val="tx1"/>
+                      </a:solidFill>
+                      <a:prstDash val="solid"/>
+                      <a:round/>
+                      <a:headEnd type="none" w="med" len="med"/>
+                      <a:tailEnd type="none" w="med" len="med"/>
+                    </a:lnR>
+                    <a:lnT w="12700" cap="flat" cmpd="sng" algn="ctr">
+                      <a:solidFill>
+                        <a:schemeClr val="tx1"/>
+                      </a:solidFill>
+                      <a:prstDash val="solid"/>
+                      <a:round/>
+                      <a:headEnd type="none" w="med" len="med"/>
+                      <a:tailEnd type="none" w="med" len="med"/>
+                    </a:lnT>
+                    <a:lnB w="12700" cap="flat" cmpd="sng" algn="ctr">
+                      <a:solidFill>
+                        <a:schemeClr val="tx1"/>
+                      </a:solidFill>
+                      <a:prstDash val="solid"/>
+                      <a:round/>
+                      <a:headEnd type="none" w="med" len="med"/>
+                      <a:tailEnd type="none" w="med" len="med"/>
+                    </a:lnB>
+                  </a:tcPr>
+                </a:tc>
+                <a:tc>
+                  <a:txBody>
+                    <a:bodyPr/>
+                    <a:lstStyle/>
+                    <a:p>
+                      <a:pPr marL="285750" indent="-285750" algn="l" rtl="0" fontAlgn="base">
+                        <a:buFont typeface="Arial" panose="020B0604020202020204" pitchFamily="34" charset="0"/>
+                        <a:buChar char="•"/>
+                      </a:pPr>
+                      <a:r>
+                        <a:rPr lang="en-US" sz="1600" dirty="0">
+                          <a:latin typeface="Times New Roman" panose="02020603050405020304" pitchFamily="18" charset="0"/>
+                          <a:cs typeface="Times New Roman" panose="02020603050405020304" pitchFamily="18" charset="0"/>
+                        </a:rPr>
+                        <a:t>This paper proposes a failure prediction framework for software crowdsourcing, achieving high accuracy using machine learning.</a:t>
+                      </a:r>
+                    </a:p>
+                    <a:p>
+                      <a:pPr marL="285750" indent="-285750" algn="l" rtl="0" fontAlgn="base">
+                        <a:buFont typeface="Arial" panose="020B0604020202020204" pitchFamily="34" charset="0"/>
+                        <a:buChar char="•"/>
+                      </a:pPr>
+                      <a:r>
+                        <a:rPr lang="en-US" sz="1600" dirty="0">
+                          <a:latin typeface="Times New Roman" panose="02020603050405020304" pitchFamily="18" charset="0"/>
+                          <a:cs typeface="Times New Roman" panose="02020603050405020304" pitchFamily="18" charset="0"/>
+                        </a:rPr>
+                        <a:t> It identifies influencing factors for failure prediction and presents practical recommendations for managing task failure risks.</a:t>
+                      </a:r>
+                      <a:endParaRPr lang="en-IN" sz="1600" b="0" i="0" dirty="0">
+                        <a:effectLst/>
+                        <a:latin typeface="Times New Roman" panose="02020603050405020304" pitchFamily="18" charset="0"/>
+                        <a:cs typeface="Times New Roman" panose="02020603050405020304" pitchFamily="18" charset="0"/>
+                      </a:endParaRPr>
+                    </a:p>
+                  </a:txBody>
+                  <a:tcPr anchor="ctr">
+                    <a:lnL w="12700" cap="flat" cmpd="sng" algn="ctr">
+                      <a:solidFill>
+                        <a:schemeClr val="tx1"/>
+                      </a:solidFill>
+                      <a:prstDash val="solid"/>
+                      <a:round/>
+                      <a:headEnd type="none" w="med" len="med"/>
+                      <a:tailEnd type="none" w="med" len="med"/>
+                    </a:lnL>
+                    <a:lnR w="12700" cap="flat" cmpd="sng" algn="ctr">
+                      <a:solidFill>
+                        <a:schemeClr val="tx1"/>
+                      </a:solidFill>
+                      <a:prstDash val="solid"/>
+                      <a:round/>
+                      <a:headEnd type="none" w="med" len="med"/>
+                      <a:tailEnd type="none" w="med" len="med"/>
+                    </a:lnR>
+                    <a:lnT w="12700" cap="flat" cmpd="sng" algn="ctr">
+                      <a:solidFill>
+                        <a:schemeClr val="tx1"/>
+                      </a:solidFill>
+                      <a:prstDash val="solid"/>
+                      <a:round/>
+                      <a:headEnd type="none" w="med" len="med"/>
+                      <a:tailEnd type="none" w="med" len="med"/>
+                    </a:lnT>
+                    <a:lnB w="12700" cap="flat" cmpd="sng" algn="ctr">
+                      <a:solidFill>
+                        <a:schemeClr val="tx1"/>
+                      </a:solidFill>
+                      <a:prstDash val="solid"/>
+                      <a:round/>
+                      <a:headEnd type="none" w="med" len="med"/>
+                      <a:tailEnd type="none" w="med" len="med"/>
+                    </a:lnB>
+                  </a:tcPr>
+                </a:tc>
+                <a:tc>
+                  <a:txBody>
+                    <a:bodyPr/>
+                    <a:lstStyle/>
+                    <a:p>
+                      <a:pPr marL="285750" indent="-285750" algn="l" rtl="0" fontAlgn="base">
+                        <a:buFont typeface="Arial" panose="020B0604020202020204" pitchFamily="34" charset="0"/>
+                        <a:buChar char="•"/>
+                      </a:pPr>
+                      <a:r>
+                        <a:rPr lang="en-US" sz="1600" dirty="0">
+                          <a:latin typeface="Times New Roman" panose="02020603050405020304" pitchFamily="18" charset="0"/>
+                          <a:cs typeface="Times New Roman" panose="02020603050405020304" pitchFamily="18" charset="0"/>
+                        </a:rPr>
+                        <a:t>The study focuses only on competitive tasks on the Top Coder platform, overlooking non competitive or collaborative tasks. </a:t>
+                      </a:r>
+                    </a:p>
+                    <a:p>
+                      <a:pPr marL="285750" indent="-285750" algn="l" rtl="0" fontAlgn="base">
+                        <a:buFont typeface="Arial" panose="020B0604020202020204" pitchFamily="34" charset="0"/>
+                        <a:buChar char="•"/>
+                      </a:pPr>
+                      <a:r>
+                        <a:rPr lang="en-US" sz="1600" dirty="0">
+                          <a:latin typeface="Times New Roman" panose="02020603050405020304" pitchFamily="18" charset="0"/>
+                          <a:cs typeface="Times New Roman" panose="02020603050405020304" pitchFamily="18" charset="0"/>
+                        </a:rPr>
+                        <a:t>Some competition factors and metrics need further investigation, and internal threats should be considered.</a:t>
+                      </a:r>
+                      <a:endParaRPr lang="en-IN" sz="1600" b="0" i="0" dirty="0">
+                        <a:effectLst/>
+                        <a:latin typeface="Times New Roman" panose="02020603050405020304" pitchFamily="18" charset="0"/>
+                        <a:cs typeface="Times New Roman" panose="02020603050405020304" pitchFamily="18" charset="0"/>
+                      </a:endParaRPr>
+                    </a:p>
+                  </a:txBody>
+                  <a:tcPr anchor="ctr">
+                    <a:lnL w="12700" cap="flat" cmpd="sng" algn="ctr">
+                      <a:solidFill>
+                        <a:schemeClr val="tx1"/>
+                      </a:solidFill>
+                      <a:prstDash val="solid"/>
+                      <a:round/>
+                      <a:headEnd type="none" w="med" len="med"/>
+                      <a:tailEnd type="none" w="med" len="med"/>
+                    </a:lnL>
+                    <a:lnR w="12700" cap="flat" cmpd="sng" algn="ctr">
+                      <a:solidFill>
+                        <a:schemeClr val="tx1"/>
+                      </a:solidFill>
+                      <a:prstDash val="solid"/>
+                      <a:round/>
+                      <a:headEnd type="none" w="med" len="med"/>
+                      <a:tailEnd type="none" w="med" len="med"/>
+                    </a:lnR>
+                    <a:lnT w="12700" cap="flat" cmpd="sng" algn="ctr">
+                      <a:solidFill>
+                        <a:schemeClr val="tx1"/>
+                      </a:solidFill>
+                      <a:prstDash val="solid"/>
+                      <a:round/>
+                      <a:headEnd type="none" w="med" len="med"/>
+                      <a:tailEnd type="none" w="med" len="med"/>
+                    </a:lnT>
+                    <a:lnB w="12700" cap="flat" cmpd="sng" algn="ctr">
+                      <a:solidFill>
+                        <a:schemeClr val="tx1"/>
+                      </a:solidFill>
+                      <a:prstDash val="solid"/>
+                      <a:round/>
+                      <a:headEnd type="none" w="med" len="med"/>
+                      <a:tailEnd type="none" w="med" len="med"/>
+                    </a:lnB>
+                  </a:tcPr>
+                </a:tc>
+                <a:tc>
+                  <a:txBody>
+                    <a:bodyPr/>
+                    <a:lstStyle/>
+                    <a:p>
+                      <a:pPr algn="l" rtl="0" fontAlgn="base"/>
+                      <a:r>
+                        <a:rPr lang="en-US" sz="1600" dirty="0">
+                          <a:latin typeface="Times New Roman" panose="02020603050405020304" pitchFamily="18" charset="0"/>
+                          <a:cs typeface="Times New Roman" panose="02020603050405020304" pitchFamily="18" charset="0"/>
+                        </a:rPr>
+                        <a:t>Future work includes studying supply and demand for technologies and workers, exploring social network analysis, Text mining and gathering broader data for evaluation. </a:t>
+                      </a:r>
+                      <a:endParaRPr lang="en-IN" sz="1600" b="0" i="0" dirty="0">
+                        <a:effectLst/>
+                        <a:latin typeface="Times New Roman" panose="02020603050405020304" pitchFamily="18" charset="0"/>
+                        <a:cs typeface="Times New Roman" panose="02020603050405020304" pitchFamily="18" charset="0"/>
+                      </a:endParaRPr>
+                    </a:p>
+                  </a:txBody>
+                  <a:tcPr anchor="ctr">
+                    <a:lnL w="12700" cap="flat" cmpd="sng" algn="ctr">
+                      <a:solidFill>
+                        <a:schemeClr val="tx1"/>
+                      </a:solidFill>
+                      <a:prstDash val="solid"/>
+                      <a:round/>
+                      <a:headEnd type="none" w="med" len="med"/>
+                      <a:tailEnd type="none" w="med" len="med"/>
+                    </a:lnL>
+                    <a:lnR w="12700" cap="flat" cmpd="sng" algn="ctr">
+                      <a:solidFill>
+                        <a:schemeClr val="tx1"/>
+                      </a:solidFill>
+                      <a:prstDash val="solid"/>
+                      <a:round/>
+                      <a:headEnd type="none" w="med" len="med"/>
+                      <a:tailEnd type="none" w="med" len="med"/>
+                    </a:lnR>
+                    <a:lnT w="12700" cap="flat" cmpd="sng" algn="ctr">
+                      <a:solidFill>
+                        <a:schemeClr val="tx1"/>
+                      </a:solidFill>
+                      <a:prstDash val="solid"/>
+                      <a:round/>
+                      <a:headEnd type="none" w="med" len="med"/>
+                      <a:tailEnd type="none" w="med" len="med"/>
+                    </a:lnT>
+                    <a:lnB w="12700" cap="flat" cmpd="sng" algn="ctr">
+                      <a:solidFill>
+                        <a:schemeClr val="tx1"/>
+                      </a:solidFill>
+                      <a:prstDash val="solid"/>
+                      <a:round/>
+                      <a:headEnd type="none" w="med" len="med"/>
+                      <a:tailEnd type="none" w="med" len="med"/>
+                    </a:lnB>
+                  </a:tcPr>
+                </a:tc>
+                <a:extLst>
+                  <a:ext uri="{0D108BD9-81ED-4DB2-BD59-A6C34878D82A}">
+                    <a16:rowId xmlns:a16="http://schemas.microsoft.com/office/drawing/2014/main" val="1712362805"/>
+                  </a:ext>
+                </a:extLst>
+              </a:tr>
+              <a:tr h="561172">
+                <a:tc>
+                  <a:txBody>
+                    <a:bodyPr/>
+                    <a:lstStyle/>
+                    <a:p>
+                      <a:pPr fontAlgn="ctr"/>
+                      <a:endParaRPr lang="en-IN">
+                        <a:effectLst/>
+                      </a:endParaRPr>
+                    </a:p>
+                    <a:p>
+                      <a:pPr algn="l" rtl="0" fontAlgn="base"/>
+                      <a:r>
+                        <a:rPr lang="en-IN" sz="1200" b="0" i="0">
+                          <a:effectLst/>
+                          <a:latin typeface="Times New Roman" panose="02020603050405020304" pitchFamily="18" charset="0"/>
+                        </a:rPr>
+                        <a:t>  </a:t>
+                      </a:r>
+                      <a:endParaRPr lang="en-IN" b="0" i="0">
+                        <a:effectLst/>
+                      </a:endParaRPr>
+                    </a:p>
+                  </a:txBody>
+                  <a:tcPr anchor="ctr">
+                    <a:lnL w="9525" cap="flat" cmpd="sng" algn="ctr">
+                      <a:solidFill>
+                        <a:schemeClr val="bg1"/>
+                      </a:solidFill>
+                      <a:prstDash val="solid"/>
+                      <a:round/>
+                      <a:headEnd type="none" w="med" len="med"/>
+                      <a:tailEnd type="none" w="med" len="med"/>
+                    </a:lnL>
+                    <a:lnR w="9525" cap="flat" cmpd="sng" algn="ctr">
+                      <a:solidFill>
+                        <a:schemeClr val="bg1"/>
+                      </a:solidFill>
+                      <a:prstDash val="solid"/>
+                      <a:round/>
+                      <a:headEnd type="none" w="med" len="med"/>
+                      <a:tailEnd type="none" w="med" len="med"/>
+                    </a:lnR>
+                    <a:lnT w="12700" cap="flat" cmpd="sng" algn="ctr">
+                      <a:solidFill>
+                        <a:schemeClr val="tx1"/>
+                      </a:solidFill>
+                      <a:prstDash val="solid"/>
+                      <a:round/>
+                      <a:headEnd type="none" w="med" len="med"/>
+                      <a:tailEnd type="none" w="med" len="med"/>
+                    </a:lnT>
+                    <a:lnB w="9525" cap="flat" cmpd="sng" algn="ctr">
+                      <a:solidFill>
+                        <a:schemeClr val="bg1"/>
+                      </a:solidFill>
+                      <a:prstDash val="solid"/>
+                      <a:round/>
+                      <a:headEnd type="none" w="med" len="med"/>
+                      <a:tailEnd type="none" w="med" len="med"/>
+                    </a:lnB>
+                  </a:tcPr>
+                </a:tc>
+                <a:tc>
+                  <a:txBody>
+                    <a:bodyPr/>
+                    <a:lstStyle/>
+                    <a:p>
+                      <a:pPr fontAlgn="ctr"/>
+                      <a:endParaRPr lang="en-IN" dirty="0">
+                        <a:effectLst/>
+                      </a:endParaRPr>
+                    </a:p>
+                    <a:p>
+                      <a:pPr algn="l" rtl="0" fontAlgn="base"/>
+                      <a:r>
+                        <a:rPr lang="en-IN" sz="1200" b="0" i="0" dirty="0">
+                          <a:effectLst/>
+                          <a:latin typeface="Times New Roman" panose="02020603050405020304" pitchFamily="18" charset="0"/>
+                        </a:rPr>
+                        <a:t>  </a:t>
+                      </a:r>
+                      <a:endParaRPr lang="en-IN" b="0" i="0" dirty="0">
+                        <a:effectLst/>
+                      </a:endParaRPr>
+                    </a:p>
+                  </a:txBody>
+                  <a:tcPr anchor="ctr">
+                    <a:lnL w="9525" cap="flat" cmpd="sng" algn="ctr">
+                      <a:solidFill>
+                        <a:schemeClr val="bg1"/>
+                      </a:solidFill>
+                      <a:prstDash val="solid"/>
+                      <a:round/>
+                      <a:headEnd type="none" w="med" len="med"/>
+                      <a:tailEnd type="none" w="med" len="med"/>
+                    </a:lnL>
+                    <a:lnR w="9525" cap="flat" cmpd="sng" algn="ctr">
+                      <a:solidFill>
+                        <a:schemeClr val="bg1"/>
+                      </a:solidFill>
+                      <a:prstDash val="solid"/>
+                      <a:round/>
+                      <a:headEnd type="none" w="med" len="med"/>
+                      <a:tailEnd type="none" w="med" len="med"/>
+                    </a:lnR>
+                    <a:lnT w="12700" cap="flat" cmpd="sng" algn="ctr">
+                      <a:solidFill>
+                        <a:schemeClr val="tx1"/>
+                      </a:solidFill>
+                      <a:prstDash val="solid"/>
+                      <a:round/>
+                      <a:headEnd type="none" w="med" len="med"/>
+                      <a:tailEnd type="none" w="med" len="med"/>
+                    </a:lnT>
+                    <a:lnB w="9525" cap="flat" cmpd="sng" algn="ctr">
+                      <a:solidFill>
+                        <a:schemeClr val="bg1"/>
+                      </a:solidFill>
+                      <a:prstDash val="solid"/>
+                      <a:round/>
+                      <a:headEnd type="none" w="med" len="med"/>
+                      <a:tailEnd type="none" w="med" len="med"/>
+                    </a:lnB>
+                  </a:tcPr>
+                </a:tc>
+                <a:tc>
+                  <a:txBody>
+                    <a:bodyPr/>
+                    <a:lstStyle/>
+                    <a:p>
+                      <a:pPr fontAlgn="ctr"/>
+                      <a:endParaRPr lang="en-IN" dirty="0">
+                        <a:effectLst/>
+                      </a:endParaRPr>
+                    </a:p>
+                    <a:p>
+                      <a:pPr algn="l" rtl="0" fontAlgn="base"/>
+                      <a:r>
+                        <a:rPr lang="en-IN" sz="1200" b="0" i="0" dirty="0">
+                          <a:effectLst/>
+                          <a:latin typeface="Times New Roman" panose="02020603050405020304" pitchFamily="18" charset="0"/>
+                        </a:rPr>
+                        <a:t>  </a:t>
+                      </a:r>
+                      <a:endParaRPr lang="en-IN" b="0" i="0" dirty="0">
+                        <a:effectLst/>
+                      </a:endParaRPr>
+                    </a:p>
+                  </a:txBody>
+                  <a:tcPr anchor="ctr">
+                    <a:lnL w="9525" cap="flat" cmpd="sng" algn="ctr">
+                      <a:solidFill>
+                        <a:schemeClr val="bg1"/>
+                      </a:solidFill>
+                      <a:prstDash val="solid"/>
+                      <a:round/>
+                      <a:headEnd type="none" w="med" len="med"/>
+                      <a:tailEnd type="none" w="med" len="med"/>
+                    </a:lnL>
+                    <a:lnR w="9525" cap="flat" cmpd="sng" algn="ctr">
+                      <a:solidFill>
+                        <a:schemeClr val="bg1"/>
+                      </a:solidFill>
+                      <a:prstDash val="solid"/>
+                      <a:round/>
+                      <a:headEnd type="none" w="med" len="med"/>
+                      <a:tailEnd type="none" w="med" len="med"/>
+                    </a:lnR>
+                    <a:lnT w="12700" cap="flat" cmpd="sng" algn="ctr">
+                      <a:solidFill>
+                        <a:schemeClr val="tx1"/>
+                      </a:solidFill>
+                      <a:prstDash val="solid"/>
+                      <a:round/>
+                      <a:headEnd type="none" w="med" len="med"/>
+                      <a:tailEnd type="none" w="med" len="med"/>
+                    </a:lnT>
+                    <a:lnB w="9525" cap="flat" cmpd="sng" algn="ctr">
+                      <a:solidFill>
+                        <a:schemeClr val="bg1"/>
+                      </a:solidFill>
+                      <a:prstDash val="solid"/>
+                      <a:round/>
+                      <a:headEnd type="none" w="med" len="med"/>
+                      <a:tailEnd type="none" w="med" len="med"/>
+                    </a:lnB>
+                  </a:tcPr>
+                </a:tc>
+                <a:tc>
+                  <a:txBody>
+                    <a:bodyPr/>
+                    <a:lstStyle/>
+                    <a:p>
+                      <a:pPr fontAlgn="ctr"/>
+                      <a:endParaRPr lang="en-IN">
+                        <a:effectLst/>
+                      </a:endParaRPr>
+                    </a:p>
+                    <a:p>
+                      <a:pPr algn="l" rtl="0" fontAlgn="base"/>
+                      <a:r>
+                        <a:rPr lang="en-IN" sz="1200" b="0" i="0">
+                          <a:effectLst/>
+                          <a:latin typeface="Times New Roman" panose="02020603050405020304" pitchFamily="18" charset="0"/>
+                        </a:rPr>
+                        <a:t>  </a:t>
+                      </a:r>
+                      <a:endParaRPr lang="en-IN" b="0" i="0">
+                        <a:effectLst/>
+                      </a:endParaRPr>
+                    </a:p>
+                  </a:txBody>
+                  <a:tcPr anchor="ctr">
+                    <a:lnL w="9525" cap="flat" cmpd="sng" algn="ctr">
+                      <a:solidFill>
+                        <a:schemeClr val="bg1"/>
+                      </a:solidFill>
+                      <a:prstDash val="solid"/>
+                      <a:round/>
+                      <a:headEnd type="none" w="med" len="med"/>
+                      <a:tailEnd type="none" w="med" len="med"/>
+                    </a:lnL>
+                    <a:lnR w="9525" cap="flat" cmpd="sng" algn="ctr">
+                      <a:solidFill>
+                        <a:schemeClr val="bg1"/>
+                      </a:solidFill>
+                      <a:prstDash val="solid"/>
+                      <a:round/>
+                      <a:headEnd type="none" w="med" len="med"/>
+                      <a:tailEnd type="none" w="med" len="med"/>
+                    </a:lnR>
+                    <a:lnT w="12700" cap="flat" cmpd="sng" algn="ctr">
+                      <a:solidFill>
+                        <a:schemeClr val="tx1"/>
+                      </a:solidFill>
+                      <a:prstDash val="solid"/>
+                      <a:round/>
+                      <a:headEnd type="none" w="med" len="med"/>
+                      <a:tailEnd type="none" w="med" len="med"/>
+                    </a:lnT>
+                    <a:lnB w="9525" cap="flat" cmpd="sng" algn="ctr">
+                      <a:solidFill>
+                        <a:schemeClr val="bg1"/>
+                      </a:solidFill>
+                      <a:prstDash val="solid"/>
+                      <a:round/>
+                      <a:headEnd type="none" w="med" len="med"/>
+                      <a:tailEnd type="none" w="med" len="med"/>
+                    </a:lnB>
+                  </a:tcPr>
+                </a:tc>
+                <a:tc>
+                  <a:txBody>
+                    <a:bodyPr/>
+                    <a:lstStyle/>
+                    <a:p>
+                      <a:pPr fontAlgn="ctr"/>
+                      <a:endParaRPr lang="en-IN" dirty="0">
+                        <a:effectLst/>
+                      </a:endParaRPr>
+                    </a:p>
+                    <a:p>
+                      <a:pPr algn="l" rtl="0" fontAlgn="base"/>
+                      <a:r>
+                        <a:rPr lang="en-IN" sz="1200" b="0" i="0" dirty="0">
+                          <a:effectLst/>
+                          <a:latin typeface="Times New Roman" panose="02020603050405020304" pitchFamily="18" charset="0"/>
+                        </a:rPr>
+                        <a:t>  </a:t>
+                      </a:r>
+                      <a:endParaRPr lang="en-IN" b="0" i="0" dirty="0">
+                        <a:effectLst/>
+                      </a:endParaRPr>
+                    </a:p>
+                  </a:txBody>
+                  <a:tcPr anchor="ctr">
+                    <a:lnL w="9525" cap="flat" cmpd="sng" algn="ctr">
+                      <a:solidFill>
+                        <a:schemeClr val="bg1"/>
+                      </a:solidFill>
+                      <a:prstDash val="solid"/>
+                      <a:round/>
+                      <a:headEnd type="none" w="med" len="med"/>
+                      <a:tailEnd type="none" w="med" len="med"/>
+                    </a:lnL>
+                    <a:lnR w="9525" cap="flat" cmpd="sng" algn="ctr">
+                      <a:solidFill>
+                        <a:schemeClr val="bg1"/>
+                      </a:solidFill>
+                      <a:prstDash val="solid"/>
+                      <a:round/>
+                      <a:headEnd type="none" w="med" len="med"/>
+                      <a:tailEnd type="none" w="med" len="med"/>
+                    </a:lnR>
+                    <a:lnT w="12700" cap="flat" cmpd="sng" algn="ctr">
+                      <a:solidFill>
+                        <a:schemeClr val="tx1"/>
+                      </a:solidFill>
+                      <a:prstDash val="solid"/>
+                      <a:round/>
+                      <a:headEnd type="none" w="med" len="med"/>
+                      <a:tailEnd type="none" w="med" len="med"/>
+                    </a:lnT>
+                    <a:lnB w="9525" cap="flat" cmpd="sng" algn="ctr">
+                      <a:solidFill>
+                        <a:schemeClr val="bg1"/>
+                      </a:solidFill>
+                      <a:prstDash val="solid"/>
+                      <a:round/>
+                      <a:headEnd type="none" w="med" len="med"/>
+                      <a:tailEnd type="none" w="med" len="med"/>
+                    </a:lnB>
+                  </a:tcPr>
+                </a:tc>
+                <a:extLst>
+                  <a:ext uri="{0D108BD9-81ED-4DB2-BD59-A6C34878D82A}">
+                    <a16:rowId xmlns:a16="http://schemas.microsoft.com/office/drawing/2014/main" val="483685751"/>
+                  </a:ext>
+                </a:extLst>
+              </a:tr>
+            </a:tbl>
+          </a:graphicData>
+        </a:graphic>
+      </p:graphicFrame>
     </p:spTree>
     <p:extLst>
       <p:ext uri="{BB962C8B-B14F-4D97-AF65-F5344CB8AC3E}">
-        <p14:creationId xmlns:p14="http://schemas.microsoft.com/office/powerpoint/2010/main" val="2775072927"/>
+        <p14:creationId xmlns:p14="http://schemas.microsoft.com/office/powerpoint/2010/main" val="2990400258"/>
       </p:ext>
     </p:extLst>
   </p:cSld>
@@ -12928,7 +15559,7 @@
           <p:cNvPr id="2" name="Content Placeholder 1">
             <a:extLst>
               <a:ext uri="{FF2B5EF4-FFF2-40B4-BE49-F238E27FC236}">
-                <a16:creationId xmlns:a16="http://schemas.microsoft.com/office/drawing/2014/main" id="{A9885855-5737-3352-5779-89055A795C66}"/>
+                <a16:creationId xmlns:a16="http://schemas.microsoft.com/office/drawing/2014/main" id="{D1C3C4DE-D87F-11B0-9148-7D5846E306A7}"/>
               </a:ext>
             </a:extLst>
           </p:cNvPr>
@@ -12941,7 +15572,7 @@
         </p:nvSpPr>
         <p:spPr>
           <a:xfrm>
-            <a:off x="472887" y="1307585"/>
+            <a:off x="571499" y="1379303"/>
             <a:ext cx="10515600" cy="4908082"/>
           </a:xfrm>
         </p:spPr>
@@ -12955,63 +15586,58 @@
               <a:buNone/>
             </a:pPr>
             <a:r>
-              <a:rPr lang="en-US" sz="2200" dirty="0">
+              <a:rPr lang="en-US" sz="2400" dirty="0">
                 <a:latin typeface="Times New Roman" panose="02020603050405020304" pitchFamily="18" charset="0"/>
                 <a:cs typeface="Times New Roman" panose="02020603050405020304" pitchFamily="18" charset="0"/>
               </a:rPr>
-              <a:t>1. Mapping In Expert Workers to the Expert Workers</a:t>
+              <a:t>Dynamic Worker Skills: </a:t>
             </a:r>
           </a:p>
           <a:p>
-            <a:pPr marL="0" indent="0" algn="just">
+            <a:pPr marL="0" indent="0">
               <a:buNone/>
             </a:pPr>
             <a:r>
-              <a:rPr lang="en-US" sz="2200" dirty="0">
+              <a:rPr lang="en-US" sz="2400" dirty="0">
                 <a:latin typeface="Times New Roman" panose="02020603050405020304" pitchFamily="18" charset="0"/>
                 <a:cs typeface="Times New Roman" panose="02020603050405020304" pitchFamily="18" charset="0"/>
               </a:rPr>
-              <a:t>	The primary objective is to establish a structured mentorship program where experienced workers are paired with less experienced counterparts. This mentorship arrangement aims to harness the expertise of the seasoned workers, who will assume the role of mentors, guiding and delegating tasks to their less experienced counterparts. </a:t>
+              <a:t>	Worker skills can change over time, and new workers with unique expertise join the platform. The challenge lies in continuously updating the task allocation algorithm to accommodate these dynamic changes and ensure accurate matching of tasks with suitable workers. </a:t>
             </a:r>
           </a:p>
           <a:p>
-            <a:pPr marL="0" indent="0" algn="just">
+            <a:pPr marL="0" indent="0">
               <a:buNone/>
             </a:pPr>
-            <a:endParaRPr lang="en-US" sz="2200" dirty="0">
+            <a:endParaRPr lang="en-US" sz="2400" dirty="0">
               <a:latin typeface="Times New Roman" panose="02020603050405020304" pitchFamily="18" charset="0"/>
               <a:cs typeface="Times New Roman" panose="02020603050405020304" pitchFamily="18" charset="0"/>
             </a:endParaRPr>
           </a:p>
           <a:p>
-            <a:pPr marL="0" indent="0" algn="just">
+            <a:pPr marL="0" indent="0">
               <a:buNone/>
             </a:pPr>
             <a:r>
-              <a:rPr lang="en-US" sz="2200" dirty="0">
+              <a:rPr lang="en-US" sz="2400" dirty="0">
                 <a:latin typeface="Times New Roman" panose="02020603050405020304" pitchFamily="18" charset="0"/>
                 <a:cs typeface="Times New Roman" panose="02020603050405020304" pitchFamily="18" charset="0"/>
               </a:rPr>
-              <a:t>	The intended outcome of this initiative is twofold: firstly, it aims to optimize the utilization of the workforce by efficiently channeling their skills and knowledge, and secondly, it strives to enhance task completion rates by streamlining the workflow through the introduction of this mentorship-based approach.</a:t>
+              <a:t>Complex Task Dependencies: </a:t>
             </a:r>
           </a:p>
           <a:p>
-            <a:pPr marL="0" indent="0" algn="just">
+            <a:pPr marL="0" indent="0">
               <a:buNone/>
             </a:pPr>
             <a:r>
-              <a:rPr lang="en-US" sz="2200" dirty="0">
+              <a:rPr lang="en-US" sz="2400" dirty="0">
                 <a:latin typeface="Times New Roman" panose="02020603050405020304" pitchFamily="18" charset="0"/>
                 <a:cs typeface="Times New Roman" panose="02020603050405020304" pitchFamily="18" charset="0"/>
               </a:rPr>
-              <a:t>	</a:t>
+              <a:t>	Some tasks may have dependencies on others, making it crucial to consider task sequences and interdependencies during allocation. Handling complex task structures requires advanced algorithms and efficient data management to avoid task bottlenecks and ensure smooth workflow distribution. </a:t>
             </a:r>
-          </a:p>
-          <a:p>
-            <a:pPr marL="514350" indent="-514350">
-              <a:buAutoNum type="arabicPeriod"/>
-            </a:pPr>
-            <a:endParaRPr lang="en-IN" sz="2200" dirty="0">
+            <a:endParaRPr lang="en-IN" sz="2400" dirty="0">
               <a:latin typeface="Times New Roman" panose="02020603050405020304" pitchFamily="18" charset="0"/>
               <a:cs typeface="Times New Roman" panose="02020603050405020304" pitchFamily="18" charset="0"/>
             </a:endParaRPr>
@@ -13023,7 +15649,7 @@
           <p:cNvPr id="3" name="Title 2">
             <a:extLst>
               <a:ext uri="{FF2B5EF4-FFF2-40B4-BE49-F238E27FC236}">
-                <a16:creationId xmlns:a16="http://schemas.microsoft.com/office/drawing/2014/main" id="{57AB46FB-4901-B833-3BF9-E37CE4150980}"/>
+                <a16:creationId xmlns:a16="http://schemas.microsoft.com/office/drawing/2014/main" id="{F94C292F-69AB-6307-6EEF-22A06CB5FEE2}"/>
               </a:ext>
             </a:extLst>
           </p:cNvPr>
@@ -13043,7 +15669,7 @@
           <a:p>
             <a:r>
               <a:rPr lang="en-US" dirty="0"/>
-              <a:t>Project Contributions</a:t>
+              <a:t>Persisting Challenges</a:t>
             </a:r>
             <a:endParaRPr lang="en-IN" dirty="0"/>
           </a:p>
@@ -13052,7 +15678,7 @@
     </p:spTree>
     <p:extLst>
       <p:ext uri="{BB962C8B-B14F-4D97-AF65-F5344CB8AC3E}">
-        <p14:creationId xmlns:p14="http://schemas.microsoft.com/office/powerpoint/2010/main" val="1464440457"/>
+        <p14:creationId xmlns:p14="http://schemas.microsoft.com/office/powerpoint/2010/main" val="2021526502"/>
       </p:ext>
     </p:extLst>
   </p:cSld>
@@ -14436,21 +17062,6 @@
 </file>
 
 <file path=customXml/item1.xml><?xml version="1.0" encoding="utf-8"?>
-<p:properties xmlns:p="http://schemas.microsoft.com/office/2006/metadata/properties" xmlns:xsi="http://www.w3.org/2001/XMLSchema-instance" xmlns:pc="http://schemas.microsoft.com/office/infopath/2007/PartnerControls">
-  <documentManagement/>
-</p:properties>
-</file>
-
-<file path=customXml/item2.xml><?xml version="1.0" encoding="utf-8"?>
-<?mso-contentType ?>
-<FormTemplates xmlns="http://schemas.microsoft.com/sharepoint/v3/contenttype/forms">
-  <Display>DocumentLibraryForm</Display>
-  <Edit>DocumentLibraryForm</Edit>
-  <New>DocumentLibraryForm</New>
-</FormTemplates>
-</file>
-
-<file path=customXml/item3.xml><?xml version="1.0" encoding="utf-8"?>
 <ct:contentTypeSchema xmlns:ct="http://schemas.microsoft.com/office/2006/metadata/contentType" xmlns:ma="http://schemas.microsoft.com/office/2006/metadata/properties/metaAttributes" ct:_="" ma:_="" ma:contentTypeName="Document" ma:contentTypeID="0x010100643CD6CE29747349A5A94DA81629FDC5" ma:contentTypeVersion="11" ma:contentTypeDescription="Create a new document." ma:contentTypeScope="" ma:versionID="dc06cc9d132ff9dbfd94d33746a170bc">
   <xsd:schema xmlns:xsd="http://www.w3.org/2001/XMLSchema" xmlns:xs="http://www.w3.org/2001/XMLSchema" xmlns:p="http://schemas.microsoft.com/office/2006/metadata/properties" xmlns:ns2="288a120d-550d-410d-8e83-3a0debd8f61a" xmlns:ns3="b2fc7224-56e7-4a56-81e9-64380d6fda13" targetNamespace="http://schemas.microsoft.com/office/2006/metadata/properties" ma:root="true" ma:fieldsID="3e4d2b7f430bf8adbb47ab8b4dbba55a" ns2:_="" ns3:_="">
     <xsd:import namespace="288a120d-550d-410d-8e83-3a0debd8f61a"/>
@@ -14661,32 +17272,22 @@
 </ct:contentTypeSchema>
 </file>
 
-<file path=customXml/itemProps1.xml><?xml version="1.0" encoding="utf-8"?>
-<ds:datastoreItem xmlns:ds="http://schemas.openxmlformats.org/officeDocument/2006/customXml" ds:itemID="{CC86E6DA-5186-4C2D-B67F-DA1E8DD817FC}">
-  <ds:schemaRefs>
-    <ds:schemaRef ds:uri="http://schemas.microsoft.com/office/infopath/2007/PartnerControls"/>
-    <ds:schemaRef ds:uri="b2fc7224-56e7-4a56-81e9-64380d6fda13"/>
-    <ds:schemaRef ds:uri="http://schemas.microsoft.com/office/2006/documentManagement/types"/>
-    <ds:schemaRef ds:uri="http://purl.org/dc/terms/"/>
-    <ds:schemaRef ds:uri="http://purl.org/dc/elements/1.1/"/>
-    <ds:schemaRef ds:uri="288a120d-550d-410d-8e83-3a0debd8f61a"/>
-    <ds:schemaRef ds:uri="http://schemas.openxmlformats.org/package/2006/metadata/core-properties"/>
-    <ds:schemaRef ds:uri="http://schemas.microsoft.com/office/2006/metadata/properties"/>
-    <ds:schemaRef ds:uri="http://www.w3.org/XML/1998/namespace"/>
-    <ds:schemaRef ds:uri="http://purl.org/dc/dcmitype/"/>
-  </ds:schemaRefs>
-</ds:datastoreItem>
+<file path=customXml/item2.xml><?xml version="1.0" encoding="utf-8"?>
+<p:properties xmlns:p="http://schemas.microsoft.com/office/2006/metadata/properties" xmlns:xsi="http://www.w3.org/2001/XMLSchema-instance" xmlns:pc="http://schemas.microsoft.com/office/infopath/2007/PartnerControls">
+  <documentManagement/>
+</p:properties>
 </file>
 
-<file path=customXml/itemProps2.xml><?xml version="1.0" encoding="utf-8"?>
-<ds:datastoreItem xmlns:ds="http://schemas.openxmlformats.org/officeDocument/2006/customXml" ds:itemID="{414EAF80-A9B1-4397-8673-948369AFEFED}">
-  <ds:schemaRefs>
-    <ds:schemaRef ds:uri="http://schemas.microsoft.com/sharepoint/v3/contenttype/forms"/>
-  </ds:schemaRefs>
-</ds:datastoreItem>
+<file path=customXml/item3.xml><?xml version="1.0" encoding="utf-8"?>
+<?mso-contentType ?>
+<FormTemplates xmlns="http://schemas.microsoft.com/sharepoint/v3/contenttype/forms">
+  <Display>DocumentLibraryForm</Display>
+  <Edit>DocumentLibraryForm</Edit>
+  <New>DocumentLibraryForm</New>
+</FormTemplates>
 </file>
 
-<file path=customXml/itemProps3.xml><?xml version="1.0" encoding="utf-8"?>
+<file path=customXml/itemProps1.xml><?xml version="1.0" encoding="utf-8"?>
 <ds:datastoreItem xmlns:ds="http://schemas.openxmlformats.org/officeDocument/2006/customXml" ds:itemID="{896A51D3-70D6-4C59-A5F9-E965D4778D21}">
   <ds:schemaRefs>
     <ds:schemaRef ds:uri="288a120d-550d-410d-8e83-3a0debd8f61a"/>
@@ -14704,4 +17305,29 @@
     <ds:schemaRef ds:uri="http://www.w3.org/2001/XMLSchema"/>
   </ds:schemaRefs>
 </ds:datastoreItem>
+</file>
+
+<file path=customXml/itemProps2.xml><?xml version="1.0" encoding="utf-8"?>
+<ds:datastoreItem xmlns:ds="http://schemas.openxmlformats.org/officeDocument/2006/customXml" ds:itemID="{CC86E6DA-5186-4C2D-B67F-DA1E8DD817FC}">
+  <ds:schemaRefs>
+    <ds:schemaRef ds:uri="http://schemas.microsoft.com/office/infopath/2007/PartnerControls"/>
+    <ds:schemaRef ds:uri="b2fc7224-56e7-4a56-81e9-64380d6fda13"/>
+    <ds:schemaRef ds:uri="http://schemas.microsoft.com/office/2006/documentManagement/types"/>
+    <ds:schemaRef ds:uri="http://purl.org/dc/terms/"/>
+    <ds:schemaRef ds:uri="http://purl.org/dc/elements/1.1/"/>
+    <ds:schemaRef ds:uri="288a120d-550d-410d-8e83-3a0debd8f61a"/>
+    <ds:schemaRef ds:uri="http://schemas.openxmlformats.org/package/2006/metadata/core-properties"/>
+    <ds:schemaRef ds:uri="http://schemas.microsoft.com/office/2006/metadata/properties"/>
+    <ds:schemaRef ds:uri="http://www.w3.org/XML/1998/namespace"/>
+    <ds:schemaRef ds:uri="http://purl.org/dc/dcmitype/"/>
+  </ds:schemaRefs>
+</ds:datastoreItem>
+</file>
+
+<file path=customXml/itemProps3.xml><?xml version="1.0" encoding="utf-8"?>
+<ds:datastoreItem xmlns:ds="http://schemas.openxmlformats.org/officeDocument/2006/customXml" ds:itemID="{414EAF80-A9B1-4397-8673-948369AFEFED}">
+  <ds:schemaRefs>
+    <ds:schemaRef ds:uri="http://schemas.microsoft.com/sharepoint/v3/contenttype/forms"/>
+  </ds:schemaRefs>
+</ds:datastoreItem>
 </file>
--- a/Documentation/First_review_D6.pptx
+++ b/Documentation/First_review_D6.pptx
@@ -9091,7 +9091,7 @@
         </p:nvSpPr>
         <p:spPr>
           <a:xfrm>
-            <a:off x="571499" y="1226903"/>
+            <a:off x="571499" y="1379303"/>
             <a:ext cx="10515600" cy="4908082"/>
           </a:xfrm>
         </p:spPr>
@@ -9165,7 +9165,7 @@
                 <a:latin typeface="Times New Roman" panose="02020603050405020304" pitchFamily="18" charset="0"/>
                 <a:cs typeface="Times New Roman" panose="02020603050405020304" pitchFamily="18" charset="0"/>
               </a:rPr>
-              <a:t>A. R. Kurup and G. P. Sajeev, “Task recommendation in Reward-Based crowdsourcing systems,” in Fifth International Symposium on Women in Computing and Informatics (WCI-2017), Manipal, Mangalore, India, Sep. 2017, pp. 1511–1518.</a:t>
+              <a:t>A. R. Kurup and G. P. Sajeev, ‘‘A task recommendation scheme for crowdsourcing based on expertise estimation,’’ Electron. Commerce Res. Appl., vol. 41, May 2020, Art. no. 100946</a:t>
             </a:r>
           </a:p>
         </p:txBody>
@@ -9188,7 +9188,7 @@
         </p:nvSpPr>
         <p:spPr>
           <a:xfrm>
-            <a:off x="508746" y="411414"/>
+            <a:off x="454957" y="570615"/>
             <a:ext cx="10515600" cy="421441"/>
           </a:xfrm>
         </p:spPr>
@@ -17062,6 +17062,12 @@
 </file>
 
 <file path=customXml/item1.xml><?xml version="1.0" encoding="utf-8"?>
+<p:properties xmlns:p="http://schemas.microsoft.com/office/2006/metadata/properties" xmlns:xsi="http://www.w3.org/2001/XMLSchema-instance" xmlns:pc="http://schemas.microsoft.com/office/infopath/2007/PartnerControls">
+  <documentManagement/>
+</p:properties>
+</file>
+
+<file path=customXml/item2.xml><?xml version="1.0" encoding="utf-8"?>
 <ct:contentTypeSchema xmlns:ct="http://schemas.microsoft.com/office/2006/metadata/contentType" xmlns:ma="http://schemas.microsoft.com/office/2006/metadata/properties/metaAttributes" ct:_="" ma:_="" ma:contentTypeName="Document" ma:contentTypeID="0x010100643CD6CE29747349A5A94DA81629FDC5" ma:contentTypeVersion="11" ma:contentTypeDescription="Create a new document." ma:contentTypeScope="" ma:versionID="dc06cc9d132ff9dbfd94d33746a170bc">
   <xsd:schema xmlns:xsd="http://www.w3.org/2001/XMLSchema" xmlns:xs="http://www.w3.org/2001/XMLSchema" xmlns:p="http://schemas.microsoft.com/office/2006/metadata/properties" xmlns:ns2="288a120d-550d-410d-8e83-3a0debd8f61a" xmlns:ns3="b2fc7224-56e7-4a56-81e9-64380d6fda13" targetNamespace="http://schemas.microsoft.com/office/2006/metadata/properties" ma:root="true" ma:fieldsID="3e4d2b7f430bf8adbb47ab8b4dbba55a" ns2:_="" ns3:_="">
     <xsd:import namespace="288a120d-550d-410d-8e83-3a0debd8f61a"/>
@@ -17272,12 +17278,6 @@
 </ct:contentTypeSchema>
 </file>
 
-<file path=customXml/item2.xml><?xml version="1.0" encoding="utf-8"?>
-<p:properties xmlns:p="http://schemas.microsoft.com/office/2006/metadata/properties" xmlns:xsi="http://www.w3.org/2001/XMLSchema-instance" xmlns:pc="http://schemas.microsoft.com/office/infopath/2007/PartnerControls">
-  <documentManagement/>
-</p:properties>
-</file>
-
 <file path=customXml/item3.xml><?xml version="1.0" encoding="utf-8"?>
 <?mso-contentType ?>
 <FormTemplates xmlns="http://schemas.microsoft.com/sharepoint/v3/contenttype/forms">
@@ -17288,6 +17288,23 @@
 </file>
 
 <file path=customXml/itemProps1.xml><?xml version="1.0" encoding="utf-8"?>
+<ds:datastoreItem xmlns:ds="http://schemas.openxmlformats.org/officeDocument/2006/customXml" ds:itemID="{CC86E6DA-5186-4C2D-B67F-DA1E8DD817FC}">
+  <ds:schemaRefs>
+    <ds:schemaRef ds:uri="http://schemas.microsoft.com/office/infopath/2007/PartnerControls"/>
+    <ds:schemaRef ds:uri="b2fc7224-56e7-4a56-81e9-64380d6fda13"/>
+    <ds:schemaRef ds:uri="http://schemas.microsoft.com/office/2006/documentManagement/types"/>
+    <ds:schemaRef ds:uri="http://purl.org/dc/terms/"/>
+    <ds:schemaRef ds:uri="http://purl.org/dc/elements/1.1/"/>
+    <ds:schemaRef ds:uri="288a120d-550d-410d-8e83-3a0debd8f61a"/>
+    <ds:schemaRef ds:uri="http://schemas.openxmlformats.org/package/2006/metadata/core-properties"/>
+    <ds:schemaRef ds:uri="http://schemas.microsoft.com/office/2006/metadata/properties"/>
+    <ds:schemaRef ds:uri="http://www.w3.org/XML/1998/namespace"/>
+    <ds:schemaRef ds:uri="http://purl.org/dc/dcmitype/"/>
+  </ds:schemaRefs>
+</ds:datastoreItem>
+</file>
+
+<file path=customXml/itemProps2.xml><?xml version="1.0" encoding="utf-8"?>
 <ds:datastoreItem xmlns:ds="http://schemas.openxmlformats.org/officeDocument/2006/customXml" ds:itemID="{896A51D3-70D6-4C59-A5F9-E965D4778D21}">
   <ds:schemaRefs>
     <ds:schemaRef ds:uri="288a120d-550d-410d-8e83-3a0debd8f61a"/>
@@ -17307,23 +17324,6 @@
 </ds:datastoreItem>
 </file>
 
-<file path=customXml/itemProps2.xml><?xml version="1.0" encoding="utf-8"?>
-<ds:datastoreItem xmlns:ds="http://schemas.openxmlformats.org/officeDocument/2006/customXml" ds:itemID="{CC86E6DA-5186-4C2D-B67F-DA1E8DD817FC}">
-  <ds:schemaRefs>
-    <ds:schemaRef ds:uri="http://schemas.microsoft.com/office/infopath/2007/PartnerControls"/>
-    <ds:schemaRef ds:uri="b2fc7224-56e7-4a56-81e9-64380d6fda13"/>
-    <ds:schemaRef ds:uri="http://schemas.microsoft.com/office/2006/documentManagement/types"/>
-    <ds:schemaRef ds:uri="http://purl.org/dc/terms/"/>
-    <ds:schemaRef ds:uri="http://purl.org/dc/elements/1.1/"/>
-    <ds:schemaRef ds:uri="288a120d-550d-410d-8e83-3a0debd8f61a"/>
-    <ds:schemaRef ds:uri="http://schemas.openxmlformats.org/package/2006/metadata/core-properties"/>
-    <ds:schemaRef ds:uri="http://schemas.microsoft.com/office/2006/metadata/properties"/>
-    <ds:schemaRef ds:uri="http://www.w3.org/XML/1998/namespace"/>
-    <ds:schemaRef ds:uri="http://purl.org/dc/dcmitype/"/>
-  </ds:schemaRefs>
-</ds:datastoreItem>
-</file>
-
 <file path=customXml/itemProps3.xml><?xml version="1.0" encoding="utf-8"?>
 <ds:datastoreItem xmlns:ds="http://schemas.openxmlformats.org/officeDocument/2006/customXml" ds:itemID="{414EAF80-A9B1-4397-8673-948369AFEFED}">
   <ds:schemaRefs>
